--- a/1주차 - 주제별 스터디-웹제작스터디.pptx
+++ b/1주차 - 주제별 스터디-웹제작스터디.pptx
@@ -5,16 +5,15 @@
     <p:sldMasterId id="2147483648" r:id="rId1"/>
   </p:sldMasterIdLst>
   <p:notesMasterIdLst>
-    <p:notesMasterId r:id="rId9"/>
+    <p:notesMasterId r:id="rId8"/>
   </p:notesMasterIdLst>
   <p:sldIdLst>
     <p:sldId id="256" r:id="rId2"/>
-    <p:sldId id="258" r:id="rId3"/>
-    <p:sldId id="259" r:id="rId4"/>
-    <p:sldId id="260" r:id="rId5"/>
-    <p:sldId id="263" r:id="rId6"/>
-    <p:sldId id="262" r:id="rId7"/>
-    <p:sldId id="264" r:id="rId8"/>
+    <p:sldId id="259" r:id="rId3"/>
+    <p:sldId id="260" r:id="rId4"/>
+    <p:sldId id="263" r:id="rId5"/>
+    <p:sldId id="264" r:id="rId6"/>
+    <p:sldId id="258" r:id="rId7"/>
   </p:sldIdLst>
   <p:sldSz cx="12192000" cy="6858000"/>
   <p:notesSz cx="6858000" cy="9144000"/>
@@ -685,6 +684,68 @@
           <a:bodyPr/>
           <a:lstStyle/>
           <a:p>
+            <a:r>
+              <a:rPr lang="ko-KR" altLang="en-US" dirty="0" err="1" smtClean="0"/>
+              <a:t>깃헙</a:t>
+            </a:r>
+            <a:r>
+              <a:rPr lang="ko-KR" altLang="en-US" dirty="0" smtClean="0"/>
+              <a:t> </a:t>
+            </a:r>
+            <a:r>
+              <a:rPr lang="en-US" altLang="ko-KR" dirty="0" smtClean="0"/>
+              <a:t>README</a:t>
+            </a:r>
+            <a:r>
+              <a:rPr lang="ko-KR" altLang="en-US" dirty="0" smtClean="0"/>
+              <a:t>인데요</a:t>
+            </a:r>
+            <a:endParaRPr lang="en-US" altLang="ko-KR" dirty="0" smtClean="0"/>
+          </a:p>
+          <a:p>
+            <a:r>
+              <a:rPr lang="ko-KR" altLang="en-US" dirty="0" smtClean="0"/>
+              <a:t>저희 조가 앞으로 </a:t>
+            </a:r>
+            <a:r>
+              <a:rPr lang="ko-KR" altLang="en-US" dirty="0" err="1" smtClean="0"/>
+              <a:t>스터디할</a:t>
+            </a:r>
+            <a:r>
+              <a:rPr lang="ko-KR" altLang="en-US" dirty="0" smtClean="0"/>
+              <a:t> 내용들을 </a:t>
+            </a:r>
+            <a:r>
+              <a:rPr lang="ko-KR" altLang="en-US" dirty="0" err="1" smtClean="0"/>
+              <a:t>정섭님이</a:t>
+            </a:r>
+            <a:r>
+              <a:rPr lang="ko-KR" altLang="en-US" dirty="0" smtClean="0"/>
+              <a:t> 간단하게 추려서 작성해 </a:t>
+            </a:r>
+            <a:r>
+              <a:rPr lang="ko-KR" altLang="en-US" dirty="0" err="1" smtClean="0"/>
+              <a:t>주신거에요</a:t>
+            </a:r>
+            <a:endParaRPr lang="en-US" altLang="ko-KR" dirty="0" smtClean="0"/>
+          </a:p>
+          <a:p>
+            <a:r>
+              <a:rPr lang="ko-KR" altLang="en-US" dirty="0" smtClean="0"/>
+              <a:t>그래서 실습사이트에 있는 </a:t>
+            </a:r>
+            <a:r>
+              <a:rPr lang="ko-KR" altLang="en-US" dirty="0" err="1" smtClean="0"/>
+              <a:t>사이트들을는</a:t>
+            </a:r>
+            <a:r>
+              <a:rPr lang="ko-KR" altLang="en-US" dirty="0" smtClean="0"/>
+              <a:t> 저희가 직접</a:t>
+            </a:r>
+            <a:r>
+              <a:rPr lang="ko-KR" altLang="en-US" baseline="0" dirty="0" smtClean="0"/>
+              <a:t> 제작해보는 작업을 했습니다</a:t>
+            </a:r>
             <a:endParaRPr lang="en-US" altLang="ko-KR" dirty="0" smtClean="0"/>
           </a:p>
         </p:txBody>
@@ -715,7 +776,7 @@
     </p:spTree>
     <p:extLst>
       <p:ext uri="{BB962C8B-B14F-4D97-AF65-F5344CB8AC3E}">
-        <p14:creationId xmlns:p14="http://schemas.microsoft.com/office/powerpoint/2010/main" val="1376004805"/>
+        <p14:creationId xmlns:p14="http://schemas.microsoft.com/office/powerpoint/2010/main" val="456978206"/>
       </p:ext>
     </p:extLst>
   </p:cSld>
@@ -770,66 +831,32 @@
           <a:lstStyle/>
           <a:p>
             <a:r>
+              <a:rPr lang="ko-KR" altLang="en-US" dirty="0" smtClean="0"/>
+              <a:t>내가 </a:t>
+            </a:r>
+            <a:r>
               <a:rPr lang="ko-KR" altLang="en-US" dirty="0" err="1" smtClean="0"/>
-              <a:t>깃헙</a:t>
+              <a:t>크롤링</a:t>
             </a:r>
             <a:r>
               <a:rPr lang="ko-KR" altLang="en-US" dirty="0" smtClean="0"/>
-              <a:t> </a:t>
-            </a:r>
-            <a:r>
-              <a:rPr lang="en-US" altLang="ko-KR" dirty="0" smtClean="0"/>
-              <a:t>README</a:t>
+              <a:t> 작업을 시작하기 전에 어느정도 </a:t>
+            </a:r>
+            <a:r>
+              <a:rPr lang="ko-KR" altLang="en-US" dirty="0" err="1" smtClean="0"/>
+              <a:t>다이아그램을</a:t>
             </a:r>
             <a:r>
               <a:rPr lang="ko-KR" altLang="en-US" dirty="0" smtClean="0"/>
-              <a:t>인데요</a:t>
-            </a:r>
-            <a:endParaRPr lang="en-US" altLang="ko-KR" dirty="0" smtClean="0"/>
-          </a:p>
-          <a:p>
+              <a:t> 통해 구상을 </a:t>
+            </a:r>
+            <a:r>
+              <a:rPr lang="ko-KR" altLang="en-US" dirty="0" err="1" smtClean="0"/>
+              <a:t>하는것이</a:t>
+            </a:r>
             <a:r>
               <a:rPr lang="ko-KR" altLang="en-US" dirty="0" smtClean="0"/>
-              <a:t>저희 조가 앞으로 </a:t>
-            </a:r>
-            <a:r>
-              <a:rPr lang="ko-KR" altLang="en-US" dirty="0" err="1" smtClean="0"/>
-              <a:t>스터디할</a:t>
-            </a:r>
-            <a:r>
-              <a:rPr lang="ko-KR" altLang="en-US" dirty="0" smtClean="0"/>
-              <a:t> 내용들을 </a:t>
-            </a:r>
-            <a:r>
-              <a:rPr lang="ko-KR" altLang="en-US" dirty="0" err="1" smtClean="0"/>
-              <a:t>정섭님이</a:t>
-            </a:r>
-            <a:r>
-              <a:rPr lang="ko-KR" altLang="en-US" dirty="0" smtClean="0"/>
-              <a:t> 간단하게 추려서 작성해 </a:t>
-            </a:r>
-            <a:r>
-              <a:rPr lang="ko-KR" altLang="en-US" dirty="0" err="1" smtClean="0"/>
-              <a:t>주신거에요</a:t>
-            </a:r>
-            <a:endParaRPr lang="en-US" altLang="ko-KR" dirty="0" smtClean="0"/>
-          </a:p>
-          <a:p>
-            <a:r>
-              <a:rPr lang="ko-KR" altLang="en-US" dirty="0" smtClean="0"/>
-              <a:t>그래서 실습사이트에 있는 </a:t>
-            </a:r>
-            <a:r>
-              <a:rPr lang="ko-KR" altLang="en-US" dirty="0" err="1" smtClean="0"/>
-              <a:t>사이트들을는</a:t>
-            </a:r>
-            <a:r>
-              <a:rPr lang="ko-KR" altLang="en-US" dirty="0" smtClean="0"/>
-              <a:t> 저희가 직접</a:t>
-            </a:r>
-            <a:r>
-              <a:rPr lang="ko-KR" altLang="en-US" baseline="0" dirty="0" smtClean="0"/>
-              <a:t> 제작해보는 작업을 했습니다</a:t>
+              <a:t> 나중에는 시간을 매우 절약해줄 수 있을 것이다</a:t>
             </a:r>
             <a:endParaRPr lang="en-US" altLang="ko-KR" dirty="0" smtClean="0"/>
           </a:p>
@@ -861,7 +888,7 @@
     </p:spTree>
     <p:extLst>
       <p:ext uri="{BB962C8B-B14F-4D97-AF65-F5344CB8AC3E}">
-        <p14:creationId xmlns:p14="http://schemas.microsoft.com/office/powerpoint/2010/main" val="456978206"/>
+        <p14:creationId xmlns:p14="http://schemas.microsoft.com/office/powerpoint/2010/main" val="4275489950"/>
       </p:ext>
     </p:extLst>
   </p:cSld>
@@ -917,31 +944,38 @@
           <a:p>
             <a:r>
               <a:rPr lang="ko-KR" altLang="en-US" dirty="0" smtClean="0"/>
-              <a:t>내가 </a:t>
+              <a:t>먼저 제가 </a:t>
             </a:r>
             <a:r>
               <a:rPr lang="ko-KR" altLang="en-US" dirty="0" err="1" smtClean="0"/>
-              <a:t>크롤링</a:t>
+              <a:t>웹페이지를</a:t>
             </a:r>
             <a:r>
               <a:rPr lang="ko-KR" altLang="en-US" dirty="0" smtClean="0"/>
-              <a:t> 작업을 시작하기 전에 어느정도 </a:t>
-            </a:r>
-            <a:r>
-              <a:rPr lang="ko-KR" altLang="en-US" dirty="0" err="1" smtClean="0"/>
-              <a:t>다이아그램을</a:t>
-            </a:r>
+              <a:t> 보고</a:t>
+            </a:r>
+            <a:r>
+              <a:rPr lang="ko-KR" altLang="en-US" baseline="0" dirty="0" smtClean="0"/>
+              <a:t> 구조를 잡아서 작성한 뒤</a:t>
+            </a:r>
+            <a:endParaRPr lang="en-US" altLang="ko-KR" baseline="0" dirty="0" smtClean="0"/>
+          </a:p>
+          <a:p>
             <a:r>
               <a:rPr lang="ko-KR" altLang="en-US" dirty="0" smtClean="0"/>
-              <a:t> 통해 구상을 </a:t>
-            </a:r>
-            <a:r>
-              <a:rPr lang="ko-KR" altLang="en-US" dirty="0" err="1" smtClean="0"/>
-              <a:t>하는것이</a:t>
-            </a:r>
-            <a:r>
-              <a:rPr lang="ko-KR" altLang="en-US" dirty="0" smtClean="0"/>
-              <a:t> 나중에는 시간을 매우 절약해줄 수 있을 것이다</a:t>
+              <a:t>나중에 수정해</a:t>
+            </a:r>
+            <a:r>
+              <a:rPr lang="en-US" altLang="ko-KR" baseline="0" dirty="0" smtClean="0"/>
+              <a:t> </a:t>
+            </a:r>
+            <a:r>
+              <a:rPr lang="ko-KR" altLang="en-US" baseline="0" dirty="0" smtClean="0"/>
+              <a:t>주신 </a:t>
+            </a:r>
+            <a:r>
+              <a:rPr lang="ko-KR" altLang="en-US" baseline="0" dirty="0" err="1" smtClean="0"/>
+              <a:t>것ㅅㅅ</a:t>
             </a:r>
             <a:endParaRPr lang="en-US" altLang="ko-KR" dirty="0" smtClean="0"/>
           </a:p>
@@ -973,7 +1007,7 @@
     </p:spTree>
     <p:extLst>
       <p:ext uri="{BB962C8B-B14F-4D97-AF65-F5344CB8AC3E}">
-        <p14:creationId xmlns:p14="http://schemas.microsoft.com/office/powerpoint/2010/main" val="4275489950"/>
+        <p14:creationId xmlns:p14="http://schemas.microsoft.com/office/powerpoint/2010/main" val="2983719473"/>
       </p:ext>
     </p:extLst>
   </p:cSld>
@@ -1027,41 +1061,6 @@
           <a:bodyPr/>
           <a:lstStyle/>
           <a:p>
-            <a:r>
-              <a:rPr lang="ko-KR" altLang="en-US" dirty="0" smtClean="0"/>
-              <a:t>먼저 제가 </a:t>
-            </a:r>
-            <a:r>
-              <a:rPr lang="ko-KR" altLang="en-US" dirty="0" err="1" smtClean="0"/>
-              <a:t>웹페이지를</a:t>
-            </a:r>
-            <a:r>
-              <a:rPr lang="ko-KR" altLang="en-US" dirty="0" smtClean="0"/>
-              <a:t> 보고</a:t>
-            </a:r>
-            <a:r>
-              <a:rPr lang="ko-KR" altLang="en-US" baseline="0" dirty="0" smtClean="0"/>
-              <a:t> 구조를 잡아서 작성한 뒤</a:t>
-            </a:r>
-            <a:endParaRPr lang="en-US" altLang="ko-KR" baseline="0" dirty="0" smtClean="0"/>
-          </a:p>
-          <a:p>
-            <a:r>
-              <a:rPr lang="ko-KR" altLang="en-US" dirty="0" smtClean="0"/>
-              <a:t>나중에 수정해</a:t>
-            </a:r>
-            <a:r>
-              <a:rPr lang="en-US" altLang="ko-KR" baseline="0" dirty="0" smtClean="0"/>
-              <a:t> </a:t>
-            </a:r>
-            <a:r>
-              <a:rPr lang="ko-KR" altLang="en-US" baseline="0" dirty="0" smtClean="0"/>
-              <a:t>주신 </a:t>
-            </a:r>
-            <a:r>
-              <a:rPr lang="ko-KR" altLang="en-US" baseline="0" dirty="0" err="1" smtClean="0"/>
-              <a:t>것ㅅㅅ</a:t>
-            </a:r>
             <a:endParaRPr lang="en-US" altLang="ko-KR" dirty="0" smtClean="0"/>
           </a:p>
         </p:txBody>
@@ -1092,7 +1091,7 @@
     </p:spTree>
     <p:extLst>
       <p:ext uri="{BB962C8B-B14F-4D97-AF65-F5344CB8AC3E}">
-        <p14:creationId xmlns:p14="http://schemas.microsoft.com/office/powerpoint/2010/main" val="2983719473"/>
+        <p14:creationId xmlns:p14="http://schemas.microsoft.com/office/powerpoint/2010/main" val="2154933632"/>
       </p:ext>
     </p:extLst>
   </p:cSld>
@@ -1147,32 +1146,100 @@
           <a:lstStyle/>
           <a:p>
             <a:r>
-              <a:rPr lang="ko-KR" altLang="en-US" dirty="0" smtClean="0"/>
-              <a:t>내가 </a:t>
-            </a:r>
-            <a:r>
-              <a:rPr lang="ko-KR" altLang="en-US" dirty="0" err="1" smtClean="0"/>
-              <a:t>크롤링</a:t>
-            </a:r>
-            <a:r>
-              <a:rPr lang="ko-KR" altLang="en-US" dirty="0" smtClean="0"/>
-              <a:t> 작업을 시작하기 전에 어느정도 </a:t>
-            </a:r>
-            <a:r>
-              <a:rPr lang="ko-KR" altLang="en-US" dirty="0" err="1" smtClean="0"/>
-              <a:t>다이아그램을</a:t>
-            </a:r>
-            <a:r>
-              <a:rPr lang="ko-KR" altLang="en-US" dirty="0" smtClean="0"/>
-              <a:t> 통해 구상을 </a:t>
-            </a:r>
-            <a:r>
-              <a:rPr lang="ko-KR" altLang="en-US" dirty="0" err="1" smtClean="0"/>
-              <a:t>하는것이</a:t>
-            </a:r>
-            <a:r>
-              <a:rPr lang="ko-KR" altLang="en-US" dirty="0" smtClean="0"/>
-              <a:t> 나중에는 시간을 매우 절약해줄 수 있을 것이다</a:t>
+              <a:rPr lang="ko-KR" altLang="en-US" sz="1200" b="0" i="0" kern="1200" dirty="0" smtClean="0">
+                <a:solidFill>
+                  <a:schemeClr val="tx1"/>
+                </a:solidFill>
+                <a:effectLst/>
+                <a:latin typeface="+mn-lt"/>
+                <a:ea typeface="+mn-ea"/>
+                <a:cs typeface="+mn-cs"/>
+              </a:rPr>
+              <a:t>중첩이 가능한 덕분에</a:t>
+            </a:r>
+            <a:r>
+              <a:rPr lang="ko-KR" altLang="en-US" sz="1200" b="0" i="0" kern="1200" baseline="0" dirty="0" smtClean="0">
+                <a:solidFill>
+                  <a:schemeClr val="tx1"/>
+                </a:solidFill>
+                <a:effectLst/>
+                <a:latin typeface="+mn-lt"/>
+                <a:ea typeface="+mn-ea"/>
+                <a:cs typeface="+mn-cs"/>
+              </a:rPr>
+              <a:t> </a:t>
+            </a:r>
+            <a:r>
+              <a:rPr lang="ko-KR" altLang="en-US" sz="1200" b="0" i="0" kern="1200" dirty="0" smtClean="0">
+                <a:solidFill>
+                  <a:schemeClr val="tx1"/>
+                </a:solidFill>
+                <a:effectLst/>
+                <a:latin typeface="+mn-lt"/>
+                <a:ea typeface="+mn-ea"/>
+                <a:cs typeface="+mn-cs"/>
+              </a:rPr>
+              <a:t>구문도 짧아지고</a:t>
+            </a:r>
+            <a:r>
+              <a:rPr lang="en-US" altLang="ko-KR" sz="1200" b="0" i="0" kern="1200" dirty="0" smtClean="0">
+                <a:solidFill>
+                  <a:schemeClr val="tx1"/>
+                </a:solidFill>
+                <a:effectLst/>
+                <a:latin typeface="+mn-lt"/>
+                <a:ea typeface="+mn-ea"/>
+                <a:cs typeface="+mn-cs"/>
+              </a:rPr>
+              <a:t>, </a:t>
+            </a:r>
+            <a:r>
+              <a:rPr lang="ko-KR" altLang="en-US" sz="1200" b="0" i="0" kern="1200" dirty="0" smtClean="0">
+                <a:solidFill>
+                  <a:schemeClr val="tx1"/>
+                </a:solidFill>
+                <a:effectLst/>
+                <a:latin typeface="+mn-lt"/>
+                <a:ea typeface="+mn-ea"/>
+                <a:cs typeface="+mn-cs"/>
+              </a:rPr>
+              <a:t>부모 자식의 </a:t>
+            </a:r>
+            <a:r>
+              <a:rPr lang="ko-KR" altLang="en-US" sz="1200" b="0" i="0" kern="1200" dirty="0" err="1" smtClean="0">
+                <a:solidFill>
+                  <a:schemeClr val="tx1"/>
+                </a:solidFill>
+                <a:effectLst/>
+                <a:latin typeface="+mn-lt"/>
+                <a:ea typeface="+mn-ea"/>
+                <a:cs typeface="+mn-cs"/>
+              </a:rPr>
+              <a:t>상하구조도</a:t>
+            </a:r>
+            <a:r>
+              <a:rPr lang="ko-KR" altLang="en-US" sz="1200" b="0" i="0" kern="1200" dirty="0" smtClean="0">
+                <a:solidFill>
+                  <a:schemeClr val="tx1"/>
+                </a:solidFill>
+                <a:effectLst/>
+                <a:latin typeface="+mn-lt"/>
+                <a:ea typeface="+mn-ea"/>
+                <a:cs typeface="+mn-cs"/>
+              </a:rPr>
+              <a:t> 더욱 쉽게 파악할 수 있어요</a:t>
+            </a:r>
+            <a:r>
+              <a:rPr lang="en-US" altLang="ko-KR" sz="1200" b="0" i="0" kern="1200" dirty="0" smtClean="0">
+                <a:solidFill>
+                  <a:schemeClr val="tx1"/>
+                </a:solidFill>
+                <a:effectLst/>
+                <a:latin typeface="+mn-lt"/>
+                <a:ea typeface="+mn-ea"/>
+                <a:cs typeface="+mn-cs"/>
+              </a:rPr>
+              <a:t>!</a:t>
             </a:r>
             <a:endParaRPr lang="en-US" altLang="ko-KR" dirty="0" smtClean="0"/>
           </a:p>
@@ -1204,119 +1271,7 @@
     </p:spTree>
     <p:extLst>
       <p:ext uri="{BB962C8B-B14F-4D97-AF65-F5344CB8AC3E}">
-        <p14:creationId xmlns:p14="http://schemas.microsoft.com/office/powerpoint/2010/main" val="440252693"/>
-      </p:ext>
-    </p:extLst>
-  </p:cSld>
-  <p:clrMapOvr>
-    <a:masterClrMapping/>
-  </p:clrMapOvr>
-</p:notes>
-</file>
-
-<file path=ppt/notesSlides/notesSlide7.xml><?xml version="1.0" encoding="utf-8"?>
-<p:notes xmlns:a="http://schemas.openxmlformats.org/drawingml/2006/main" xmlns:r="http://schemas.openxmlformats.org/officeDocument/2006/relationships" xmlns:p="http://schemas.openxmlformats.org/presentationml/2006/main">
-  <p:cSld>
-    <p:spTree>
-      <p:nvGrpSpPr>
-        <p:cNvPr id="1" name=""/>
-        <p:cNvGrpSpPr/>
-        <p:nvPr/>
-      </p:nvGrpSpPr>
-      <p:grpSpPr>
-        <a:xfrm>
-          <a:off x="0" y="0"/>
-          <a:ext cx="0" cy="0"/>
-          <a:chOff x="0" y="0"/>
-          <a:chExt cx="0" cy="0"/>
-        </a:xfrm>
-      </p:grpSpPr>
-      <p:sp>
-        <p:nvSpPr>
-          <p:cNvPr id="2" name="슬라이드 이미지 개체 틀 1"/>
-          <p:cNvSpPr>
-            <a:spLocks noGrp="1" noRot="1" noChangeAspect="1"/>
-          </p:cNvSpPr>
-          <p:nvPr>
-            <p:ph type="sldImg"/>
-          </p:nvPr>
-        </p:nvSpPr>
-        <p:spPr/>
-      </p:sp>
-      <p:sp>
-        <p:nvSpPr>
-          <p:cNvPr id="3" name="슬라이드 노트 개체 틀 2"/>
-          <p:cNvSpPr>
-            <a:spLocks noGrp="1"/>
-          </p:cNvSpPr>
-          <p:nvPr>
-            <p:ph type="body" idx="1"/>
-          </p:nvPr>
-        </p:nvSpPr>
-        <p:spPr/>
-        <p:txBody>
-          <a:bodyPr/>
-          <a:lstStyle/>
-          <a:p>
-            <a:r>
-              <a:rPr lang="ko-KR" altLang="en-US" dirty="0" smtClean="0"/>
-              <a:t>내가 </a:t>
-            </a:r>
-            <a:r>
-              <a:rPr lang="ko-KR" altLang="en-US" dirty="0" err="1" smtClean="0"/>
-              <a:t>크롤링</a:t>
-            </a:r>
-            <a:r>
-              <a:rPr lang="ko-KR" altLang="en-US" dirty="0" smtClean="0"/>
-              <a:t> 작업을 시작하기 전에 어느정도 </a:t>
-            </a:r>
-            <a:r>
-              <a:rPr lang="ko-KR" altLang="en-US" dirty="0" err="1" smtClean="0"/>
-              <a:t>다이아그램을</a:t>
-            </a:r>
-            <a:r>
-              <a:rPr lang="ko-KR" altLang="en-US" dirty="0" smtClean="0"/>
-              <a:t> 통해 구상을 </a:t>
-            </a:r>
-            <a:r>
-              <a:rPr lang="ko-KR" altLang="en-US" dirty="0" err="1" smtClean="0"/>
-              <a:t>하는것이</a:t>
-            </a:r>
-            <a:r>
-              <a:rPr lang="ko-KR" altLang="en-US" dirty="0" smtClean="0"/>
-              <a:t> 나중에는 시간을 매우 절약해줄 수 있을 것이다</a:t>
-            </a:r>
-            <a:endParaRPr lang="en-US" altLang="ko-KR" dirty="0" smtClean="0"/>
-          </a:p>
-        </p:txBody>
-      </p:sp>
-      <p:sp>
-        <p:nvSpPr>
-          <p:cNvPr id="4" name="슬라이드 번호 개체 틀 3"/>
-          <p:cNvSpPr>
-            <a:spLocks noGrp="1"/>
-          </p:cNvSpPr>
-          <p:nvPr>
-            <p:ph type="sldNum" sz="quarter" idx="10"/>
-          </p:nvPr>
-        </p:nvSpPr>
-        <p:spPr/>
-        <p:txBody>
-          <a:bodyPr/>
-          <a:lstStyle/>
-          <a:p>
-            <a:fld id="{A20840C9-15C5-4313-9A53-411B539B32CE}" type="slidenum">
-              <a:rPr lang="ko-KR" altLang="en-US" smtClean="0"/>
-              <a:t>7</a:t>
-            </a:fld>
-            <a:endParaRPr lang="ko-KR" altLang="en-US"/>
-          </a:p>
-        </p:txBody>
-      </p:sp>
-    </p:spTree>
-    <p:extLst>
-      <p:ext uri="{BB962C8B-B14F-4D97-AF65-F5344CB8AC3E}">
-        <p14:creationId xmlns:p14="http://schemas.microsoft.com/office/powerpoint/2010/main" val="369196449"/>
+        <p14:creationId xmlns:p14="http://schemas.microsoft.com/office/powerpoint/2010/main" val="1376004805"/>
       </p:ext>
     </p:extLst>
   </p:cSld>
@@ -4713,2032 +4668,6 @@
       </p:grpSpPr>
       <p:sp>
         <p:nvSpPr>
-          <p:cNvPr id="11" name="부제목 2"/>
-          <p:cNvSpPr txBox="1">
-            <a:spLocks/>
-          </p:cNvSpPr>
-          <p:nvPr/>
-        </p:nvSpPr>
-        <p:spPr>
-          <a:xfrm>
-            <a:off x="653562" y="1018344"/>
-            <a:ext cx="7344126" cy="332399"/>
-          </a:xfrm>
-          <a:prstGeom prst="rect">
-            <a:avLst/>
-          </a:prstGeom>
-        </p:spPr>
-        <p:txBody>
-          <a:bodyPr vert="horz" wrap="none" lIns="0" tIns="0" rIns="0" bIns="0" rtlCol="0">
-            <a:spAutoFit/>
-          </a:bodyPr>
-          <a:lstStyle>
-            <a:lvl1pPr marL="0" indent="0" algn="ctr" defTabSz="914400" rtl="0" eaLnBrk="1" latinLnBrk="1" hangingPunct="1">
-              <a:lnSpc>
-                <a:spcPct val="90000"/>
-              </a:lnSpc>
-              <a:spcBef>
-                <a:spcPts val="1000"/>
-              </a:spcBef>
-              <a:buFont typeface="Arial" panose="020B0604020202020204" pitchFamily="34" charset="0"/>
-              <a:buNone/>
-              <a:defRPr sz="2400" kern="1200">
-                <a:solidFill>
-                  <a:schemeClr val="tx1"/>
-                </a:solidFill>
-                <a:latin typeface="+mn-lt"/>
-                <a:ea typeface="+mn-ea"/>
-                <a:cs typeface="+mn-cs"/>
-              </a:defRPr>
-            </a:lvl1pPr>
-            <a:lvl2pPr marL="457200" indent="0" algn="ctr" defTabSz="914400" rtl="0" eaLnBrk="1" latinLnBrk="1" hangingPunct="1">
-              <a:lnSpc>
-                <a:spcPct val="90000"/>
-              </a:lnSpc>
-              <a:spcBef>
-                <a:spcPts val="500"/>
-              </a:spcBef>
-              <a:buFont typeface="Arial" panose="020B0604020202020204" pitchFamily="34" charset="0"/>
-              <a:buNone/>
-              <a:defRPr sz="2000" kern="1200">
-                <a:solidFill>
-                  <a:schemeClr val="tx1"/>
-                </a:solidFill>
-                <a:latin typeface="+mn-lt"/>
-                <a:ea typeface="+mn-ea"/>
-                <a:cs typeface="+mn-cs"/>
-              </a:defRPr>
-            </a:lvl2pPr>
-            <a:lvl3pPr marL="914400" indent="0" algn="ctr" defTabSz="914400" rtl="0" eaLnBrk="1" latinLnBrk="1" hangingPunct="1">
-              <a:lnSpc>
-                <a:spcPct val="90000"/>
-              </a:lnSpc>
-              <a:spcBef>
-                <a:spcPts val="500"/>
-              </a:spcBef>
-              <a:buFont typeface="Arial" panose="020B0604020202020204" pitchFamily="34" charset="0"/>
-              <a:buNone/>
-              <a:defRPr sz="1800" kern="1200">
-                <a:solidFill>
-                  <a:schemeClr val="tx1"/>
-                </a:solidFill>
-                <a:latin typeface="+mn-lt"/>
-                <a:ea typeface="+mn-ea"/>
-                <a:cs typeface="+mn-cs"/>
-              </a:defRPr>
-            </a:lvl3pPr>
-            <a:lvl4pPr marL="1371600" indent="0" algn="ctr" defTabSz="914400" rtl="0" eaLnBrk="1" latinLnBrk="1" hangingPunct="1">
-              <a:lnSpc>
-                <a:spcPct val="90000"/>
-              </a:lnSpc>
-              <a:spcBef>
-                <a:spcPts val="500"/>
-              </a:spcBef>
-              <a:buFont typeface="Arial" panose="020B0604020202020204" pitchFamily="34" charset="0"/>
-              <a:buNone/>
-              <a:defRPr sz="1600" kern="1200">
-                <a:solidFill>
-                  <a:schemeClr val="tx1"/>
-                </a:solidFill>
-                <a:latin typeface="+mn-lt"/>
-                <a:ea typeface="+mn-ea"/>
-                <a:cs typeface="+mn-cs"/>
-              </a:defRPr>
-            </a:lvl4pPr>
-            <a:lvl5pPr marL="1828800" indent="0" algn="ctr" defTabSz="914400" rtl="0" eaLnBrk="1" latinLnBrk="1" hangingPunct="1">
-              <a:lnSpc>
-                <a:spcPct val="90000"/>
-              </a:lnSpc>
-              <a:spcBef>
-                <a:spcPts val="500"/>
-              </a:spcBef>
-              <a:buFont typeface="Arial" panose="020B0604020202020204" pitchFamily="34" charset="0"/>
-              <a:buNone/>
-              <a:defRPr sz="1600" kern="1200">
-                <a:solidFill>
-                  <a:schemeClr val="tx1"/>
-                </a:solidFill>
-                <a:latin typeface="+mn-lt"/>
-                <a:ea typeface="+mn-ea"/>
-                <a:cs typeface="+mn-cs"/>
-              </a:defRPr>
-            </a:lvl5pPr>
-            <a:lvl6pPr marL="2286000" indent="0" algn="ctr" defTabSz="914400" rtl="0" eaLnBrk="1" latinLnBrk="1" hangingPunct="1">
-              <a:lnSpc>
-                <a:spcPct val="90000"/>
-              </a:lnSpc>
-              <a:spcBef>
-                <a:spcPts val="500"/>
-              </a:spcBef>
-              <a:buFont typeface="Arial" panose="020B0604020202020204" pitchFamily="34" charset="0"/>
-              <a:buNone/>
-              <a:defRPr sz="1600" kern="1200">
-                <a:solidFill>
-                  <a:schemeClr val="tx1"/>
-                </a:solidFill>
-                <a:latin typeface="+mn-lt"/>
-                <a:ea typeface="+mn-ea"/>
-                <a:cs typeface="+mn-cs"/>
-              </a:defRPr>
-            </a:lvl6pPr>
-            <a:lvl7pPr marL="2743200" indent="0" algn="ctr" defTabSz="914400" rtl="0" eaLnBrk="1" latinLnBrk="1" hangingPunct="1">
-              <a:lnSpc>
-                <a:spcPct val="90000"/>
-              </a:lnSpc>
-              <a:spcBef>
-                <a:spcPts val="500"/>
-              </a:spcBef>
-              <a:buFont typeface="Arial" panose="020B0604020202020204" pitchFamily="34" charset="0"/>
-              <a:buNone/>
-              <a:defRPr sz="1600" kern="1200">
-                <a:solidFill>
-                  <a:schemeClr val="tx1"/>
-                </a:solidFill>
-                <a:latin typeface="+mn-lt"/>
-                <a:ea typeface="+mn-ea"/>
-                <a:cs typeface="+mn-cs"/>
-              </a:defRPr>
-            </a:lvl7pPr>
-            <a:lvl8pPr marL="3200400" indent="0" algn="ctr" defTabSz="914400" rtl="0" eaLnBrk="1" latinLnBrk="1" hangingPunct="1">
-              <a:lnSpc>
-                <a:spcPct val="90000"/>
-              </a:lnSpc>
-              <a:spcBef>
-                <a:spcPts val="500"/>
-              </a:spcBef>
-              <a:buFont typeface="Arial" panose="020B0604020202020204" pitchFamily="34" charset="0"/>
-              <a:buNone/>
-              <a:defRPr sz="1600" kern="1200">
-                <a:solidFill>
-                  <a:schemeClr val="tx1"/>
-                </a:solidFill>
-                <a:latin typeface="+mn-lt"/>
-                <a:ea typeface="+mn-ea"/>
-                <a:cs typeface="+mn-cs"/>
-              </a:defRPr>
-            </a:lvl8pPr>
-            <a:lvl9pPr marL="3657600" indent="0" algn="ctr" defTabSz="914400" rtl="0" eaLnBrk="1" latinLnBrk="1" hangingPunct="1">
-              <a:lnSpc>
-                <a:spcPct val="90000"/>
-              </a:lnSpc>
-              <a:spcBef>
-                <a:spcPts val="500"/>
-              </a:spcBef>
-              <a:buFont typeface="Arial" panose="020B0604020202020204" pitchFamily="34" charset="0"/>
-              <a:buNone/>
-              <a:defRPr sz="1600" kern="1200">
-                <a:solidFill>
-                  <a:schemeClr val="tx1"/>
-                </a:solidFill>
-                <a:latin typeface="+mn-lt"/>
-                <a:ea typeface="+mn-ea"/>
-                <a:cs typeface="+mn-cs"/>
-              </a:defRPr>
-            </a:lvl9pPr>
-          </a:lstStyle>
-          <a:p>
-            <a:pPr algn="l"/>
-            <a:r>
-              <a:rPr lang="en-US" altLang="ko-KR" dirty="0" err="1" smtClean="0"/>
-              <a:t>Github</a:t>
-            </a:r>
-            <a:r>
-              <a:rPr lang="en-US" altLang="ko-KR" dirty="0" smtClean="0"/>
-              <a:t>/</a:t>
-            </a:r>
-            <a:r>
-              <a:rPr lang="en-US" altLang="ko-KR" dirty="0" err="1" smtClean="0"/>
-              <a:t>Sourcetree</a:t>
-            </a:r>
-            <a:r>
-              <a:rPr lang="en-US" altLang="ko-KR" dirty="0" smtClean="0"/>
-              <a:t>/Stack/Scout-App</a:t>
-            </a:r>
-            <a:r>
-              <a:rPr lang="ko-KR" altLang="en-US" dirty="0" smtClean="0"/>
-              <a:t>을 스터디에 이용</a:t>
-            </a:r>
-            <a:endParaRPr lang="en-US" altLang="ko-KR" dirty="0" smtClean="0"/>
-          </a:p>
-        </p:txBody>
-      </p:sp>
-      <p:sp>
-        <p:nvSpPr>
-          <p:cNvPr id="22" name="부제목 2"/>
-          <p:cNvSpPr txBox="1">
-            <a:spLocks/>
-          </p:cNvSpPr>
-          <p:nvPr/>
-        </p:nvSpPr>
-        <p:spPr>
-          <a:xfrm>
-            <a:off x="1933722" y="1787314"/>
-            <a:ext cx="6982681" cy="332399"/>
-          </a:xfrm>
-          <a:prstGeom prst="rect">
-            <a:avLst/>
-          </a:prstGeom>
-        </p:spPr>
-        <p:txBody>
-          <a:bodyPr vert="horz" wrap="none" lIns="0" tIns="0" rIns="0" bIns="0" rtlCol="0">
-            <a:spAutoFit/>
-          </a:bodyPr>
-          <a:lstStyle>
-            <a:lvl1pPr marL="0" indent="0" algn="ctr" defTabSz="914400" rtl="0" eaLnBrk="1" latinLnBrk="1" hangingPunct="1">
-              <a:lnSpc>
-                <a:spcPct val="90000"/>
-              </a:lnSpc>
-              <a:spcBef>
-                <a:spcPts val="1000"/>
-              </a:spcBef>
-              <a:buFont typeface="Arial" panose="020B0604020202020204" pitchFamily="34" charset="0"/>
-              <a:buNone/>
-              <a:defRPr sz="2400" kern="1200">
-                <a:solidFill>
-                  <a:schemeClr val="tx1"/>
-                </a:solidFill>
-                <a:latin typeface="+mn-lt"/>
-                <a:ea typeface="+mn-ea"/>
-                <a:cs typeface="+mn-cs"/>
-              </a:defRPr>
-            </a:lvl1pPr>
-            <a:lvl2pPr marL="457200" indent="0" algn="ctr" defTabSz="914400" rtl="0" eaLnBrk="1" latinLnBrk="1" hangingPunct="1">
-              <a:lnSpc>
-                <a:spcPct val="90000"/>
-              </a:lnSpc>
-              <a:spcBef>
-                <a:spcPts val="500"/>
-              </a:spcBef>
-              <a:buFont typeface="Arial" panose="020B0604020202020204" pitchFamily="34" charset="0"/>
-              <a:buNone/>
-              <a:defRPr sz="2000" kern="1200">
-                <a:solidFill>
-                  <a:schemeClr val="tx1"/>
-                </a:solidFill>
-                <a:latin typeface="+mn-lt"/>
-                <a:ea typeface="+mn-ea"/>
-                <a:cs typeface="+mn-cs"/>
-              </a:defRPr>
-            </a:lvl2pPr>
-            <a:lvl3pPr marL="914400" indent="0" algn="ctr" defTabSz="914400" rtl="0" eaLnBrk="1" latinLnBrk="1" hangingPunct="1">
-              <a:lnSpc>
-                <a:spcPct val="90000"/>
-              </a:lnSpc>
-              <a:spcBef>
-                <a:spcPts val="500"/>
-              </a:spcBef>
-              <a:buFont typeface="Arial" panose="020B0604020202020204" pitchFamily="34" charset="0"/>
-              <a:buNone/>
-              <a:defRPr sz="1800" kern="1200">
-                <a:solidFill>
-                  <a:schemeClr val="tx1"/>
-                </a:solidFill>
-                <a:latin typeface="+mn-lt"/>
-                <a:ea typeface="+mn-ea"/>
-                <a:cs typeface="+mn-cs"/>
-              </a:defRPr>
-            </a:lvl3pPr>
-            <a:lvl4pPr marL="1371600" indent="0" algn="ctr" defTabSz="914400" rtl="0" eaLnBrk="1" latinLnBrk="1" hangingPunct="1">
-              <a:lnSpc>
-                <a:spcPct val="90000"/>
-              </a:lnSpc>
-              <a:spcBef>
-                <a:spcPts val="500"/>
-              </a:spcBef>
-              <a:buFont typeface="Arial" panose="020B0604020202020204" pitchFamily="34" charset="0"/>
-              <a:buNone/>
-              <a:defRPr sz="1600" kern="1200">
-                <a:solidFill>
-                  <a:schemeClr val="tx1"/>
-                </a:solidFill>
-                <a:latin typeface="+mn-lt"/>
-                <a:ea typeface="+mn-ea"/>
-                <a:cs typeface="+mn-cs"/>
-              </a:defRPr>
-            </a:lvl4pPr>
-            <a:lvl5pPr marL="1828800" indent="0" algn="ctr" defTabSz="914400" rtl="0" eaLnBrk="1" latinLnBrk="1" hangingPunct="1">
-              <a:lnSpc>
-                <a:spcPct val="90000"/>
-              </a:lnSpc>
-              <a:spcBef>
-                <a:spcPts val="500"/>
-              </a:spcBef>
-              <a:buFont typeface="Arial" panose="020B0604020202020204" pitchFamily="34" charset="0"/>
-              <a:buNone/>
-              <a:defRPr sz="1600" kern="1200">
-                <a:solidFill>
-                  <a:schemeClr val="tx1"/>
-                </a:solidFill>
-                <a:latin typeface="+mn-lt"/>
-                <a:ea typeface="+mn-ea"/>
-                <a:cs typeface="+mn-cs"/>
-              </a:defRPr>
-            </a:lvl5pPr>
-            <a:lvl6pPr marL="2286000" indent="0" algn="ctr" defTabSz="914400" rtl="0" eaLnBrk="1" latinLnBrk="1" hangingPunct="1">
-              <a:lnSpc>
-                <a:spcPct val="90000"/>
-              </a:lnSpc>
-              <a:spcBef>
-                <a:spcPts val="500"/>
-              </a:spcBef>
-              <a:buFont typeface="Arial" panose="020B0604020202020204" pitchFamily="34" charset="0"/>
-              <a:buNone/>
-              <a:defRPr sz="1600" kern="1200">
-                <a:solidFill>
-                  <a:schemeClr val="tx1"/>
-                </a:solidFill>
-                <a:latin typeface="+mn-lt"/>
-                <a:ea typeface="+mn-ea"/>
-                <a:cs typeface="+mn-cs"/>
-              </a:defRPr>
-            </a:lvl6pPr>
-            <a:lvl7pPr marL="2743200" indent="0" algn="ctr" defTabSz="914400" rtl="0" eaLnBrk="1" latinLnBrk="1" hangingPunct="1">
-              <a:lnSpc>
-                <a:spcPct val="90000"/>
-              </a:lnSpc>
-              <a:spcBef>
-                <a:spcPts val="500"/>
-              </a:spcBef>
-              <a:buFont typeface="Arial" panose="020B0604020202020204" pitchFamily="34" charset="0"/>
-              <a:buNone/>
-              <a:defRPr sz="1600" kern="1200">
-                <a:solidFill>
-                  <a:schemeClr val="tx1"/>
-                </a:solidFill>
-                <a:latin typeface="+mn-lt"/>
-                <a:ea typeface="+mn-ea"/>
-                <a:cs typeface="+mn-cs"/>
-              </a:defRPr>
-            </a:lvl7pPr>
-            <a:lvl8pPr marL="3200400" indent="0" algn="ctr" defTabSz="914400" rtl="0" eaLnBrk="1" latinLnBrk="1" hangingPunct="1">
-              <a:lnSpc>
-                <a:spcPct val="90000"/>
-              </a:lnSpc>
-              <a:spcBef>
-                <a:spcPts val="500"/>
-              </a:spcBef>
-              <a:buFont typeface="Arial" panose="020B0604020202020204" pitchFamily="34" charset="0"/>
-              <a:buNone/>
-              <a:defRPr sz="1600" kern="1200">
-                <a:solidFill>
-                  <a:schemeClr val="tx1"/>
-                </a:solidFill>
-                <a:latin typeface="+mn-lt"/>
-                <a:ea typeface="+mn-ea"/>
-                <a:cs typeface="+mn-cs"/>
-              </a:defRPr>
-            </a:lvl8pPr>
-            <a:lvl9pPr marL="3657600" indent="0" algn="ctr" defTabSz="914400" rtl="0" eaLnBrk="1" latinLnBrk="1" hangingPunct="1">
-              <a:lnSpc>
-                <a:spcPct val="90000"/>
-              </a:lnSpc>
-              <a:spcBef>
-                <a:spcPts val="500"/>
-              </a:spcBef>
-              <a:buFont typeface="Arial" panose="020B0604020202020204" pitchFamily="34" charset="0"/>
-              <a:buNone/>
-              <a:defRPr sz="1600" kern="1200">
-                <a:solidFill>
-                  <a:schemeClr val="tx1"/>
-                </a:solidFill>
-                <a:latin typeface="+mn-lt"/>
-                <a:ea typeface="+mn-ea"/>
-                <a:cs typeface="+mn-cs"/>
-              </a:defRPr>
-            </a:lvl9pPr>
-          </a:lstStyle>
-          <a:p>
-            <a:pPr algn="l"/>
-            <a:r>
-              <a:rPr lang="en-US" altLang="ko-KR" dirty="0" err="1" smtClean="0"/>
-              <a:t>Github</a:t>
-            </a:r>
-            <a:r>
-              <a:rPr lang="ko-KR" altLang="en-US" dirty="0" smtClean="0"/>
-              <a:t> </a:t>
-            </a:r>
-            <a:r>
-              <a:rPr lang="en-US" altLang="ko-KR" dirty="0" smtClean="0"/>
-              <a:t>– </a:t>
-            </a:r>
-            <a:r>
-              <a:rPr lang="ko-KR" altLang="en-US" dirty="0" err="1" smtClean="0"/>
-              <a:t>작업파일을</a:t>
-            </a:r>
-            <a:r>
-              <a:rPr lang="ko-KR" altLang="en-US" dirty="0" smtClean="0"/>
-              <a:t> 공유하고 버전을 관리하는 툴</a:t>
-            </a:r>
-            <a:endParaRPr lang="en-US" altLang="ko-KR" dirty="0" smtClean="0"/>
-          </a:p>
-        </p:txBody>
-      </p:sp>
-      <p:sp>
-        <p:nvSpPr>
-          <p:cNvPr id="23" name="부제목 2"/>
-          <p:cNvSpPr txBox="1">
-            <a:spLocks/>
-          </p:cNvSpPr>
-          <p:nvPr/>
-        </p:nvSpPr>
-        <p:spPr>
-          <a:xfrm>
-            <a:off x="1933722" y="2622182"/>
-            <a:ext cx="5510419" cy="332399"/>
-          </a:xfrm>
-          <a:prstGeom prst="rect">
-            <a:avLst/>
-          </a:prstGeom>
-        </p:spPr>
-        <p:txBody>
-          <a:bodyPr vert="horz" wrap="none" lIns="0" tIns="0" rIns="0" bIns="0" rtlCol="0">
-            <a:spAutoFit/>
-          </a:bodyPr>
-          <a:lstStyle>
-            <a:lvl1pPr marL="0" indent="0" algn="ctr" defTabSz="914400" rtl="0" eaLnBrk="1" latinLnBrk="1" hangingPunct="1">
-              <a:lnSpc>
-                <a:spcPct val="90000"/>
-              </a:lnSpc>
-              <a:spcBef>
-                <a:spcPts val="1000"/>
-              </a:spcBef>
-              <a:buFont typeface="Arial" panose="020B0604020202020204" pitchFamily="34" charset="0"/>
-              <a:buNone/>
-              <a:defRPr sz="2400" kern="1200">
-                <a:solidFill>
-                  <a:schemeClr val="tx1"/>
-                </a:solidFill>
-                <a:latin typeface="+mn-lt"/>
-                <a:ea typeface="+mn-ea"/>
-                <a:cs typeface="+mn-cs"/>
-              </a:defRPr>
-            </a:lvl1pPr>
-            <a:lvl2pPr marL="457200" indent="0" algn="ctr" defTabSz="914400" rtl="0" eaLnBrk="1" latinLnBrk="1" hangingPunct="1">
-              <a:lnSpc>
-                <a:spcPct val="90000"/>
-              </a:lnSpc>
-              <a:spcBef>
-                <a:spcPts val="500"/>
-              </a:spcBef>
-              <a:buFont typeface="Arial" panose="020B0604020202020204" pitchFamily="34" charset="0"/>
-              <a:buNone/>
-              <a:defRPr sz="2000" kern="1200">
-                <a:solidFill>
-                  <a:schemeClr val="tx1"/>
-                </a:solidFill>
-                <a:latin typeface="+mn-lt"/>
-                <a:ea typeface="+mn-ea"/>
-                <a:cs typeface="+mn-cs"/>
-              </a:defRPr>
-            </a:lvl2pPr>
-            <a:lvl3pPr marL="914400" indent="0" algn="ctr" defTabSz="914400" rtl="0" eaLnBrk="1" latinLnBrk="1" hangingPunct="1">
-              <a:lnSpc>
-                <a:spcPct val="90000"/>
-              </a:lnSpc>
-              <a:spcBef>
-                <a:spcPts val="500"/>
-              </a:spcBef>
-              <a:buFont typeface="Arial" panose="020B0604020202020204" pitchFamily="34" charset="0"/>
-              <a:buNone/>
-              <a:defRPr sz="1800" kern="1200">
-                <a:solidFill>
-                  <a:schemeClr val="tx1"/>
-                </a:solidFill>
-                <a:latin typeface="+mn-lt"/>
-                <a:ea typeface="+mn-ea"/>
-                <a:cs typeface="+mn-cs"/>
-              </a:defRPr>
-            </a:lvl3pPr>
-            <a:lvl4pPr marL="1371600" indent="0" algn="ctr" defTabSz="914400" rtl="0" eaLnBrk="1" latinLnBrk="1" hangingPunct="1">
-              <a:lnSpc>
-                <a:spcPct val="90000"/>
-              </a:lnSpc>
-              <a:spcBef>
-                <a:spcPts val="500"/>
-              </a:spcBef>
-              <a:buFont typeface="Arial" panose="020B0604020202020204" pitchFamily="34" charset="0"/>
-              <a:buNone/>
-              <a:defRPr sz="1600" kern="1200">
-                <a:solidFill>
-                  <a:schemeClr val="tx1"/>
-                </a:solidFill>
-                <a:latin typeface="+mn-lt"/>
-                <a:ea typeface="+mn-ea"/>
-                <a:cs typeface="+mn-cs"/>
-              </a:defRPr>
-            </a:lvl4pPr>
-            <a:lvl5pPr marL="1828800" indent="0" algn="ctr" defTabSz="914400" rtl="0" eaLnBrk="1" latinLnBrk="1" hangingPunct="1">
-              <a:lnSpc>
-                <a:spcPct val="90000"/>
-              </a:lnSpc>
-              <a:spcBef>
-                <a:spcPts val="500"/>
-              </a:spcBef>
-              <a:buFont typeface="Arial" panose="020B0604020202020204" pitchFamily="34" charset="0"/>
-              <a:buNone/>
-              <a:defRPr sz="1600" kern="1200">
-                <a:solidFill>
-                  <a:schemeClr val="tx1"/>
-                </a:solidFill>
-                <a:latin typeface="+mn-lt"/>
-                <a:ea typeface="+mn-ea"/>
-                <a:cs typeface="+mn-cs"/>
-              </a:defRPr>
-            </a:lvl5pPr>
-            <a:lvl6pPr marL="2286000" indent="0" algn="ctr" defTabSz="914400" rtl="0" eaLnBrk="1" latinLnBrk="1" hangingPunct="1">
-              <a:lnSpc>
-                <a:spcPct val="90000"/>
-              </a:lnSpc>
-              <a:spcBef>
-                <a:spcPts val="500"/>
-              </a:spcBef>
-              <a:buFont typeface="Arial" panose="020B0604020202020204" pitchFamily="34" charset="0"/>
-              <a:buNone/>
-              <a:defRPr sz="1600" kern="1200">
-                <a:solidFill>
-                  <a:schemeClr val="tx1"/>
-                </a:solidFill>
-                <a:latin typeface="+mn-lt"/>
-                <a:ea typeface="+mn-ea"/>
-                <a:cs typeface="+mn-cs"/>
-              </a:defRPr>
-            </a:lvl6pPr>
-            <a:lvl7pPr marL="2743200" indent="0" algn="ctr" defTabSz="914400" rtl="0" eaLnBrk="1" latinLnBrk="1" hangingPunct="1">
-              <a:lnSpc>
-                <a:spcPct val="90000"/>
-              </a:lnSpc>
-              <a:spcBef>
-                <a:spcPts val="500"/>
-              </a:spcBef>
-              <a:buFont typeface="Arial" panose="020B0604020202020204" pitchFamily="34" charset="0"/>
-              <a:buNone/>
-              <a:defRPr sz="1600" kern="1200">
-                <a:solidFill>
-                  <a:schemeClr val="tx1"/>
-                </a:solidFill>
-                <a:latin typeface="+mn-lt"/>
-                <a:ea typeface="+mn-ea"/>
-                <a:cs typeface="+mn-cs"/>
-              </a:defRPr>
-            </a:lvl7pPr>
-            <a:lvl8pPr marL="3200400" indent="0" algn="ctr" defTabSz="914400" rtl="0" eaLnBrk="1" latinLnBrk="1" hangingPunct="1">
-              <a:lnSpc>
-                <a:spcPct val="90000"/>
-              </a:lnSpc>
-              <a:spcBef>
-                <a:spcPts val="500"/>
-              </a:spcBef>
-              <a:buFont typeface="Arial" panose="020B0604020202020204" pitchFamily="34" charset="0"/>
-              <a:buNone/>
-              <a:defRPr sz="1600" kern="1200">
-                <a:solidFill>
-                  <a:schemeClr val="tx1"/>
-                </a:solidFill>
-                <a:latin typeface="+mn-lt"/>
-                <a:ea typeface="+mn-ea"/>
-                <a:cs typeface="+mn-cs"/>
-              </a:defRPr>
-            </a:lvl8pPr>
-            <a:lvl9pPr marL="3657600" indent="0" algn="ctr" defTabSz="914400" rtl="0" eaLnBrk="1" latinLnBrk="1" hangingPunct="1">
-              <a:lnSpc>
-                <a:spcPct val="90000"/>
-              </a:lnSpc>
-              <a:spcBef>
-                <a:spcPts val="500"/>
-              </a:spcBef>
-              <a:buFont typeface="Arial" panose="020B0604020202020204" pitchFamily="34" charset="0"/>
-              <a:buNone/>
-              <a:defRPr sz="1600" kern="1200">
-                <a:solidFill>
-                  <a:schemeClr val="tx1"/>
-                </a:solidFill>
-                <a:latin typeface="+mn-lt"/>
-                <a:ea typeface="+mn-ea"/>
-                <a:cs typeface="+mn-cs"/>
-              </a:defRPr>
-            </a:lvl9pPr>
-          </a:lstStyle>
-          <a:p>
-            <a:pPr algn="l"/>
-            <a:r>
-              <a:rPr lang="en-US" altLang="ko-KR" dirty="0" err="1" smtClean="0"/>
-              <a:t>Sourcetree</a:t>
-            </a:r>
-            <a:r>
-              <a:rPr lang="ko-KR" altLang="en-US" dirty="0" smtClean="0"/>
-              <a:t> </a:t>
-            </a:r>
-            <a:r>
-              <a:rPr lang="en-US" altLang="ko-KR" dirty="0" smtClean="0"/>
-              <a:t>- </a:t>
-            </a:r>
-            <a:r>
-              <a:rPr lang="ko-KR" altLang="en-US" dirty="0" smtClean="0"/>
-              <a:t>간단하게 </a:t>
-            </a:r>
-            <a:r>
-              <a:rPr lang="en-US" altLang="ko-KR" dirty="0" smtClean="0"/>
-              <a:t>push/pull</a:t>
-            </a:r>
-            <a:r>
-              <a:rPr lang="ko-KR" altLang="en-US" dirty="0" smtClean="0"/>
-              <a:t>을 배움</a:t>
-            </a:r>
-            <a:endParaRPr lang="en-US" altLang="ko-KR" dirty="0" smtClean="0"/>
-          </a:p>
-        </p:txBody>
-      </p:sp>
-      <p:sp>
-        <p:nvSpPr>
-          <p:cNvPr id="24" name="부제목 2"/>
-          <p:cNvSpPr txBox="1">
-            <a:spLocks/>
-          </p:cNvSpPr>
-          <p:nvPr/>
-        </p:nvSpPr>
-        <p:spPr>
-          <a:xfrm>
-            <a:off x="1933722" y="4164550"/>
-            <a:ext cx="9489777" cy="1253677"/>
-          </a:xfrm>
-          <a:prstGeom prst="rect">
-            <a:avLst/>
-          </a:prstGeom>
-        </p:spPr>
-        <p:txBody>
-          <a:bodyPr vert="horz" wrap="none" lIns="0" tIns="0" rIns="0" bIns="0" rtlCol="0">
-            <a:spAutoFit/>
-          </a:bodyPr>
-          <a:lstStyle>
-            <a:lvl1pPr marL="0" indent="0" algn="ctr" defTabSz="914400" rtl="0" eaLnBrk="1" latinLnBrk="1" hangingPunct="1">
-              <a:lnSpc>
-                <a:spcPct val="90000"/>
-              </a:lnSpc>
-              <a:spcBef>
-                <a:spcPts val="1000"/>
-              </a:spcBef>
-              <a:buFont typeface="Arial" panose="020B0604020202020204" pitchFamily="34" charset="0"/>
-              <a:buNone/>
-              <a:defRPr sz="2400" kern="1200">
-                <a:solidFill>
-                  <a:schemeClr val="tx1"/>
-                </a:solidFill>
-                <a:latin typeface="+mn-lt"/>
-                <a:ea typeface="+mn-ea"/>
-                <a:cs typeface="+mn-cs"/>
-              </a:defRPr>
-            </a:lvl1pPr>
-            <a:lvl2pPr marL="457200" indent="0" algn="ctr" defTabSz="914400" rtl="0" eaLnBrk="1" latinLnBrk="1" hangingPunct="1">
-              <a:lnSpc>
-                <a:spcPct val="90000"/>
-              </a:lnSpc>
-              <a:spcBef>
-                <a:spcPts val="500"/>
-              </a:spcBef>
-              <a:buFont typeface="Arial" panose="020B0604020202020204" pitchFamily="34" charset="0"/>
-              <a:buNone/>
-              <a:defRPr sz="2000" kern="1200">
-                <a:solidFill>
-                  <a:schemeClr val="tx1"/>
-                </a:solidFill>
-                <a:latin typeface="+mn-lt"/>
-                <a:ea typeface="+mn-ea"/>
-                <a:cs typeface="+mn-cs"/>
-              </a:defRPr>
-            </a:lvl2pPr>
-            <a:lvl3pPr marL="914400" indent="0" algn="ctr" defTabSz="914400" rtl="0" eaLnBrk="1" latinLnBrk="1" hangingPunct="1">
-              <a:lnSpc>
-                <a:spcPct val="90000"/>
-              </a:lnSpc>
-              <a:spcBef>
-                <a:spcPts val="500"/>
-              </a:spcBef>
-              <a:buFont typeface="Arial" panose="020B0604020202020204" pitchFamily="34" charset="0"/>
-              <a:buNone/>
-              <a:defRPr sz="1800" kern="1200">
-                <a:solidFill>
-                  <a:schemeClr val="tx1"/>
-                </a:solidFill>
-                <a:latin typeface="+mn-lt"/>
-                <a:ea typeface="+mn-ea"/>
-                <a:cs typeface="+mn-cs"/>
-              </a:defRPr>
-            </a:lvl3pPr>
-            <a:lvl4pPr marL="1371600" indent="0" algn="ctr" defTabSz="914400" rtl="0" eaLnBrk="1" latinLnBrk="1" hangingPunct="1">
-              <a:lnSpc>
-                <a:spcPct val="90000"/>
-              </a:lnSpc>
-              <a:spcBef>
-                <a:spcPts val="500"/>
-              </a:spcBef>
-              <a:buFont typeface="Arial" panose="020B0604020202020204" pitchFamily="34" charset="0"/>
-              <a:buNone/>
-              <a:defRPr sz="1600" kern="1200">
-                <a:solidFill>
-                  <a:schemeClr val="tx1"/>
-                </a:solidFill>
-                <a:latin typeface="+mn-lt"/>
-                <a:ea typeface="+mn-ea"/>
-                <a:cs typeface="+mn-cs"/>
-              </a:defRPr>
-            </a:lvl4pPr>
-            <a:lvl5pPr marL="1828800" indent="0" algn="ctr" defTabSz="914400" rtl="0" eaLnBrk="1" latinLnBrk="1" hangingPunct="1">
-              <a:lnSpc>
-                <a:spcPct val="90000"/>
-              </a:lnSpc>
-              <a:spcBef>
-                <a:spcPts val="500"/>
-              </a:spcBef>
-              <a:buFont typeface="Arial" panose="020B0604020202020204" pitchFamily="34" charset="0"/>
-              <a:buNone/>
-              <a:defRPr sz="1600" kern="1200">
-                <a:solidFill>
-                  <a:schemeClr val="tx1"/>
-                </a:solidFill>
-                <a:latin typeface="+mn-lt"/>
-                <a:ea typeface="+mn-ea"/>
-                <a:cs typeface="+mn-cs"/>
-              </a:defRPr>
-            </a:lvl5pPr>
-            <a:lvl6pPr marL="2286000" indent="0" algn="ctr" defTabSz="914400" rtl="0" eaLnBrk="1" latinLnBrk="1" hangingPunct="1">
-              <a:lnSpc>
-                <a:spcPct val="90000"/>
-              </a:lnSpc>
-              <a:spcBef>
-                <a:spcPts val="500"/>
-              </a:spcBef>
-              <a:buFont typeface="Arial" panose="020B0604020202020204" pitchFamily="34" charset="0"/>
-              <a:buNone/>
-              <a:defRPr sz="1600" kern="1200">
-                <a:solidFill>
-                  <a:schemeClr val="tx1"/>
-                </a:solidFill>
-                <a:latin typeface="+mn-lt"/>
-                <a:ea typeface="+mn-ea"/>
-                <a:cs typeface="+mn-cs"/>
-              </a:defRPr>
-            </a:lvl6pPr>
-            <a:lvl7pPr marL="2743200" indent="0" algn="ctr" defTabSz="914400" rtl="0" eaLnBrk="1" latinLnBrk="1" hangingPunct="1">
-              <a:lnSpc>
-                <a:spcPct val="90000"/>
-              </a:lnSpc>
-              <a:spcBef>
-                <a:spcPts val="500"/>
-              </a:spcBef>
-              <a:buFont typeface="Arial" panose="020B0604020202020204" pitchFamily="34" charset="0"/>
-              <a:buNone/>
-              <a:defRPr sz="1600" kern="1200">
-                <a:solidFill>
-                  <a:schemeClr val="tx1"/>
-                </a:solidFill>
-                <a:latin typeface="+mn-lt"/>
-                <a:ea typeface="+mn-ea"/>
-                <a:cs typeface="+mn-cs"/>
-              </a:defRPr>
-            </a:lvl7pPr>
-            <a:lvl8pPr marL="3200400" indent="0" algn="ctr" defTabSz="914400" rtl="0" eaLnBrk="1" latinLnBrk="1" hangingPunct="1">
-              <a:lnSpc>
-                <a:spcPct val="90000"/>
-              </a:lnSpc>
-              <a:spcBef>
-                <a:spcPts val="500"/>
-              </a:spcBef>
-              <a:buFont typeface="Arial" panose="020B0604020202020204" pitchFamily="34" charset="0"/>
-              <a:buNone/>
-              <a:defRPr sz="1600" kern="1200">
-                <a:solidFill>
-                  <a:schemeClr val="tx1"/>
-                </a:solidFill>
-                <a:latin typeface="+mn-lt"/>
-                <a:ea typeface="+mn-ea"/>
-                <a:cs typeface="+mn-cs"/>
-              </a:defRPr>
-            </a:lvl8pPr>
-            <a:lvl9pPr marL="3657600" indent="0" algn="ctr" defTabSz="914400" rtl="0" eaLnBrk="1" latinLnBrk="1" hangingPunct="1">
-              <a:lnSpc>
-                <a:spcPct val="90000"/>
-              </a:lnSpc>
-              <a:spcBef>
-                <a:spcPts val="500"/>
-              </a:spcBef>
-              <a:buFont typeface="Arial" panose="020B0604020202020204" pitchFamily="34" charset="0"/>
-              <a:buNone/>
-              <a:defRPr sz="1600" kern="1200">
-                <a:solidFill>
-                  <a:schemeClr val="tx1"/>
-                </a:solidFill>
-                <a:latin typeface="+mn-lt"/>
-                <a:ea typeface="+mn-ea"/>
-                <a:cs typeface="+mn-cs"/>
-              </a:defRPr>
-            </a:lvl9pPr>
-          </a:lstStyle>
-          <a:p>
-            <a:pPr algn="l"/>
-            <a:r>
-              <a:rPr lang="en-US" altLang="ko-KR" dirty="0" smtClean="0"/>
-              <a:t>Stack</a:t>
-            </a:r>
-          </a:p>
-          <a:p>
-            <a:pPr algn="l"/>
-            <a:r>
-              <a:rPr lang="ko-KR" altLang="en-US" dirty="0" err="1" smtClean="0"/>
-              <a:t>카톡이라는</a:t>
-            </a:r>
-            <a:r>
-              <a:rPr lang="ko-KR" altLang="en-US" dirty="0" smtClean="0"/>
-              <a:t> </a:t>
-            </a:r>
-            <a:r>
-              <a:rPr lang="ko-KR" altLang="en-US" dirty="0" err="1" smtClean="0"/>
-              <a:t>어플</a:t>
-            </a:r>
-            <a:r>
-              <a:rPr lang="ko-KR" altLang="en-US" dirty="0" smtClean="0"/>
-              <a:t> 외에 스택이라는 </a:t>
-            </a:r>
-            <a:r>
-              <a:rPr lang="ko-KR" altLang="en-US" dirty="0" err="1" smtClean="0"/>
-              <a:t>어플로</a:t>
-            </a:r>
-            <a:r>
-              <a:rPr lang="ko-KR" altLang="en-US" dirty="0" smtClean="0"/>
-              <a:t> 의사소통 채널을 따로 관리</a:t>
-            </a:r>
-            <a:endParaRPr lang="en-US" altLang="ko-KR" dirty="0" smtClean="0"/>
-          </a:p>
-          <a:p>
-            <a:pPr algn="l"/>
-            <a:r>
-              <a:rPr lang="ko-KR" altLang="en-US" dirty="0" smtClean="0"/>
-              <a:t>스터디 </a:t>
-            </a:r>
-            <a:r>
-              <a:rPr lang="ko-KR" altLang="en-US" dirty="0" err="1" smtClean="0"/>
-              <a:t>모임시간</a:t>
-            </a:r>
-            <a:r>
-              <a:rPr lang="en-US" altLang="ko-KR" dirty="0" smtClean="0"/>
-              <a:t>, </a:t>
-            </a:r>
-            <a:r>
-              <a:rPr lang="ko-KR" altLang="en-US" dirty="0" smtClean="0"/>
-              <a:t>읽으면 좋을 것 같은 책 등의 정보공유 등을 함</a:t>
-            </a:r>
-            <a:endParaRPr lang="en-US" altLang="ko-KR" dirty="0" smtClean="0"/>
-          </a:p>
-        </p:txBody>
-      </p:sp>
-      <p:sp>
-        <p:nvSpPr>
-          <p:cNvPr id="25" name="부제목 2"/>
-          <p:cNvSpPr txBox="1">
-            <a:spLocks/>
-          </p:cNvSpPr>
-          <p:nvPr/>
-        </p:nvSpPr>
-        <p:spPr>
-          <a:xfrm>
-            <a:off x="2570329" y="3042144"/>
-            <a:ext cx="8029506" cy="332399"/>
-          </a:xfrm>
-          <a:prstGeom prst="rect">
-            <a:avLst/>
-          </a:prstGeom>
-        </p:spPr>
-        <p:txBody>
-          <a:bodyPr vert="horz" wrap="none" lIns="0" tIns="0" rIns="0" bIns="0" rtlCol="0">
-            <a:spAutoFit/>
-          </a:bodyPr>
-          <a:lstStyle>
-            <a:lvl1pPr marL="0" indent="0" algn="ctr" defTabSz="914400" rtl="0" eaLnBrk="1" latinLnBrk="1" hangingPunct="1">
-              <a:lnSpc>
-                <a:spcPct val="90000"/>
-              </a:lnSpc>
-              <a:spcBef>
-                <a:spcPts val="1000"/>
-              </a:spcBef>
-              <a:buFont typeface="Arial" panose="020B0604020202020204" pitchFamily="34" charset="0"/>
-              <a:buNone/>
-              <a:defRPr sz="2400" kern="1200">
-                <a:solidFill>
-                  <a:schemeClr val="tx1"/>
-                </a:solidFill>
-                <a:latin typeface="+mn-lt"/>
-                <a:ea typeface="+mn-ea"/>
-                <a:cs typeface="+mn-cs"/>
-              </a:defRPr>
-            </a:lvl1pPr>
-            <a:lvl2pPr marL="457200" indent="0" algn="ctr" defTabSz="914400" rtl="0" eaLnBrk="1" latinLnBrk="1" hangingPunct="1">
-              <a:lnSpc>
-                <a:spcPct val="90000"/>
-              </a:lnSpc>
-              <a:spcBef>
-                <a:spcPts val="500"/>
-              </a:spcBef>
-              <a:buFont typeface="Arial" panose="020B0604020202020204" pitchFamily="34" charset="0"/>
-              <a:buNone/>
-              <a:defRPr sz="2000" kern="1200">
-                <a:solidFill>
-                  <a:schemeClr val="tx1"/>
-                </a:solidFill>
-                <a:latin typeface="+mn-lt"/>
-                <a:ea typeface="+mn-ea"/>
-                <a:cs typeface="+mn-cs"/>
-              </a:defRPr>
-            </a:lvl2pPr>
-            <a:lvl3pPr marL="914400" indent="0" algn="ctr" defTabSz="914400" rtl="0" eaLnBrk="1" latinLnBrk="1" hangingPunct="1">
-              <a:lnSpc>
-                <a:spcPct val="90000"/>
-              </a:lnSpc>
-              <a:spcBef>
-                <a:spcPts val="500"/>
-              </a:spcBef>
-              <a:buFont typeface="Arial" panose="020B0604020202020204" pitchFamily="34" charset="0"/>
-              <a:buNone/>
-              <a:defRPr sz="1800" kern="1200">
-                <a:solidFill>
-                  <a:schemeClr val="tx1"/>
-                </a:solidFill>
-                <a:latin typeface="+mn-lt"/>
-                <a:ea typeface="+mn-ea"/>
-                <a:cs typeface="+mn-cs"/>
-              </a:defRPr>
-            </a:lvl3pPr>
-            <a:lvl4pPr marL="1371600" indent="0" algn="ctr" defTabSz="914400" rtl="0" eaLnBrk="1" latinLnBrk="1" hangingPunct="1">
-              <a:lnSpc>
-                <a:spcPct val="90000"/>
-              </a:lnSpc>
-              <a:spcBef>
-                <a:spcPts val="500"/>
-              </a:spcBef>
-              <a:buFont typeface="Arial" panose="020B0604020202020204" pitchFamily="34" charset="0"/>
-              <a:buNone/>
-              <a:defRPr sz="1600" kern="1200">
-                <a:solidFill>
-                  <a:schemeClr val="tx1"/>
-                </a:solidFill>
-                <a:latin typeface="+mn-lt"/>
-                <a:ea typeface="+mn-ea"/>
-                <a:cs typeface="+mn-cs"/>
-              </a:defRPr>
-            </a:lvl4pPr>
-            <a:lvl5pPr marL="1828800" indent="0" algn="ctr" defTabSz="914400" rtl="0" eaLnBrk="1" latinLnBrk="1" hangingPunct="1">
-              <a:lnSpc>
-                <a:spcPct val="90000"/>
-              </a:lnSpc>
-              <a:spcBef>
-                <a:spcPts val="500"/>
-              </a:spcBef>
-              <a:buFont typeface="Arial" panose="020B0604020202020204" pitchFamily="34" charset="0"/>
-              <a:buNone/>
-              <a:defRPr sz="1600" kern="1200">
-                <a:solidFill>
-                  <a:schemeClr val="tx1"/>
-                </a:solidFill>
-                <a:latin typeface="+mn-lt"/>
-                <a:ea typeface="+mn-ea"/>
-                <a:cs typeface="+mn-cs"/>
-              </a:defRPr>
-            </a:lvl5pPr>
-            <a:lvl6pPr marL="2286000" indent="0" algn="ctr" defTabSz="914400" rtl="0" eaLnBrk="1" latinLnBrk="1" hangingPunct="1">
-              <a:lnSpc>
-                <a:spcPct val="90000"/>
-              </a:lnSpc>
-              <a:spcBef>
-                <a:spcPts val="500"/>
-              </a:spcBef>
-              <a:buFont typeface="Arial" panose="020B0604020202020204" pitchFamily="34" charset="0"/>
-              <a:buNone/>
-              <a:defRPr sz="1600" kern="1200">
-                <a:solidFill>
-                  <a:schemeClr val="tx1"/>
-                </a:solidFill>
-                <a:latin typeface="+mn-lt"/>
-                <a:ea typeface="+mn-ea"/>
-                <a:cs typeface="+mn-cs"/>
-              </a:defRPr>
-            </a:lvl6pPr>
-            <a:lvl7pPr marL="2743200" indent="0" algn="ctr" defTabSz="914400" rtl="0" eaLnBrk="1" latinLnBrk="1" hangingPunct="1">
-              <a:lnSpc>
-                <a:spcPct val="90000"/>
-              </a:lnSpc>
-              <a:spcBef>
-                <a:spcPts val="500"/>
-              </a:spcBef>
-              <a:buFont typeface="Arial" panose="020B0604020202020204" pitchFamily="34" charset="0"/>
-              <a:buNone/>
-              <a:defRPr sz="1600" kern="1200">
-                <a:solidFill>
-                  <a:schemeClr val="tx1"/>
-                </a:solidFill>
-                <a:latin typeface="+mn-lt"/>
-                <a:ea typeface="+mn-ea"/>
-                <a:cs typeface="+mn-cs"/>
-              </a:defRPr>
-            </a:lvl7pPr>
-            <a:lvl8pPr marL="3200400" indent="0" algn="ctr" defTabSz="914400" rtl="0" eaLnBrk="1" latinLnBrk="1" hangingPunct="1">
-              <a:lnSpc>
-                <a:spcPct val="90000"/>
-              </a:lnSpc>
-              <a:spcBef>
-                <a:spcPts val="500"/>
-              </a:spcBef>
-              <a:buFont typeface="Arial" panose="020B0604020202020204" pitchFamily="34" charset="0"/>
-              <a:buNone/>
-              <a:defRPr sz="1600" kern="1200">
-                <a:solidFill>
-                  <a:schemeClr val="tx1"/>
-                </a:solidFill>
-                <a:latin typeface="+mn-lt"/>
-                <a:ea typeface="+mn-ea"/>
-                <a:cs typeface="+mn-cs"/>
-              </a:defRPr>
-            </a:lvl8pPr>
-            <a:lvl9pPr marL="3657600" indent="0" algn="ctr" defTabSz="914400" rtl="0" eaLnBrk="1" latinLnBrk="1" hangingPunct="1">
-              <a:lnSpc>
-                <a:spcPct val="90000"/>
-              </a:lnSpc>
-              <a:spcBef>
-                <a:spcPts val="500"/>
-              </a:spcBef>
-              <a:buFont typeface="Arial" panose="020B0604020202020204" pitchFamily="34" charset="0"/>
-              <a:buNone/>
-              <a:defRPr sz="1600" kern="1200">
-                <a:solidFill>
-                  <a:schemeClr val="tx1"/>
-                </a:solidFill>
-                <a:latin typeface="+mn-lt"/>
-                <a:ea typeface="+mn-ea"/>
-                <a:cs typeface="+mn-cs"/>
-              </a:defRPr>
-            </a:lvl9pPr>
-          </a:lstStyle>
-          <a:p>
-            <a:pPr algn="l"/>
-            <a:r>
-              <a:rPr lang="en-US" altLang="ko-KR" dirty="0" smtClean="0"/>
-              <a:t>Push – </a:t>
-            </a:r>
-            <a:r>
-              <a:rPr lang="ko-KR" altLang="en-US" dirty="0" smtClean="0"/>
-              <a:t>내가 수정한 파일을 원격 </a:t>
-            </a:r>
-            <a:r>
-              <a:rPr lang="en-US" altLang="ko-KR" dirty="0" smtClean="0"/>
-              <a:t>repository</a:t>
-            </a:r>
-            <a:r>
-              <a:rPr lang="ko-KR" altLang="en-US" dirty="0" smtClean="0"/>
-              <a:t>에 올리는 작업</a:t>
-            </a:r>
-            <a:endParaRPr lang="en-US" altLang="ko-KR" dirty="0" smtClean="0"/>
-          </a:p>
-        </p:txBody>
-      </p:sp>
-      <p:sp>
-        <p:nvSpPr>
-          <p:cNvPr id="26" name="부제목 2"/>
-          <p:cNvSpPr txBox="1">
-            <a:spLocks/>
-          </p:cNvSpPr>
-          <p:nvPr/>
-        </p:nvSpPr>
-        <p:spPr>
-          <a:xfrm>
-            <a:off x="2570329" y="3410500"/>
-            <a:ext cx="8901539" cy="332399"/>
-          </a:xfrm>
-          <a:prstGeom prst="rect">
-            <a:avLst/>
-          </a:prstGeom>
-        </p:spPr>
-        <p:txBody>
-          <a:bodyPr vert="horz" wrap="none" lIns="0" tIns="0" rIns="0" bIns="0" rtlCol="0">
-            <a:spAutoFit/>
-          </a:bodyPr>
-          <a:lstStyle>
-            <a:lvl1pPr marL="0" indent="0" algn="ctr" defTabSz="914400" rtl="0" eaLnBrk="1" latinLnBrk="1" hangingPunct="1">
-              <a:lnSpc>
-                <a:spcPct val="90000"/>
-              </a:lnSpc>
-              <a:spcBef>
-                <a:spcPts val="1000"/>
-              </a:spcBef>
-              <a:buFont typeface="Arial" panose="020B0604020202020204" pitchFamily="34" charset="0"/>
-              <a:buNone/>
-              <a:defRPr sz="2400" kern="1200">
-                <a:solidFill>
-                  <a:schemeClr val="tx1"/>
-                </a:solidFill>
-                <a:latin typeface="+mn-lt"/>
-                <a:ea typeface="+mn-ea"/>
-                <a:cs typeface="+mn-cs"/>
-              </a:defRPr>
-            </a:lvl1pPr>
-            <a:lvl2pPr marL="457200" indent="0" algn="ctr" defTabSz="914400" rtl="0" eaLnBrk="1" latinLnBrk="1" hangingPunct="1">
-              <a:lnSpc>
-                <a:spcPct val="90000"/>
-              </a:lnSpc>
-              <a:spcBef>
-                <a:spcPts val="500"/>
-              </a:spcBef>
-              <a:buFont typeface="Arial" panose="020B0604020202020204" pitchFamily="34" charset="0"/>
-              <a:buNone/>
-              <a:defRPr sz="2000" kern="1200">
-                <a:solidFill>
-                  <a:schemeClr val="tx1"/>
-                </a:solidFill>
-                <a:latin typeface="+mn-lt"/>
-                <a:ea typeface="+mn-ea"/>
-                <a:cs typeface="+mn-cs"/>
-              </a:defRPr>
-            </a:lvl2pPr>
-            <a:lvl3pPr marL="914400" indent="0" algn="ctr" defTabSz="914400" rtl="0" eaLnBrk="1" latinLnBrk="1" hangingPunct="1">
-              <a:lnSpc>
-                <a:spcPct val="90000"/>
-              </a:lnSpc>
-              <a:spcBef>
-                <a:spcPts val="500"/>
-              </a:spcBef>
-              <a:buFont typeface="Arial" panose="020B0604020202020204" pitchFamily="34" charset="0"/>
-              <a:buNone/>
-              <a:defRPr sz="1800" kern="1200">
-                <a:solidFill>
-                  <a:schemeClr val="tx1"/>
-                </a:solidFill>
-                <a:latin typeface="+mn-lt"/>
-                <a:ea typeface="+mn-ea"/>
-                <a:cs typeface="+mn-cs"/>
-              </a:defRPr>
-            </a:lvl3pPr>
-            <a:lvl4pPr marL="1371600" indent="0" algn="ctr" defTabSz="914400" rtl="0" eaLnBrk="1" latinLnBrk="1" hangingPunct="1">
-              <a:lnSpc>
-                <a:spcPct val="90000"/>
-              </a:lnSpc>
-              <a:spcBef>
-                <a:spcPts val="500"/>
-              </a:spcBef>
-              <a:buFont typeface="Arial" panose="020B0604020202020204" pitchFamily="34" charset="0"/>
-              <a:buNone/>
-              <a:defRPr sz="1600" kern="1200">
-                <a:solidFill>
-                  <a:schemeClr val="tx1"/>
-                </a:solidFill>
-                <a:latin typeface="+mn-lt"/>
-                <a:ea typeface="+mn-ea"/>
-                <a:cs typeface="+mn-cs"/>
-              </a:defRPr>
-            </a:lvl4pPr>
-            <a:lvl5pPr marL="1828800" indent="0" algn="ctr" defTabSz="914400" rtl="0" eaLnBrk="1" latinLnBrk="1" hangingPunct="1">
-              <a:lnSpc>
-                <a:spcPct val="90000"/>
-              </a:lnSpc>
-              <a:spcBef>
-                <a:spcPts val="500"/>
-              </a:spcBef>
-              <a:buFont typeface="Arial" panose="020B0604020202020204" pitchFamily="34" charset="0"/>
-              <a:buNone/>
-              <a:defRPr sz="1600" kern="1200">
-                <a:solidFill>
-                  <a:schemeClr val="tx1"/>
-                </a:solidFill>
-                <a:latin typeface="+mn-lt"/>
-                <a:ea typeface="+mn-ea"/>
-                <a:cs typeface="+mn-cs"/>
-              </a:defRPr>
-            </a:lvl5pPr>
-            <a:lvl6pPr marL="2286000" indent="0" algn="ctr" defTabSz="914400" rtl="0" eaLnBrk="1" latinLnBrk="1" hangingPunct="1">
-              <a:lnSpc>
-                <a:spcPct val="90000"/>
-              </a:lnSpc>
-              <a:spcBef>
-                <a:spcPts val="500"/>
-              </a:spcBef>
-              <a:buFont typeface="Arial" panose="020B0604020202020204" pitchFamily="34" charset="0"/>
-              <a:buNone/>
-              <a:defRPr sz="1600" kern="1200">
-                <a:solidFill>
-                  <a:schemeClr val="tx1"/>
-                </a:solidFill>
-                <a:latin typeface="+mn-lt"/>
-                <a:ea typeface="+mn-ea"/>
-                <a:cs typeface="+mn-cs"/>
-              </a:defRPr>
-            </a:lvl6pPr>
-            <a:lvl7pPr marL="2743200" indent="0" algn="ctr" defTabSz="914400" rtl="0" eaLnBrk="1" latinLnBrk="1" hangingPunct="1">
-              <a:lnSpc>
-                <a:spcPct val="90000"/>
-              </a:lnSpc>
-              <a:spcBef>
-                <a:spcPts val="500"/>
-              </a:spcBef>
-              <a:buFont typeface="Arial" panose="020B0604020202020204" pitchFamily="34" charset="0"/>
-              <a:buNone/>
-              <a:defRPr sz="1600" kern="1200">
-                <a:solidFill>
-                  <a:schemeClr val="tx1"/>
-                </a:solidFill>
-                <a:latin typeface="+mn-lt"/>
-                <a:ea typeface="+mn-ea"/>
-                <a:cs typeface="+mn-cs"/>
-              </a:defRPr>
-            </a:lvl7pPr>
-            <a:lvl8pPr marL="3200400" indent="0" algn="ctr" defTabSz="914400" rtl="0" eaLnBrk="1" latinLnBrk="1" hangingPunct="1">
-              <a:lnSpc>
-                <a:spcPct val="90000"/>
-              </a:lnSpc>
-              <a:spcBef>
-                <a:spcPts val="500"/>
-              </a:spcBef>
-              <a:buFont typeface="Arial" panose="020B0604020202020204" pitchFamily="34" charset="0"/>
-              <a:buNone/>
-              <a:defRPr sz="1600" kern="1200">
-                <a:solidFill>
-                  <a:schemeClr val="tx1"/>
-                </a:solidFill>
-                <a:latin typeface="+mn-lt"/>
-                <a:ea typeface="+mn-ea"/>
-                <a:cs typeface="+mn-cs"/>
-              </a:defRPr>
-            </a:lvl8pPr>
-            <a:lvl9pPr marL="3657600" indent="0" algn="ctr" defTabSz="914400" rtl="0" eaLnBrk="1" latinLnBrk="1" hangingPunct="1">
-              <a:lnSpc>
-                <a:spcPct val="90000"/>
-              </a:lnSpc>
-              <a:spcBef>
-                <a:spcPts val="500"/>
-              </a:spcBef>
-              <a:buFont typeface="Arial" panose="020B0604020202020204" pitchFamily="34" charset="0"/>
-              <a:buNone/>
-              <a:defRPr sz="1600" kern="1200">
-                <a:solidFill>
-                  <a:schemeClr val="tx1"/>
-                </a:solidFill>
-                <a:latin typeface="+mn-lt"/>
-                <a:ea typeface="+mn-ea"/>
-                <a:cs typeface="+mn-cs"/>
-              </a:defRPr>
-            </a:lvl9pPr>
-          </a:lstStyle>
-          <a:p>
-            <a:pPr algn="l"/>
-            <a:r>
-              <a:rPr lang="en-US" altLang="ko-KR" dirty="0" smtClean="0"/>
-              <a:t>Pull – </a:t>
-            </a:r>
-            <a:r>
-              <a:rPr lang="ko-KR" altLang="en-US" dirty="0" smtClean="0"/>
-              <a:t>다른 사람이 수정한 파일을 내 </a:t>
-            </a:r>
-            <a:r>
-              <a:rPr lang="en-US" altLang="ko-KR" dirty="0" smtClean="0"/>
-              <a:t>repository</a:t>
-            </a:r>
-            <a:r>
-              <a:rPr lang="ko-KR" altLang="en-US" dirty="0" smtClean="0"/>
-              <a:t>로 가져오는 작업</a:t>
-            </a:r>
-            <a:endParaRPr lang="en-US" altLang="ko-KR" dirty="0" smtClean="0"/>
-          </a:p>
-        </p:txBody>
-      </p:sp>
-      <p:sp>
-        <p:nvSpPr>
-          <p:cNvPr id="28" name="부제목 2"/>
-          <p:cNvSpPr txBox="1">
-            <a:spLocks/>
-          </p:cNvSpPr>
-          <p:nvPr/>
-        </p:nvSpPr>
-        <p:spPr>
-          <a:xfrm>
-            <a:off x="653562" y="572114"/>
-            <a:ext cx="5113579" cy="332399"/>
-          </a:xfrm>
-          <a:prstGeom prst="rect">
-            <a:avLst/>
-          </a:prstGeom>
-        </p:spPr>
-        <p:txBody>
-          <a:bodyPr vert="horz" wrap="none" lIns="0" tIns="0" rIns="0" bIns="0" rtlCol="0">
-            <a:spAutoFit/>
-          </a:bodyPr>
-          <a:lstStyle>
-            <a:lvl1pPr marL="0" indent="0" algn="ctr" defTabSz="914400" rtl="0" eaLnBrk="1" latinLnBrk="1" hangingPunct="1">
-              <a:lnSpc>
-                <a:spcPct val="90000"/>
-              </a:lnSpc>
-              <a:spcBef>
-                <a:spcPts val="1000"/>
-              </a:spcBef>
-              <a:buFont typeface="Arial" panose="020B0604020202020204" pitchFamily="34" charset="0"/>
-              <a:buNone/>
-              <a:defRPr sz="2400" kern="1200">
-                <a:solidFill>
-                  <a:schemeClr val="tx1"/>
-                </a:solidFill>
-                <a:latin typeface="+mn-lt"/>
-                <a:ea typeface="+mn-ea"/>
-                <a:cs typeface="+mn-cs"/>
-              </a:defRPr>
-            </a:lvl1pPr>
-            <a:lvl2pPr marL="457200" indent="0" algn="ctr" defTabSz="914400" rtl="0" eaLnBrk="1" latinLnBrk="1" hangingPunct="1">
-              <a:lnSpc>
-                <a:spcPct val="90000"/>
-              </a:lnSpc>
-              <a:spcBef>
-                <a:spcPts val="500"/>
-              </a:spcBef>
-              <a:buFont typeface="Arial" panose="020B0604020202020204" pitchFamily="34" charset="0"/>
-              <a:buNone/>
-              <a:defRPr sz="2000" kern="1200">
-                <a:solidFill>
-                  <a:schemeClr val="tx1"/>
-                </a:solidFill>
-                <a:latin typeface="+mn-lt"/>
-                <a:ea typeface="+mn-ea"/>
-                <a:cs typeface="+mn-cs"/>
-              </a:defRPr>
-            </a:lvl2pPr>
-            <a:lvl3pPr marL="914400" indent="0" algn="ctr" defTabSz="914400" rtl="0" eaLnBrk="1" latinLnBrk="1" hangingPunct="1">
-              <a:lnSpc>
-                <a:spcPct val="90000"/>
-              </a:lnSpc>
-              <a:spcBef>
-                <a:spcPts val="500"/>
-              </a:spcBef>
-              <a:buFont typeface="Arial" panose="020B0604020202020204" pitchFamily="34" charset="0"/>
-              <a:buNone/>
-              <a:defRPr sz="1800" kern="1200">
-                <a:solidFill>
-                  <a:schemeClr val="tx1"/>
-                </a:solidFill>
-                <a:latin typeface="+mn-lt"/>
-                <a:ea typeface="+mn-ea"/>
-                <a:cs typeface="+mn-cs"/>
-              </a:defRPr>
-            </a:lvl3pPr>
-            <a:lvl4pPr marL="1371600" indent="0" algn="ctr" defTabSz="914400" rtl="0" eaLnBrk="1" latinLnBrk="1" hangingPunct="1">
-              <a:lnSpc>
-                <a:spcPct val="90000"/>
-              </a:lnSpc>
-              <a:spcBef>
-                <a:spcPts val="500"/>
-              </a:spcBef>
-              <a:buFont typeface="Arial" panose="020B0604020202020204" pitchFamily="34" charset="0"/>
-              <a:buNone/>
-              <a:defRPr sz="1600" kern="1200">
-                <a:solidFill>
-                  <a:schemeClr val="tx1"/>
-                </a:solidFill>
-                <a:latin typeface="+mn-lt"/>
-                <a:ea typeface="+mn-ea"/>
-                <a:cs typeface="+mn-cs"/>
-              </a:defRPr>
-            </a:lvl4pPr>
-            <a:lvl5pPr marL="1828800" indent="0" algn="ctr" defTabSz="914400" rtl="0" eaLnBrk="1" latinLnBrk="1" hangingPunct="1">
-              <a:lnSpc>
-                <a:spcPct val="90000"/>
-              </a:lnSpc>
-              <a:spcBef>
-                <a:spcPts val="500"/>
-              </a:spcBef>
-              <a:buFont typeface="Arial" panose="020B0604020202020204" pitchFamily="34" charset="0"/>
-              <a:buNone/>
-              <a:defRPr sz="1600" kern="1200">
-                <a:solidFill>
-                  <a:schemeClr val="tx1"/>
-                </a:solidFill>
-                <a:latin typeface="+mn-lt"/>
-                <a:ea typeface="+mn-ea"/>
-                <a:cs typeface="+mn-cs"/>
-              </a:defRPr>
-            </a:lvl5pPr>
-            <a:lvl6pPr marL="2286000" indent="0" algn="ctr" defTabSz="914400" rtl="0" eaLnBrk="1" latinLnBrk="1" hangingPunct="1">
-              <a:lnSpc>
-                <a:spcPct val="90000"/>
-              </a:lnSpc>
-              <a:spcBef>
-                <a:spcPts val="500"/>
-              </a:spcBef>
-              <a:buFont typeface="Arial" panose="020B0604020202020204" pitchFamily="34" charset="0"/>
-              <a:buNone/>
-              <a:defRPr sz="1600" kern="1200">
-                <a:solidFill>
-                  <a:schemeClr val="tx1"/>
-                </a:solidFill>
-                <a:latin typeface="+mn-lt"/>
-                <a:ea typeface="+mn-ea"/>
-                <a:cs typeface="+mn-cs"/>
-              </a:defRPr>
-            </a:lvl6pPr>
-            <a:lvl7pPr marL="2743200" indent="0" algn="ctr" defTabSz="914400" rtl="0" eaLnBrk="1" latinLnBrk="1" hangingPunct="1">
-              <a:lnSpc>
-                <a:spcPct val="90000"/>
-              </a:lnSpc>
-              <a:spcBef>
-                <a:spcPts val="500"/>
-              </a:spcBef>
-              <a:buFont typeface="Arial" panose="020B0604020202020204" pitchFamily="34" charset="0"/>
-              <a:buNone/>
-              <a:defRPr sz="1600" kern="1200">
-                <a:solidFill>
-                  <a:schemeClr val="tx1"/>
-                </a:solidFill>
-                <a:latin typeface="+mn-lt"/>
-                <a:ea typeface="+mn-ea"/>
-                <a:cs typeface="+mn-cs"/>
-              </a:defRPr>
-            </a:lvl7pPr>
-            <a:lvl8pPr marL="3200400" indent="0" algn="ctr" defTabSz="914400" rtl="0" eaLnBrk="1" latinLnBrk="1" hangingPunct="1">
-              <a:lnSpc>
-                <a:spcPct val="90000"/>
-              </a:lnSpc>
-              <a:spcBef>
-                <a:spcPts val="500"/>
-              </a:spcBef>
-              <a:buFont typeface="Arial" panose="020B0604020202020204" pitchFamily="34" charset="0"/>
-              <a:buNone/>
-              <a:defRPr sz="1600" kern="1200">
-                <a:solidFill>
-                  <a:schemeClr val="tx1"/>
-                </a:solidFill>
-                <a:latin typeface="+mn-lt"/>
-                <a:ea typeface="+mn-ea"/>
-                <a:cs typeface="+mn-cs"/>
-              </a:defRPr>
-            </a:lvl8pPr>
-            <a:lvl9pPr marL="3657600" indent="0" algn="ctr" defTabSz="914400" rtl="0" eaLnBrk="1" latinLnBrk="1" hangingPunct="1">
-              <a:lnSpc>
-                <a:spcPct val="90000"/>
-              </a:lnSpc>
-              <a:spcBef>
-                <a:spcPts val="500"/>
-              </a:spcBef>
-              <a:buFont typeface="Arial" panose="020B0604020202020204" pitchFamily="34" charset="0"/>
-              <a:buNone/>
-              <a:defRPr sz="1600" kern="1200">
-                <a:solidFill>
-                  <a:schemeClr val="tx1"/>
-                </a:solidFill>
-                <a:latin typeface="+mn-lt"/>
-                <a:ea typeface="+mn-ea"/>
-                <a:cs typeface="+mn-cs"/>
-              </a:defRPr>
-            </a:lvl9pPr>
-          </a:lstStyle>
-          <a:p>
-            <a:pPr algn="l"/>
-            <a:r>
-              <a:rPr lang="en-US" altLang="ko-KR" dirty="0" smtClean="0"/>
-              <a:t>4</a:t>
-            </a:r>
-            <a:r>
-              <a:rPr lang="ko-KR" altLang="en-US" dirty="0" smtClean="0"/>
-              <a:t>가지 어플리케이션에 대해서 배웠음</a:t>
-            </a:r>
-            <a:endParaRPr lang="en-US" altLang="ko-KR" dirty="0" smtClean="0"/>
-          </a:p>
-        </p:txBody>
-      </p:sp>
-      <p:sp>
-        <p:nvSpPr>
-          <p:cNvPr id="29" name="부제목 2"/>
-          <p:cNvSpPr txBox="1">
-            <a:spLocks/>
-          </p:cNvSpPr>
-          <p:nvPr/>
-        </p:nvSpPr>
-        <p:spPr>
-          <a:xfrm>
-            <a:off x="1933722" y="5887687"/>
-            <a:ext cx="1657954" cy="332399"/>
-          </a:xfrm>
-          <a:prstGeom prst="rect">
-            <a:avLst/>
-          </a:prstGeom>
-        </p:spPr>
-        <p:txBody>
-          <a:bodyPr vert="horz" wrap="none" lIns="0" tIns="0" rIns="0" bIns="0" rtlCol="0">
-            <a:spAutoFit/>
-          </a:bodyPr>
-          <a:lstStyle>
-            <a:lvl1pPr marL="0" indent="0" algn="ctr" defTabSz="914400" rtl="0" eaLnBrk="1" latinLnBrk="1" hangingPunct="1">
-              <a:lnSpc>
-                <a:spcPct val="90000"/>
-              </a:lnSpc>
-              <a:spcBef>
-                <a:spcPts val="1000"/>
-              </a:spcBef>
-              <a:buFont typeface="Arial" panose="020B0604020202020204" pitchFamily="34" charset="0"/>
-              <a:buNone/>
-              <a:defRPr sz="2400" kern="1200">
-                <a:solidFill>
-                  <a:schemeClr val="tx1"/>
-                </a:solidFill>
-                <a:latin typeface="+mn-lt"/>
-                <a:ea typeface="+mn-ea"/>
-                <a:cs typeface="+mn-cs"/>
-              </a:defRPr>
-            </a:lvl1pPr>
-            <a:lvl2pPr marL="457200" indent="0" algn="ctr" defTabSz="914400" rtl="0" eaLnBrk="1" latinLnBrk="1" hangingPunct="1">
-              <a:lnSpc>
-                <a:spcPct val="90000"/>
-              </a:lnSpc>
-              <a:spcBef>
-                <a:spcPts val="500"/>
-              </a:spcBef>
-              <a:buFont typeface="Arial" panose="020B0604020202020204" pitchFamily="34" charset="0"/>
-              <a:buNone/>
-              <a:defRPr sz="2000" kern="1200">
-                <a:solidFill>
-                  <a:schemeClr val="tx1"/>
-                </a:solidFill>
-                <a:latin typeface="+mn-lt"/>
-                <a:ea typeface="+mn-ea"/>
-                <a:cs typeface="+mn-cs"/>
-              </a:defRPr>
-            </a:lvl2pPr>
-            <a:lvl3pPr marL="914400" indent="0" algn="ctr" defTabSz="914400" rtl="0" eaLnBrk="1" latinLnBrk="1" hangingPunct="1">
-              <a:lnSpc>
-                <a:spcPct val="90000"/>
-              </a:lnSpc>
-              <a:spcBef>
-                <a:spcPts val="500"/>
-              </a:spcBef>
-              <a:buFont typeface="Arial" panose="020B0604020202020204" pitchFamily="34" charset="0"/>
-              <a:buNone/>
-              <a:defRPr sz="1800" kern="1200">
-                <a:solidFill>
-                  <a:schemeClr val="tx1"/>
-                </a:solidFill>
-                <a:latin typeface="+mn-lt"/>
-                <a:ea typeface="+mn-ea"/>
-                <a:cs typeface="+mn-cs"/>
-              </a:defRPr>
-            </a:lvl3pPr>
-            <a:lvl4pPr marL="1371600" indent="0" algn="ctr" defTabSz="914400" rtl="0" eaLnBrk="1" latinLnBrk="1" hangingPunct="1">
-              <a:lnSpc>
-                <a:spcPct val="90000"/>
-              </a:lnSpc>
-              <a:spcBef>
-                <a:spcPts val="500"/>
-              </a:spcBef>
-              <a:buFont typeface="Arial" panose="020B0604020202020204" pitchFamily="34" charset="0"/>
-              <a:buNone/>
-              <a:defRPr sz="1600" kern="1200">
-                <a:solidFill>
-                  <a:schemeClr val="tx1"/>
-                </a:solidFill>
-                <a:latin typeface="+mn-lt"/>
-                <a:ea typeface="+mn-ea"/>
-                <a:cs typeface="+mn-cs"/>
-              </a:defRPr>
-            </a:lvl4pPr>
-            <a:lvl5pPr marL="1828800" indent="0" algn="ctr" defTabSz="914400" rtl="0" eaLnBrk="1" latinLnBrk="1" hangingPunct="1">
-              <a:lnSpc>
-                <a:spcPct val="90000"/>
-              </a:lnSpc>
-              <a:spcBef>
-                <a:spcPts val="500"/>
-              </a:spcBef>
-              <a:buFont typeface="Arial" panose="020B0604020202020204" pitchFamily="34" charset="0"/>
-              <a:buNone/>
-              <a:defRPr sz="1600" kern="1200">
-                <a:solidFill>
-                  <a:schemeClr val="tx1"/>
-                </a:solidFill>
-                <a:latin typeface="+mn-lt"/>
-                <a:ea typeface="+mn-ea"/>
-                <a:cs typeface="+mn-cs"/>
-              </a:defRPr>
-            </a:lvl5pPr>
-            <a:lvl6pPr marL="2286000" indent="0" algn="ctr" defTabSz="914400" rtl="0" eaLnBrk="1" latinLnBrk="1" hangingPunct="1">
-              <a:lnSpc>
-                <a:spcPct val="90000"/>
-              </a:lnSpc>
-              <a:spcBef>
-                <a:spcPts val="500"/>
-              </a:spcBef>
-              <a:buFont typeface="Arial" panose="020B0604020202020204" pitchFamily="34" charset="0"/>
-              <a:buNone/>
-              <a:defRPr sz="1600" kern="1200">
-                <a:solidFill>
-                  <a:schemeClr val="tx1"/>
-                </a:solidFill>
-                <a:latin typeface="+mn-lt"/>
-                <a:ea typeface="+mn-ea"/>
-                <a:cs typeface="+mn-cs"/>
-              </a:defRPr>
-            </a:lvl6pPr>
-            <a:lvl7pPr marL="2743200" indent="0" algn="ctr" defTabSz="914400" rtl="0" eaLnBrk="1" latinLnBrk="1" hangingPunct="1">
-              <a:lnSpc>
-                <a:spcPct val="90000"/>
-              </a:lnSpc>
-              <a:spcBef>
-                <a:spcPts val="500"/>
-              </a:spcBef>
-              <a:buFont typeface="Arial" panose="020B0604020202020204" pitchFamily="34" charset="0"/>
-              <a:buNone/>
-              <a:defRPr sz="1600" kern="1200">
-                <a:solidFill>
-                  <a:schemeClr val="tx1"/>
-                </a:solidFill>
-                <a:latin typeface="+mn-lt"/>
-                <a:ea typeface="+mn-ea"/>
-                <a:cs typeface="+mn-cs"/>
-              </a:defRPr>
-            </a:lvl7pPr>
-            <a:lvl8pPr marL="3200400" indent="0" algn="ctr" defTabSz="914400" rtl="0" eaLnBrk="1" latinLnBrk="1" hangingPunct="1">
-              <a:lnSpc>
-                <a:spcPct val="90000"/>
-              </a:lnSpc>
-              <a:spcBef>
-                <a:spcPts val="500"/>
-              </a:spcBef>
-              <a:buFont typeface="Arial" panose="020B0604020202020204" pitchFamily="34" charset="0"/>
-              <a:buNone/>
-              <a:defRPr sz="1600" kern="1200">
-                <a:solidFill>
-                  <a:schemeClr val="tx1"/>
-                </a:solidFill>
-                <a:latin typeface="+mn-lt"/>
-                <a:ea typeface="+mn-ea"/>
-                <a:cs typeface="+mn-cs"/>
-              </a:defRPr>
-            </a:lvl8pPr>
-            <a:lvl9pPr marL="3657600" indent="0" algn="ctr" defTabSz="914400" rtl="0" eaLnBrk="1" latinLnBrk="1" hangingPunct="1">
-              <a:lnSpc>
-                <a:spcPct val="90000"/>
-              </a:lnSpc>
-              <a:spcBef>
-                <a:spcPts val="500"/>
-              </a:spcBef>
-              <a:buFont typeface="Arial" panose="020B0604020202020204" pitchFamily="34" charset="0"/>
-              <a:buNone/>
-              <a:defRPr sz="1600" kern="1200">
-                <a:solidFill>
-                  <a:schemeClr val="tx1"/>
-                </a:solidFill>
-                <a:latin typeface="+mn-lt"/>
-                <a:ea typeface="+mn-ea"/>
-                <a:cs typeface="+mn-cs"/>
-              </a:defRPr>
-            </a:lvl9pPr>
-          </a:lstStyle>
-          <a:p>
-            <a:pPr algn="l"/>
-            <a:r>
-              <a:rPr lang="en-US" altLang="ko-KR" dirty="0" smtClean="0"/>
-              <a:t>SCOUT-APP</a:t>
-            </a:r>
-          </a:p>
-        </p:txBody>
-      </p:sp>
-      <p:sp>
-        <p:nvSpPr>
-          <p:cNvPr id="30" name="부제목 2"/>
-          <p:cNvSpPr txBox="1">
-            <a:spLocks/>
-          </p:cNvSpPr>
-          <p:nvPr/>
-        </p:nvSpPr>
-        <p:spPr>
-          <a:xfrm>
-            <a:off x="2570329" y="6287019"/>
-            <a:ext cx="6495368" cy="332399"/>
-          </a:xfrm>
-          <a:prstGeom prst="rect">
-            <a:avLst/>
-          </a:prstGeom>
-        </p:spPr>
-        <p:txBody>
-          <a:bodyPr vert="horz" wrap="none" lIns="0" tIns="0" rIns="0" bIns="0" rtlCol="0">
-            <a:spAutoFit/>
-          </a:bodyPr>
-          <a:lstStyle>
-            <a:lvl1pPr marL="0" indent="0" algn="ctr" defTabSz="914400" rtl="0" eaLnBrk="1" latinLnBrk="1" hangingPunct="1">
-              <a:lnSpc>
-                <a:spcPct val="90000"/>
-              </a:lnSpc>
-              <a:spcBef>
-                <a:spcPts val="1000"/>
-              </a:spcBef>
-              <a:buFont typeface="Arial" panose="020B0604020202020204" pitchFamily="34" charset="0"/>
-              <a:buNone/>
-              <a:defRPr sz="2400" kern="1200">
-                <a:solidFill>
-                  <a:schemeClr val="tx1"/>
-                </a:solidFill>
-                <a:latin typeface="+mn-lt"/>
-                <a:ea typeface="+mn-ea"/>
-                <a:cs typeface="+mn-cs"/>
-              </a:defRPr>
-            </a:lvl1pPr>
-            <a:lvl2pPr marL="457200" indent="0" algn="ctr" defTabSz="914400" rtl="0" eaLnBrk="1" latinLnBrk="1" hangingPunct="1">
-              <a:lnSpc>
-                <a:spcPct val="90000"/>
-              </a:lnSpc>
-              <a:spcBef>
-                <a:spcPts val="500"/>
-              </a:spcBef>
-              <a:buFont typeface="Arial" panose="020B0604020202020204" pitchFamily="34" charset="0"/>
-              <a:buNone/>
-              <a:defRPr sz="2000" kern="1200">
-                <a:solidFill>
-                  <a:schemeClr val="tx1"/>
-                </a:solidFill>
-                <a:latin typeface="+mn-lt"/>
-                <a:ea typeface="+mn-ea"/>
-                <a:cs typeface="+mn-cs"/>
-              </a:defRPr>
-            </a:lvl2pPr>
-            <a:lvl3pPr marL="914400" indent="0" algn="ctr" defTabSz="914400" rtl="0" eaLnBrk="1" latinLnBrk="1" hangingPunct="1">
-              <a:lnSpc>
-                <a:spcPct val="90000"/>
-              </a:lnSpc>
-              <a:spcBef>
-                <a:spcPts val="500"/>
-              </a:spcBef>
-              <a:buFont typeface="Arial" panose="020B0604020202020204" pitchFamily="34" charset="0"/>
-              <a:buNone/>
-              <a:defRPr sz="1800" kern="1200">
-                <a:solidFill>
-                  <a:schemeClr val="tx1"/>
-                </a:solidFill>
-                <a:latin typeface="+mn-lt"/>
-                <a:ea typeface="+mn-ea"/>
-                <a:cs typeface="+mn-cs"/>
-              </a:defRPr>
-            </a:lvl3pPr>
-            <a:lvl4pPr marL="1371600" indent="0" algn="ctr" defTabSz="914400" rtl="0" eaLnBrk="1" latinLnBrk="1" hangingPunct="1">
-              <a:lnSpc>
-                <a:spcPct val="90000"/>
-              </a:lnSpc>
-              <a:spcBef>
-                <a:spcPts val="500"/>
-              </a:spcBef>
-              <a:buFont typeface="Arial" panose="020B0604020202020204" pitchFamily="34" charset="0"/>
-              <a:buNone/>
-              <a:defRPr sz="1600" kern="1200">
-                <a:solidFill>
-                  <a:schemeClr val="tx1"/>
-                </a:solidFill>
-                <a:latin typeface="+mn-lt"/>
-                <a:ea typeface="+mn-ea"/>
-                <a:cs typeface="+mn-cs"/>
-              </a:defRPr>
-            </a:lvl4pPr>
-            <a:lvl5pPr marL="1828800" indent="0" algn="ctr" defTabSz="914400" rtl="0" eaLnBrk="1" latinLnBrk="1" hangingPunct="1">
-              <a:lnSpc>
-                <a:spcPct val="90000"/>
-              </a:lnSpc>
-              <a:spcBef>
-                <a:spcPts val="500"/>
-              </a:spcBef>
-              <a:buFont typeface="Arial" panose="020B0604020202020204" pitchFamily="34" charset="0"/>
-              <a:buNone/>
-              <a:defRPr sz="1600" kern="1200">
-                <a:solidFill>
-                  <a:schemeClr val="tx1"/>
-                </a:solidFill>
-                <a:latin typeface="+mn-lt"/>
-                <a:ea typeface="+mn-ea"/>
-                <a:cs typeface="+mn-cs"/>
-              </a:defRPr>
-            </a:lvl5pPr>
-            <a:lvl6pPr marL="2286000" indent="0" algn="ctr" defTabSz="914400" rtl="0" eaLnBrk="1" latinLnBrk="1" hangingPunct="1">
-              <a:lnSpc>
-                <a:spcPct val="90000"/>
-              </a:lnSpc>
-              <a:spcBef>
-                <a:spcPts val="500"/>
-              </a:spcBef>
-              <a:buFont typeface="Arial" panose="020B0604020202020204" pitchFamily="34" charset="0"/>
-              <a:buNone/>
-              <a:defRPr sz="1600" kern="1200">
-                <a:solidFill>
-                  <a:schemeClr val="tx1"/>
-                </a:solidFill>
-                <a:latin typeface="+mn-lt"/>
-                <a:ea typeface="+mn-ea"/>
-                <a:cs typeface="+mn-cs"/>
-              </a:defRPr>
-            </a:lvl6pPr>
-            <a:lvl7pPr marL="2743200" indent="0" algn="ctr" defTabSz="914400" rtl="0" eaLnBrk="1" latinLnBrk="1" hangingPunct="1">
-              <a:lnSpc>
-                <a:spcPct val="90000"/>
-              </a:lnSpc>
-              <a:spcBef>
-                <a:spcPts val="500"/>
-              </a:spcBef>
-              <a:buFont typeface="Arial" panose="020B0604020202020204" pitchFamily="34" charset="0"/>
-              <a:buNone/>
-              <a:defRPr sz="1600" kern="1200">
-                <a:solidFill>
-                  <a:schemeClr val="tx1"/>
-                </a:solidFill>
-                <a:latin typeface="+mn-lt"/>
-                <a:ea typeface="+mn-ea"/>
-                <a:cs typeface="+mn-cs"/>
-              </a:defRPr>
-            </a:lvl7pPr>
-            <a:lvl8pPr marL="3200400" indent="0" algn="ctr" defTabSz="914400" rtl="0" eaLnBrk="1" latinLnBrk="1" hangingPunct="1">
-              <a:lnSpc>
-                <a:spcPct val="90000"/>
-              </a:lnSpc>
-              <a:spcBef>
-                <a:spcPts val="500"/>
-              </a:spcBef>
-              <a:buFont typeface="Arial" panose="020B0604020202020204" pitchFamily="34" charset="0"/>
-              <a:buNone/>
-              <a:defRPr sz="1600" kern="1200">
-                <a:solidFill>
-                  <a:schemeClr val="tx1"/>
-                </a:solidFill>
-                <a:latin typeface="+mn-lt"/>
-                <a:ea typeface="+mn-ea"/>
-                <a:cs typeface="+mn-cs"/>
-              </a:defRPr>
-            </a:lvl8pPr>
-            <a:lvl9pPr marL="3657600" indent="0" algn="ctr" defTabSz="914400" rtl="0" eaLnBrk="1" latinLnBrk="1" hangingPunct="1">
-              <a:lnSpc>
-                <a:spcPct val="90000"/>
-              </a:lnSpc>
-              <a:spcBef>
-                <a:spcPts val="500"/>
-              </a:spcBef>
-              <a:buFont typeface="Arial" panose="020B0604020202020204" pitchFamily="34" charset="0"/>
-              <a:buNone/>
-              <a:defRPr sz="1600" kern="1200">
-                <a:solidFill>
-                  <a:schemeClr val="tx1"/>
-                </a:solidFill>
-                <a:latin typeface="+mn-lt"/>
-                <a:ea typeface="+mn-ea"/>
-                <a:cs typeface="+mn-cs"/>
-              </a:defRPr>
-            </a:lvl9pPr>
-          </a:lstStyle>
-          <a:p>
-            <a:pPr algn="l"/>
-            <a:r>
-              <a:rPr lang="en-US" altLang="ko-KR" dirty="0" smtClean="0"/>
-              <a:t>SCSS</a:t>
-            </a:r>
-            <a:r>
-              <a:rPr lang="ko-KR" altLang="en-US" dirty="0" smtClean="0"/>
-              <a:t>로 만든 파일을 </a:t>
-            </a:r>
-            <a:r>
-              <a:rPr lang="en-US" altLang="ko-KR" dirty="0" smtClean="0"/>
-              <a:t>CSS</a:t>
-            </a:r>
-            <a:r>
-              <a:rPr lang="ko-KR" altLang="en-US" dirty="0" smtClean="0"/>
-              <a:t>로 자동 변환해주는 앱</a:t>
-            </a:r>
-            <a:endParaRPr lang="en-US" altLang="ko-KR" dirty="0" smtClean="0"/>
-          </a:p>
-        </p:txBody>
-      </p:sp>
-      <p:pic>
-        <p:nvPicPr>
-          <p:cNvPr id="2" name="그림 1"/>
-          <p:cNvPicPr>
-            <a:picLocks noChangeAspect="1"/>
-          </p:cNvPicPr>
-          <p:nvPr/>
-        </p:nvPicPr>
-        <p:blipFill>
-          <a:blip r:embed="rId3"/>
-          <a:stretch>
-            <a:fillRect/>
-          </a:stretch>
-        </p:blipFill>
-        <p:spPr>
-          <a:xfrm>
-            <a:off x="727268" y="1444862"/>
-            <a:ext cx="1012507" cy="1076325"/>
-          </a:xfrm>
-          <a:prstGeom prst="rect">
-            <a:avLst/>
-          </a:prstGeom>
-        </p:spPr>
-      </p:pic>
-      <p:pic>
-        <p:nvPicPr>
-          <p:cNvPr id="3" name="그림 2"/>
-          <p:cNvPicPr>
-            <a:picLocks noChangeAspect="1"/>
-          </p:cNvPicPr>
-          <p:nvPr/>
-        </p:nvPicPr>
-        <p:blipFill>
-          <a:blip r:embed="rId4"/>
-          <a:stretch>
-            <a:fillRect/>
-          </a:stretch>
-        </p:blipFill>
-        <p:spPr>
-          <a:xfrm>
-            <a:off x="714737" y="2772879"/>
-            <a:ext cx="1009650" cy="990600"/>
-          </a:xfrm>
-          <a:prstGeom prst="rect">
-            <a:avLst/>
-          </a:prstGeom>
-        </p:spPr>
-      </p:pic>
-      <p:pic>
-        <p:nvPicPr>
-          <p:cNvPr id="5" name="그림 4"/>
-          <p:cNvPicPr>
-            <a:picLocks noChangeAspect="1"/>
-          </p:cNvPicPr>
-          <p:nvPr/>
-        </p:nvPicPr>
-        <p:blipFill>
-          <a:blip r:embed="rId5"/>
-          <a:stretch>
-            <a:fillRect/>
-          </a:stretch>
-        </p:blipFill>
-        <p:spPr>
-          <a:xfrm>
-            <a:off x="653562" y="5667897"/>
-            <a:ext cx="1057275" cy="1076325"/>
-          </a:xfrm>
-          <a:prstGeom prst="rect">
-            <a:avLst/>
-          </a:prstGeom>
-        </p:spPr>
-      </p:pic>
-      <p:pic>
-        <p:nvPicPr>
-          <p:cNvPr id="8" name="그림 7"/>
-          <p:cNvPicPr>
-            <a:picLocks noChangeAspect="1"/>
-          </p:cNvPicPr>
-          <p:nvPr/>
-        </p:nvPicPr>
-        <p:blipFill>
-          <a:blip r:embed="rId6"/>
-          <a:stretch>
-            <a:fillRect/>
-          </a:stretch>
-        </p:blipFill>
-        <p:spPr>
-          <a:xfrm>
-            <a:off x="692025" y="4146790"/>
-            <a:ext cx="1047750" cy="1095375"/>
-          </a:xfrm>
-          <a:prstGeom prst="rect">
-            <a:avLst/>
-          </a:prstGeom>
-        </p:spPr>
-      </p:pic>
-    </p:spTree>
-    <p:extLst>
-      <p:ext uri="{BB962C8B-B14F-4D97-AF65-F5344CB8AC3E}">
-        <p14:creationId xmlns:p14="http://schemas.microsoft.com/office/powerpoint/2010/main" val="311377750"/>
-      </p:ext>
-    </p:extLst>
-  </p:cSld>
-  <p:clrMapOvr>
-    <a:masterClrMapping/>
-  </p:clrMapOvr>
-  <p:timing>
-    <p:tnLst>
-      <p:par>
-        <p:cTn id="1" dur="indefinite" restart="never" nodeType="tmRoot"/>
-      </p:par>
-    </p:tnLst>
-  </p:timing>
-</p:sld>
-</file>
-
-<file path=ppt/slides/slide3.xml><?xml version="1.0" encoding="utf-8"?>
-<p:sld xmlns:a="http://schemas.openxmlformats.org/drawingml/2006/main" xmlns:r="http://schemas.openxmlformats.org/officeDocument/2006/relationships" xmlns:p="http://schemas.openxmlformats.org/presentationml/2006/main">
-  <p:cSld>
-    <p:spTree>
-      <p:nvGrpSpPr>
-        <p:cNvPr id="1" name=""/>
-        <p:cNvGrpSpPr/>
-        <p:nvPr/>
-      </p:nvGrpSpPr>
-      <p:grpSpPr>
-        <a:xfrm>
-          <a:off x="0" y="0"/>
-          <a:ext cx="0" cy="0"/>
-          <a:chOff x="0" y="0"/>
-          <a:chExt cx="0" cy="0"/>
-        </a:xfrm>
-      </p:grpSpPr>
-      <p:sp>
-        <p:nvSpPr>
           <p:cNvPr id="7" name="부제목 2"/>
           <p:cNvSpPr txBox="1">
             <a:spLocks/>
@@ -7021,7 +4950,7 @@
 </p:sld>
 </file>
 
-<file path=ppt/slides/slide4.xml><?xml version="1.0" encoding="utf-8"?>
+<file path=ppt/slides/slide3.xml><?xml version="1.0" encoding="utf-8"?>
 <p:sld xmlns:a="http://schemas.openxmlformats.org/drawingml/2006/main" xmlns:r="http://schemas.openxmlformats.org/officeDocument/2006/relationships" xmlns:p="http://schemas.openxmlformats.org/presentationml/2006/main">
   <p:cSld>
     <p:spTree>
@@ -7260,7 +5189,7 @@
         <p:spPr>
           <a:xfrm>
             <a:off x="653562" y="603861"/>
-            <a:ext cx="4954818" cy="332399"/>
+            <a:ext cx="3712555" cy="332399"/>
           </a:xfrm>
           <a:prstGeom prst="rect">
             <a:avLst/>
@@ -7438,15 +5367,11 @@
             <a:pPr algn="l"/>
             <a:r>
               <a:rPr lang="ko-KR" altLang="en-US" dirty="0" smtClean="0"/>
-              <a:t>웹 사이트 따라 만들어보기 </a:t>
-            </a:r>
-            <a:r>
-              <a:rPr lang="en-US" altLang="ko-KR" dirty="0" smtClean="0"/>
-              <a:t>1) </a:t>
-            </a:r>
-            <a:r>
-              <a:rPr lang="en-US" altLang="ko-KR" dirty="0" err="1" smtClean="0"/>
-              <a:t>D.Lab</a:t>
+              <a:t>웹 사이트 따라 </a:t>
+            </a:r>
+            <a:r>
+              <a:rPr lang="ko-KR" altLang="en-US" dirty="0" smtClean="0"/>
+              <a:t>만들어보기</a:t>
             </a:r>
             <a:endParaRPr lang="en-US" altLang="ko-KR" dirty="0" smtClean="0"/>
           </a:p>
@@ -8246,7 +6171,7 @@
 </p:sld>
 </file>
 
-<file path=ppt/slides/slide5.xml><?xml version="1.0" encoding="utf-8"?>
+<file path=ppt/slides/slide4.xml><?xml version="1.0" encoding="utf-8"?>
 <p:sld xmlns:a="http://schemas.openxmlformats.org/drawingml/2006/main" xmlns:r="http://schemas.openxmlformats.org/officeDocument/2006/relationships" xmlns:p="http://schemas.openxmlformats.org/presentationml/2006/main">
   <p:cSld>
     <p:spTree>
@@ -8273,8 +6198,8 @@
         </p:nvSpPr>
         <p:spPr>
           <a:xfrm>
-            <a:off x="653562" y="603861"/>
-            <a:ext cx="4220707" cy="332399"/>
+            <a:off x="653562" y="650160"/>
+            <a:ext cx="4873129" cy="332399"/>
           </a:xfrm>
           <a:prstGeom prst="rect">
             <a:avLst/>
@@ -8451,16 +6376,16 @@
           <a:p>
             <a:pPr algn="l"/>
             <a:r>
+              <a:rPr lang="en-US" altLang="ko-KR" dirty="0" smtClean="0"/>
+              <a:t>HTML - </a:t>
+            </a:r>
+            <a:r>
               <a:rPr lang="ko-KR" altLang="en-US" dirty="0" smtClean="0"/>
-              <a:t>우선 </a:t>
-            </a:r>
-            <a:r>
-              <a:rPr lang="en-US" altLang="ko-KR" dirty="0" smtClean="0"/>
-              <a:t>HTML</a:t>
-            </a:r>
-            <a:r>
-              <a:rPr lang="ko-KR" altLang="en-US" dirty="0" smtClean="0"/>
-              <a:t>로 구조를 잡아봤음</a:t>
+              <a:t>간단하게 먼저 구조 </a:t>
+            </a:r>
+            <a:r>
+              <a:rPr lang="ko-KR" altLang="en-US" dirty="0" err="1" smtClean="0"/>
+              <a:t>잡아봄</a:t>
             </a:r>
             <a:endParaRPr lang="en-US" altLang="ko-KR" dirty="0" smtClean="0"/>
           </a:p>
@@ -8574,7 +6499,7 @@
 </p:sld>
 </file>
 
-<file path=ppt/slides/slide6.xml><?xml version="1.0" encoding="utf-8"?>
+<file path=ppt/slides/slide5.xml><?xml version="1.0" encoding="utf-8"?>
 <p:sld xmlns:a="http://schemas.openxmlformats.org/drawingml/2006/main" xmlns:r="http://schemas.openxmlformats.org/officeDocument/2006/relationships" xmlns:p="http://schemas.openxmlformats.org/presentationml/2006/main">
   <p:cSld>
     <p:spTree>
@@ -8593,7 +6518,7 @@
       </p:grpSpPr>
       <p:sp>
         <p:nvSpPr>
-          <p:cNvPr id="7" name="부제목 2"/>
+          <p:cNvPr id="10" name="부제목 2"/>
           <p:cNvSpPr txBox="1">
             <a:spLocks/>
           </p:cNvSpPr>
@@ -8601,8 +6526,8 @@
         </p:nvSpPr>
         <p:spPr>
           <a:xfrm>
-            <a:off x="-3463127" y="5633060"/>
-            <a:ext cx="3117841" cy="332399"/>
+            <a:off x="491517" y="407091"/>
+            <a:ext cx="528991" cy="332399"/>
           </a:xfrm>
           <a:prstGeom prst="rect">
             <a:avLst/>
@@ -8779,231 +6704,8 @@
           <a:p>
             <a:pPr algn="l"/>
             <a:r>
-              <a:rPr lang="en-US" altLang="ko-KR" dirty="0"/>
-              <a:t>3</a:t>
-            </a:r>
-            <a:r>
-              <a:rPr lang="ko-KR" altLang="en-US" dirty="0" smtClean="0"/>
-              <a:t>장 </a:t>
-            </a:r>
-            <a:r>
               <a:rPr lang="en-US" altLang="ko-KR" dirty="0" smtClean="0"/>
-              <a:t>– </a:t>
-            </a:r>
-            <a:r>
-              <a:rPr lang="ko-KR" altLang="en-US" dirty="0" err="1" smtClean="0"/>
-              <a:t>크롤링</a:t>
-            </a:r>
-            <a:r>
-              <a:rPr lang="ko-KR" altLang="en-US" dirty="0" smtClean="0"/>
-              <a:t> 시작하기</a:t>
-            </a:r>
-            <a:endParaRPr lang="en-US" altLang="ko-KR" dirty="0" smtClean="0"/>
-          </a:p>
-        </p:txBody>
-      </p:sp>
-      <p:sp>
-        <p:nvSpPr>
-          <p:cNvPr id="11" name="부제목 2"/>
-          <p:cNvSpPr txBox="1">
-            <a:spLocks/>
-          </p:cNvSpPr>
-          <p:nvPr/>
-        </p:nvSpPr>
-        <p:spPr>
-          <a:xfrm>
-            <a:off x="653562" y="603861"/>
-            <a:ext cx="5988242" cy="332399"/>
-          </a:xfrm>
-          <a:prstGeom prst="rect">
-            <a:avLst/>
-          </a:prstGeom>
-        </p:spPr>
-        <p:txBody>
-          <a:bodyPr vert="horz" wrap="none" lIns="0" tIns="0" rIns="0" bIns="0" rtlCol="0">
-            <a:spAutoFit/>
-          </a:bodyPr>
-          <a:lstStyle>
-            <a:lvl1pPr marL="0" indent="0" algn="ctr" defTabSz="914400" rtl="0" eaLnBrk="1" latinLnBrk="1" hangingPunct="1">
-              <a:lnSpc>
-                <a:spcPct val="90000"/>
-              </a:lnSpc>
-              <a:spcBef>
-                <a:spcPts val="1000"/>
-              </a:spcBef>
-              <a:buFont typeface="Arial" panose="020B0604020202020204" pitchFamily="34" charset="0"/>
-              <a:buNone/>
-              <a:defRPr sz="2400" kern="1200">
-                <a:solidFill>
-                  <a:schemeClr val="tx1"/>
-                </a:solidFill>
-                <a:latin typeface="+mn-lt"/>
-                <a:ea typeface="+mn-ea"/>
-                <a:cs typeface="+mn-cs"/>
-              </a:defRPr>
-            </a:lvl1pPr>
-            <a:lvl2pPr marL="457200" indent="0" algn="ctr" defTabSz="914400" rtl="0" eaLnBrk="1" latinLnBrk="1" hangingPunct="1">
-              <a:lnSpc>
-                <a:spcPct val="90000"/>
-              </a:lnSpc>
-              <a:spcBef>
-                <a:spcPts val="500"/>
-              </a:spcBef>
-              <a:buFont typeface="Arial" panose="020B0604020202020204" pitchFamily="34" charset="0"/>
-              <a:buNone/>
-              <a:defRPr sz="2000" kern="1200">
-                <a:solidFill>
-                  <a:schemeClr val="tx1"/>
-                </a:solidFill>
-                <a:latin typeface="+mn-lt"/>
-                <a:ea typeface="+mn-ea"/>
-                <a:cs typeface="+mn-cs"/>
-              </a:defRPr>
-            </a:lvl2pPr>
-            <a:lvl3pPr marL="914400" indent="0" algn="ctr" defTabSz="914400" rtl="0" eaLnBrk="1" latinLnBrk="1" hangingPunct="1">
-              <a:lnSpc>
-                <a:spcPct val="90000"/>
-              </a:lnSpc>
-              <a:spcBef>
-                <a:spcPts val="500"/>
-              </a:spcBef>
-              <a:buFont typeface="Arial" panose="020B0604020202020204" pitchFamily="34" charset="0"/>
-              <a:buNone/>
-              <a:defRPr sz="1800" kern="1200">
-                <a:solidFill>
-                  <a:schemeClr val="tx1"/>
-                </a:solidFill>
-                <a:latin typeface="+mn-lt"/>
-                <a:ea typeface="+mn-ea"/>
-                <a:cs typeface="+mn-cs"/>
-              </a:defRPr>
-            </a:lvl3pPr>
-            <a:lvl4pPr marL="1371600" indent="0" algn="ctr" defTabSz="914400" rtl="0" eaLnBrk="1" latinLnBrk="1" hangingPunct="1">
-              <a:lnSpc>
-                <a:spcPct val="90000"/>
-              </a:lnSpc>
-              <a:spcBef>
-                <a:spcPts val="500"/>
-              </a:spcBef>
-              <a:buFont typeface="Arial" panose="020B0604020202020204" pitchFamily="34" charset="0"/>
-              <a:buNone/>
-              <a:defRPr sz="1600" kern="1200">
-                <a:solidFill>
-                  <a:schemeClr val="tx1"/>
-                </a:solidFill>
-                <a:latin typeface="+mn-lt"/>
-                <a:ea typeface="+mn-ea"/>
-                <a:cs typeface="+mn-cs"/>
-              </a:defRPr>
-            </a:lvl4pPr>
-            <a:lvl5pPr marL="1828800" indent="0" algn="ctr" defTabSz="914400" rtl="0" eaLnBrk="1" latinLnBrk="1" hangingPunct="1">
-              <a:lnSpc>
-                <a:spcPct val="90000"/>
-              </a:lnSpc>
-              <a:spcBef>
-                <a:spcPts val="500"/>
-              </a:spcBef>
-              <a:buFont typeface="Arial" panose="020B0604020202020204" pitchFamily="34" charset="0"/>
-              <a:buNone/>
-              <a:defRPr sz="1600" kern="1200">
-                <a:solidFill>
-                  <a:schemeClr val="tx1"/>
-                </a:solidFill>
-                <a:latin typeface="+mn-lt"/>
-                <a:ea typeface="+mn-ea"/>
-                <a:cs typeface="+mn-cs"/>
-              </a:defRPr>
-            </a:lvl5pPr>
-            <a:lvl6pPr marL="2286000" indent="0" algn="ctr" defTabSz="914400" rtl="0" eaLnBrk="1" latinLnBrk="1" hangingPunct="1">
-              <a:lnSpc>
-                <a:spcPct val="90000"/>
-              </a:lnSpc>
-              <a:spcBef>
-                <a:spcPts val="500"/>
-              </a:spcBef>
-              <a:buFont typeface="Arial" panose="020B0604020202020204" pitchFamily="34" charset="0"/>
-              <a:buNone/>
-              <a:defRPr sz="1600" kern="1200">
-                <a:solidFill>
-                  <a:schemeClr val="tx1"/>
-                </a:solidFill>
-                <a:latin typeface="+mn-lt"/>
-                <a:ea typeface="+mn-ea"/>
-                <a:cs typeface="+mn-cs"/>
-              </a:defRPr>
-            </a:lvl6pPr>
-            <a:lvl7pPr marL="2743200" indent="0" algn="ctr" defTabSz="914400" rtl="0" eaLnBrk="1" latinLnBrk="1" hangingPunct="1">
-              <a:lnSpc>
-                <a:spcPct val="90000"/>
-              </a:lnSpc>
-              <a:spcBef>
-                <a:spcPts val="500"/>
-              </a:spcBef>
-              <a:buFont typeface="Arial" panose="020B0604020202020204" pitchFamily="34" charset="0"/>
-              <a:buNone/>
-              <a:defRPr sz="1600" kern="1200">
-                <a:solidFill>
-                  <a:schemeClr val="tx1"/>
-                </a:solidFill>
-                <a:latin typeface="+mn-lt"/>
-                <a:ea typeface="+mn-ea"/>
-                <a:cs typeface="+mn-cs"/>
-              </a:defRPr>
-            </a:lvl7pPr>
-            <a:lvl8pPr marL="3200400" indent="0" algn="ctr" defTabSz="914400" rtl="0" eaLnBrk="1" latinLnBrk="1" hangingPunct="1">
-              <a:lnSpc>
-                <a:spcPct val="90000"/>
-              </a:lnSpc>
-              <a:spcBef>
-                <a:spcPts val="500"/>
-              </a:spcBef>
-              <a:buFont typeface="Arial" panose="020B0604020202020204" pitchFamily="34" charset="0"/>
-              <a:buNone/>
-              <a:defRPr sz="1600" kern="1200">
-                <a:solidFill>
-                  <a:schemeClr val="tx1"/>
-                </a:solidFill>
-                <a:latin typeface="+mn-lt"/>
-                <a:ea typeface="+mn-ea"/>
-                <a:cs typeface="+mn-cs"/>
-              </a:defRPr>
-            </a:lvl8pPr>
-            <a:lvl9pPr marL="3657600" indent="0" algn="ctr" defTabSz="914400" rtl="0" eaLnBrk="1" latinLnBrk="1" hangingPunct="1">
-              <a:lnSpc>
-                <a:spcPct val="90000"/>
-              </a:lnSpc>
-              <a:spcBef>
-                <a:spcPts val="500"/>
-              </a:spcBef>
-              <a:buFont typeface="Arial" panose="020B0604020202020204" pitchFamily="34" charset="0"/>
-              <a:buNone/>
-              <a:defRPr sz="1600" kern="1200">
-                <a:solidFill>
-                  <a:schemeClr val="tx1"/>
-                </a:solidFill>
-                <a:latin typeface="+mn-lt"/>
-                <a:ea typeface="+mn-ea"/>
-                <a:cs typeface="+mn-cs"/>
-              </a:defRPr>
-            </a:lvl9pPr>
-          </a:lstStyle>
-          <a:p>
-            <a:pPr algn="l"/>
-            <a:r>
-              <a:rPr lang="ko-KR" altLang="en-US" dirty="0" smtClean="0"/>
-              <a:t>웹 사이트 따라 만들어보기 </a:t>
-            </a:r>
-            <a:r>
-              <a:rPr lang="en-US" altLang="ko-KR" dirty="0"/>
-              <a:t>2</a:t>
-            </a:r>
-            <a:r>
-              <a:rPr lang="en-US" altLang="ko-KR" dirty="0" smtClean="0"/>
-              <a:t>) </a:t>
-            </a:r>
-            <a:r>
-              <a:rPr lang="en-US" altLang="ko-KR" dirty="0" err="1" smtClean="0"/>
-              <a:t>AmorePacific</a:t>
+              <a:t>CSS</a:t>
             </a:r>
             <a:endParaRPr lang="en-US" altLang="ko-KR" dirty="0" smtClean="0"/>
           </a:p>
@@ -9011,7 +6713,7 @@
       </p:sp>
       <p:pic>
         <p:nvPicPr>
-          <p:cNvPr id="6" name="그림 5"/>
+          <p:cNvPr id="2" name="그림 1"/>
           <p:cNvPicPr>
             <a:picLocks noChangeAspect="1"/>
           </p:cNvPicPr>
@@ -9025,8 +6727,8 @@
         </p:blipFill>
         <p:spPr>
           <a:xfrm>
-            <a:off x="299403" y="1155500"/>
-            <a:ext cx="8610918" cy="5072579"/>
+            <a:off x="491517" y="855237"/>
+            <a:ext cx="4143375" cy="5657850"/>
           </a:xfrm>
           <a:prstGeom prst="rect">
             <a:avLst/>
@@ -9035,22 +6737,924 @@
       </p:pic>
       <p:sp>
         <p:nvSpPr>
-          <p:cNvPr id="9" name="직사각형 8"/>
+          <p:cNvPr id="12" name="부제목 2"/>
+          <p:cNvSpPr txBox="1">
+            <a:spLocks/>
+          </p:cNvSpPr>
+          <p:nvPr/>
+        </p:nvSpPr>
+        <p:spPr>
+          <a:xfrm>
+            <a:off x="5144540" y="855237"/>
+            <a:ext cx="4259179" cy="793038"/>
+          </a:xfrm>
+          <a:prstGeom prst="rect">
+            <a:avLst/>
+          </a:prstGeom>
+        </p:spPr>
+        <p:txBody>
+          <a:bodyPr vert="horz" wrap="none" lIns="0" tIns="0" rIns="0" bIns="0" rtlCol="0">
+            <a:spAutoFit/>
+          </a:bodyPr>
+          <a:lstStyle>
+            <a:lvl1pPr marL="0" indent="0" algn="ctr" defTabSz="914400" rtl="0" eaLnBrk="1" latinLnBrk="1" hangingPunct="1">
+              <a:lnSpc>
+                <a:spcPct val="90000"/>
+              </a:lnSpc>
+              <a:spcBef>
+                <a:spcPts val="1000"/>
+              </a:spcBef>
+              <a:buFont typeface="Arial" panose="020B0604020202020204" pitchFamily="34" charset="0"/>
+              <a:buNone/>
+              <a:defRPr sz="2400" kern="1200">
+                <a:solidFill>
+                  <a:schemeClr val="tx1"/>
+                </a:solidFill>
+                <a:latin typeface="+mn-lt"/>
+                <a:ea typeface="+mn-ea"/>
+                <a:cs typeface="+mn-cs"/>
+              </a:defRPr>
+            </a:lvl1pPr>
+            <a:lvl2pPr marL="457200" indent="0" algn="ctr" defTabSz="914400" rtl="0" eaLnBrk="1" latinLnBrk="1" hangingPunct="1">
+              <a:lnSpc>
+                <a:spcPct val="90000"/>
+              </a:lnSpc>
+              <a:spcBef>
+                <a:spcPts val="500"/>
+              </a:spcBef>
+              <a:buFont typeface="Arial" panose="020B0604020202020204" pitchFamily="34" charset="0"/>
+              <a:buNone/>
+              <a:defRPr sz="2000" kern="1200">
+                <a:solidFill>
+                  <a:schemeClr val="tx1"/>
+                </a:solidFill>
+                <a:latin typeface="+mn-lt"/>
+                <a:ea typeface="+mn-ea"/>
+                <a:cs typeface="+mn-cs"/>
+              </a:defRPr>
+            </a:lvl2pPr>
+            <a:lvl3pPr marL="914400" indent="0" algn="ctr" defTabSz="914400" rtl="0" eaLnBrk="1" latinLnBrk="1" hangingPunct="1">
+              <a:lnSpc>
+                <a:spcPct val="90000"/>
+              </a:lnSpc>
+              <a:spcBef>
+                <a:spcPts val="500"/>
+              </a:spcBef>
+              <a:buFont typeface="Arial" panose="020B0604020202020204" pitchFamily="34" charset="0"/>
+              <a:buNone/>
+              <a:defRPr sz="1800" kern="1200">
+                <a:solidFill>
+                  <a:schemeClr val="tx1"/>
+                </a:solidFill>
+                <a:latin typeface="+mn-lt"/>
+                <a:ea typeface="+mn-ea"/>
+                <a:cs typeface="+mn-cs"/>
+              </a:defRPr>
+            </a:lvl3pPr>
+            <a:lvl4pPr marL="1371600" indent="0" algn="ctr" defTabSz="914400" rtl="0" eaLnBrk="1" latinLnBrk="1" hangingPunct="1">
+              <a:lnSpc>
+                <a:spcPct val="90000"/>
+              </a:lnSpc>
+              <a:spcBef>
+                <a:spcPts val="500"/>
+              </a:spcBef>
+              <a:buFont typeface="Arial" panose="020B0604020202020204" pitchFamily="34" charset="0"/>
+              <a:buNone/>
+              <a:defRPr sz="1600" kern="1200">
+                <a:solidFill>
+                  <a:schemeClr val="tx1"/>
+                </a:solidFill>
+                <a:latin typeface="+mn-lt"/>
+                <a:ea typeface="+mn-ea"/>
+                <a:cs typeface="+mn-cs"/>
+              </a:defRPr>
+            </a:lvl4pPr>
+            <a:lvl5pPr marL="1828800" indent="0" algn="ctr" defTabSz="914400" rtl="0" eaLnBrk="1" latinLnBrk="1" hangingPunct="1">
+              <a:lnSpc>
+                <a:spcPct val="90000"/>
+              </a:lnSpc>
+              <a:spcBef>
+                <a:spcPts val="500"/>
+              </a:spcBef>
+              <a:buFont typeface="Arial" panose="020B0604020202020204" pitchFamily="34" charset="0"/>
+              <a:buNone/>
+              <a:defRPr sz="1600" kern="1200">
+                <a:solidFill>
+                  <a:schemeClr val="tx1"/>
+                </a:solidFill>
+                <a:latin typeface="+mn-lt"/>
+                <a:ea typeface="+mn-ea"/>
+                <a:cs typeface="+mn-cs"/>
+              </a:defRPr>
+            </a:lvl5pPr>
+            <a:lvl6pPr marL="2286000" indent="0" algn="ctr" defTabSz="914400" rtl="0" eaLnBrk="1" latinLnBrk="1" hangingPunct="1">
+              <a:lnSpc>
+                <a:spcPct val="90000"/>
+              </a:lnSpc>
+              <a:spcBef>
+                <a:spcPts val="500"/>
+              </a:spcBef>
+              <a:buFont typeface="Arial" panose="020B0604020202020204" pitchFamily="34" charset="0"/>
+              <a:buNone/>
+              <a:defRPr sz="1600" kern="1200">
+                <a:solidFill>
+                  <a:schemeClr val="tx1"/>
+                </a:solidFill>
+                <a:latin typeface="+mn-lt"/>
+                <a:ea typeface="+mn-ea"/>
+                <a:cs typeface="+mn-cs"/>
+              </a:defRPr>
+            </a:lvl6pPr>
+            <a:lvl7pPr marL="2743200" indent="0" algn="ctr" defTabSz="914400" rtl="0" eaLnBrk="1" latinLnBrk="1" hangingPunct="1">
+              <a:lnSpc>
+                <a:spcPct val="90000"/>
+              </a:lnSpc>
+              <a:spcBef>
+                <a:spcPts val="500"/>
+              </a:spcBef>
+              <a:buFont typeface="Arial" panose="020B0604020202020204" pitchFamily="34" charset="0"/>
+              <a:buNone/>
+              <a:defRPr sz="1600" kern="1200">
+                <a:solidFill>
+                  <a:schemeClr val="tx1"/>
+                </a:solidFill>
+                <a:latin typeface="+mn-lt"/>
+                <a:ea typeface="+mn-ea"/>
+                <a:cs typeface="+mn-cs"/>
+              </a:defRPr>
+            </a:lvl7pPr>
+            <a:lvl8pPr marL="3200400" indent="0" algn="ctr" defTabSz="914400" rtl="0" eaLnBrk="1" latinLnBrk="1" hangingPunct="1">
+              <a:lnSpc>
+                <a:spcPct val="90000"/>
+              </a:lnSpc>
+              <a:spcBef>
+                <a:spcPts val="500"/>
+              </a:spcBef>
+              <a:buFont typeface="Arial" panose="020B0604020202020204" pitchFamily="34" charset="0"/>
+              <a:buNone/>
+              <a:defRPr sz="1600" kern="1200">
+                <a:solidFill>
+                  <a:schemeClr val="tx1"/>
+                </a:solidFill>
+                <a:latin typeface="+mn-lt"/>
+                <a:ea typeface="+mn-ea"/>
+                <a:cs typeface="+mn-cs"/>
+              </a:defRPr>
+            </a:lvl8pPr>
+            <a:lvl9pPr marL="3657600" indent="0" algn="ctr" defTabSz="914400" rtl="0" eaLnBrk="1" latinLnBrk="1" hangingPunct="1">
+              <a:lnSpc>
+                <a:spcPct val="90000"/>
+              </a:lnSpc>
+              <a:spcBef>
+                <a:spcPts val="500"/>
+              </a:spcBef>
+              <a:buFont typeface="Arial" panose="020B0604020202020204" pitchFamily="34" charset="0"/>
+              <a:buNone/>
+              <a:defRPr sz="1600" kern="1200">
+                <a:solidFill>
+                  <a:schemeClr val="tx1"/>
+                </a:solidFill>
+                <a:latin typeface="+mn-lt"/>
+                <a:ea typeface="+mn-ea"/>
+                <a:cs typeface="+mn-cs"/>
+              </a:defRPr>
+            </a:lvl9pPr>
+          </a:lstStyle>
+          <a:p>
+            <a:pPr algn="l"/>
+            <a:r>
+              <a:rPr lang="ko-KR" altLang="en-US" dirty="0" smtClean="0"/>
+              <a:t>빨간색은 </a:t>
+            </a:r>
+            <a:r>
+              <a:rPr lang="en-US" altLang="ko-KR" dirty="0" smtClean="0"/>
+              <a:t>h1</a:t>
+            </a:r>
+            <a:r>
+              <a:rPr lang="ko-KR" altLang="en-US" dirty="0" smtClean="0"/>
+              <a:t>이라는 </a:t>
+            </a:r>
+            <a:r>
+              <a:rPr lang="ko-KR" altLang="en-US" dirty="0" err="1" smtClean="0"/>
+              <a:t>태그에다가</a:t>
+            </a:r>
+            <a:endParaRPr lang="en-US" altLang="ko-KR" dirty="0"/>
+          </a:p>
+          <a:p>
+            <a:pPr algn="l"/>
+            <a:r>
+              <a:rPr lang="ko-KR" altLang="en-US" dirty="0" smtClean="0"/>
+              <a:t>여러 속성을 준 것</a:t>
+            </a:r>
+            <a:r>
+              <a:rPr lang="en-US" altLang="ko-KR" dirty="0" smtClean="0"/>
+              <a:t>!</a:t>
+            </a:r>
+            <a:endParaRPr lang="en-US" altLang="ko-KR" dirty="0" smtClean="0"/>
+          </a:p>
+        </p:txBody>
+      </p:sp>
+      <p:sp>
+        <p:nvSpPr>
+          <p:cNvPr id="13" name="부제목 2"/>
+          <p:cNvSpPr txBox="1">
+            <a:spLocks/>
+          </p:cNvSpPr>
+          <p:nvPr/>
+        </p:nvSpPr>
+        <p:spPr>
+          <a:xfrm>
+            <a:off x="5144540" y="2149253"/>
+            <a:ext cx="5777223" cy="2174954"/>
+          </a:xfrm>
+          <a:prstGeom prst="rect">
+            <a:avLst/>
+          </a:prstGeom>
+        </p:spPr>
+        <p:txBody>
+          <a:bodyPr vert="horz" wrap="none" lIns="0" tIns="0" rIns="0" bIns="0" rtlCol="0">
+            <a:spAutoFit/>
+          </a:bodyPr>
+          <a:lstStyle>
+            <a:lvl1pPr marL="0" indent="0" algn="ctr" defTabSz="914400" rtl="0" eaLnBrk="1" latinLnBrk="1" hangingPunct="1">
+              <a:lnSpc>
+                <a:spcPct val="90000"/>
+              </a:lnSpc>
+              <a:spcBef>
+                <a:spcPts val="1000"/>
+              </a:spcBef>
+              <a:buFont typeface="Arial" panose="020B0604020202020204" pitchFamily="34" charset="0"/>
+              <a:buNone/>
+              <a:defRPr sz="2400" kern="1200">
+                <a:solidFill>
+                  <a:schemeClr val="tx1"/>
+                </a:solidFill>
+                <a:latin typeface="+mn-lt"/>
+                <a:ea typeface="+mn-ea"/>
+                <a:cs typeface="+mn-cs"/>
+              </a:defRPr>
+            </a:lvl1pPr>
+            <a:lvl2pPr marL="457200" indent="0" algn="ctr" defTabSz="914400" rtl="0" eaLnBrk="1" latinLnBrk="1" hangingPunct="1">
+              <a:lnSpc>
+                <a:spcPct val="90000"/>
+              </a:lnSpc>
+              <a:spcBef>
+                <a:spcPts val="500"/>
+              </a:spcBef>
+              <a:buFont typeface="Arial" panose="020B0604020202020204" pitchFamily="34" charset="0"/>
+              <a:buNone/>
+              <a:defRPr sz="2000" kern="1200">
+                <a:solidFill>
+                  <a:schemeClr val="tx1"/>
+                </a:solidFill>
+                <a:latin typeface="+mn-lt"/>
+                <a:ea typeface="+mn-ea"/>
+                <a:cs typeface="+mn-cs"/>
+              </a:defRPr>
+            </a:lvl2pPr>
+            <a:lvl3pPr marL="914400" indent="0" algn="ctr" defTabSz="914400" rtl="0" eaLnBrk="1" latinLnBrk="1" hangingPunct="1">
+              <a:lnSpc>
+                <a:spcPct val="90000"/>
+              </a:lnSpc>
+              <a:spcBef>
+                <a:spcPts val="500"/>
+              </a:spcBef>
+              <a:buFont typeface="Arial" panose="020B0604020202020204" pitchFamily="34" charset="0"/>
+              <a:buNone/>
+              <a:defRPr sz="1800" kern="1200">
+                <a:solidFill>
+                  <a:schemeClr val="tx1"/>
+                </a:solidFill>
+                <a:latin typeface="+mn-lt"/>
+                <a:ea typeface="+mn-ea"/>
+                <a:cs typeface="+mn-cs"/>
+              </a:defRPr>
+            </a:lvl3pPr>
+            <a:lvl4pPr marL="1371600" indent="0" algn="ctr" defTabSz="914400" rtl="0" eaLnBrk="1" latinLnBrk="1" hangingPunct="1">
+              <a:lnSpc>
+                <a:spcPct val="90000"/>
+              </a:lnSpc>
+              <a:spcBef>
+                <a:spcPts val="500"/>
+              </a:spcBef>
+              <a:buFont typeface="Arial" panose="020B0604020202020204" pitchFamily="34" charset="0"/>
+              <a:buNone/>
+              <a:defRPr sz="1600" kern="1200">
+                <a:solidFill>
+                  <a:schemeClr val="tx1"/>
+                </a:solidFill>
+                <a:latin typeface="+mn-lt"/>
+                <a:ea typeface="+mn-ea"/>
+                <a:cs typeface="+mn-cs"/>
+              </a:defRPr>
+            </a:lvl4pPr>
+            <a:lvl5pPr marL="1828800" indent="0" algn="ctr" defTabSz="914400" rtl="0" eaLnBrk="1" latinLnBrk="1" hangingPunct="1">
+              <a:lnSpc>
+                <a:spcPct val="90000"/>
+              </a:lnSpc>
+              <a:spcBef>
+                <a:spcPts val="500"/>
+              </a:spcBef>
+              <a:buFont typeface="Arial" panose="020B0604020202020204" pitchFamily="34" charset="0"/>
+              <a:buNone/>
+              <a:defRPr sz="1600" kern="1200">
+                <a:solidFill>
+                  <a:schemeClr val="tx1"/>
+                </a:solidFill>
+                <a:latin typeface="+mn-lt"/>
+                <a:ea typeface="+mn-ea"/>
+                <a:cs typeface="+mn-cs"/>
+              </a:defRPr>
+            </a:lvl5pPr>
+            <a:lvl6pPr marL="2286000" indent="0" algn="ctr" defTabSz="914400" rtl="0" eaLnBrk="1" latinLnBrk="1" hangingPunct="1">
+              <a:lnSpc>
+                <a:spcPct val="90000"/>
+              </a:lnSpc>
+              <a:spcBef>
+                <a:spcPts val="500"/>
+              </a:spcBef>
+              <a:buFont typeface="Arial" panose="020B0604020202020204" pitchFamily="34" charset="0"/>
+              <a:buNone/>
+              <a:defRPr sz="1600" kern="1200">
+                <a:solidFill>
+                  <a:schemeClr val="tx1"/>
+                </a:solidFill>
+                <a:latin typeface="+mn-lt"/>
+                <a:ea typeface="+mn-ea"/>
+                <a:cs typeface="+mn-cs"/>
+              </a:defRPr>
+            </a:lvl6pPr>
+            <a:lvl7pPr marL="2743200" indent="0" algn="ctr" defTabSz="914400" rtl="0" eaLnBrk="1" latinLnBrk="1" hangingPunct="1">
+              <a:lnSpc>
+                <a:spcPct val="90000"/>
+              </a:lnSpc>
+              <a:spcBef>
+                <a:spcPts val="500"/>
+              </a:spcBef>
+              <a:buFont typeface="Arial" panose="020B0604020202020204" pitchFamily="34" charset="0"/>
+              <a:buNone/>
+              <a:defRPr sz="1600" kern="1200">
+                <a:solidFill>
+                  <a:schemeClr val="tx1"/>
+                </a:solidFill>
+                <a:latin typeface="+mn-lt"/>
+                <a:ea typeface="+mn-ea"/>
+                <a:cs typeface="+mn-cs"/>
+              </a:defRPr>
+            </a:lvl7pPr>
+            <a:lvl8pPr marL="3200400" indent="0" algn="ctr" defTabSz="914400" rtl="0" eaLnBrk="1" latinLnBrk="1" hangingPunct="1">
+              <a:lnSpc>
+                <a:spcPct val="90000"/>
+              </a:lnSpc>
+              <a:spcBef>
+                <a:spcPts val="500"/>
+              </a:spcBef>
+              <a:buFont typeface="Arial" panose="020B0604020202020204" pitchFamily="34" charset="0"/>
+              <a:buNone/>
+              <a:defRPr sz="1600" kern="1200">
+                <a:solidFill>
+                  <a:schemeClr val="tx1"/>
+                </a:solidFill>
+                <a:latin typeface="+mn-lt"/>
+                <a:ea typeface="+mn-ea"/>
+                <a:cs typeface="+mn-cs"/>
+              </a:defRPr>
+            </a:lvl8pPr>
+            <a:lvl9pPr marL="3657600" indent="0" algn="ctr" defTabSz="914400" rtl="0" eaLnBrk="1" latinLnBrk="1" hangingPunct="1">
+              <a:lnSpc>
+                <a:spcPct val="90000"/>
+              </a:lnSpc>
+              <a:spcBef>
+                <a:spcPts val="500"/>
+              </a:spcBef>
+              <a:buFont typeface="Arial" panose="020B0604020202020204" pitchFamily="34" charset="0"/>
+              <a:buNone/>
+              <a:defRPr sz="1600" kern="1200">
+                <a:solidFill>
+                  <a:schemeClr val="tx1"/>
+                </a:solidFill>
+                <a:latin typeface="+mn-lt"/>
+                <a:ea typeface="+mn-ea"/>
+                <a:cs typeface="+mn-cs"/>
+              </a:defRPr>
+            </a:lvl9pPr>
+          </a:lstStyle>
+          <a:p>
+            <a:pPr algn="l"/>
+            <a:r>
+              <a:rPr lang="en-US" altLang="ko-KR" dirty="0" smtClean="0"/>
+              <a:t>.</a:t>
+            </a:r>
+            <a:r>
+              <a:rPr lang="en-US" altLang="ko-KR" dirty="0" err="1" smtClean="0"/>
+              <a:t>nav</a:t>
+            </a:r>
+            <a:endParaRPr lang="en-US" altLang="ko-KR" dirty="0" smtClean="0"/>
+          </a:p>
+          <a:p>
+            <a:pPr algn="l"/>
+            <a:r>
+              <a:rPr lang="en-US" altLang="ko-KR" dirty="0" smtClean="0"/>
+              <a:t>.</a:t>
+            </a:r>
+            <a:r>
+              <a:rPr lang="en-US" altLang="ko-KR" dirty="0" err="1" smtClean="0"/>
+              <a:t>nav</a:t>
+            </a:r>
+            <a:r>
+              <a:rPr lang="en-US" altLang="ko-KR" dirty="0" smtClean="0"/>
+              <a:t>-right-</a:t>
+            </a:r>
+            <a:r>
+              <a:rPr lang="en-US" altLang="ko-KR" dirty="0" err="1" smtClean="0"/>
+              <a:t>itmes</a:t>
+            </a:r>
+            <a:endParaRPr lang="en-US" altLang="ko-KR" dirty="0" smtClean="0"/>
+          </a:p>
+          <a:p>
+            <a:pPr algn="l"/>
+            <a:r>
+              <a:rPr lang="ko-KR" altLang="en-US" dirty="0" smtClean="0"/>
+              <a:t>얘네들은 </a:t>
+            </a:r>
+            <a:r>
+              <a:rPr lang="ko-KR" altLang="en-US" dirty="0" smtClean="0"/>
+              <a:t>해당 이름의 </a:t>
+            </a:r>
+            <a:r>
+              <a:rPr lang="ko-KR" altLang="en-US" dirty="0" err="1" smtClean="0"/>
+              <a:t>클라스를</a:t>
+            </a:r>
+            <a:r>
+              <a:rPr lang="ko-KR" altLang="en-US" dirty="0" smtClean="0"/>
+              <a:t> 가진 곳에</a:t>
+            </a:r>
+            <a:endParaRPr lang="en-US" altLang="ko-KR" dirty="0" smtClean="0"/>
+          </a:p>
+          <a:p>
+            <a:pPr algn="l"/>
+            <a:r>
+              <a:rPr lang="ko-KR" altLang="en-US" dirty="0" smtClean="0"/>
+              <a:t>디자인 속성을 준 것</a:t>
+            </a:r>
+            <a:r>
+              <a:rPr lang="en-US" altLang="ko-KR" dirty="0" smtClean="0"/>
+              <a:t>!</a:t>
+            </a:r>
+          </a:p>
+          <a:p>
+            <a:pPr algn="l"/>
+            <a:r>
+              <a:rPr lang="en-US" altLang="ko-KR" dirty="0" smtClean="0"/>
+              <a:t>.</a:t>
+            </a:r>
+            <a:r>
+              <a:rPr lang="ko-KR" altLang="en-US" dirty="0" smtClean="0"/>
+              <a:t>을 </a:t>
+            </a:r>
+            <a:r>
+              <a:rPr lang="ko-KR" altLang="en-US" dirty="0" err="1" smtClean="0"/>
+              <a:t>붙인거는</a:t>
+            </a:r>
+            <a:r>
+              <a:rPr lang="ko-KR" altLang="en-US" dirty="0" smtClean="0"/>
+              <a:t> </a:t>
+            </a:r>
+            <a:r>
+              <a:rPr lang="en-US" altLang="ko-KR" dirty="0" smtClean="0"/>
+              <a:t>class</a:t>
+            </a:r>
+            <a:endParaRPr lang="en-US" altLang="ko-KR" dirty="0" smtClean="0"/>
+          </a:p>
+        </p:txBody>
+      </p:sp>
+      <p:sp>
+        <p:nvSpPr>
+          <p:cNvPr id="14" name="부제목 2"/>
+          <p:cNvSpPr txBox="1">
+            <a:spLocks/>
+          </p:cNvSpPr>
+          <p:nvPr/>
+        </p:nvSpPr>
+        <p:spPr>
+          <a:xfrm>
+            <a:off x="5144540" y="5090484"/>
+            <a:ext cx="1588576" cy="332399"/>
+          </a:xfrm>
+          <a:prstGeom prst="rect">
+            <a:avLst/>
+          </a:prstGeom>
+        </p:spPr>
+        <p:txBody>
+          <a:bodyPr vert="horz" wrap="none" lIns="0" tIns="0" rIns="0" bIns="0" rtlCol="0">
+            <a:spAutoFit/>
+          </a:bodyPr>
+          <a:lstStyle>
+            <a:lvl1pPr marL="0" indent="0" algn="ctr" defTabSz="914400" rtl="0" eaLnBrk="1" latinLnBrk="1" hangingPunct="1">
+              <a:lnSpc>
+                <a:spcPct val="90000"/>
+              </a:lnSpc>
+              <a:spcBef>
+                <a:spcPts val="1000"/>
+              </a:spcBef>
+              <a:buFont typeface="Arial" panose="020B0604020202020204" pitchFamily="34" charset="0"/>
+              <a:buNone/>
+              <a:defRPr sz="2400" kern="1200">
+                <a:solidFill>
+                  <a:schemeClr val="tx1"/>
+                </a:solidFill>
+                <a:latin typeface="+mn-lt"/>
+                <a:ea typeface="+mn-ea"/>
+                <a:cs typeface="+mn-cs"/>
+              </a:defRPr>
+            </a:lvl1pPr>
+            <a:lvl2pPr marL="457200" indent="0" algn="ctr" defTabSz="914400" rtl="0" eaLnBrk="1" latinLnBrk="1" hangingPunct="1">
+              <a:lnSpc>
+                <a:spcPct val="90000"/>
+              </a:lnSpc>
+              <a:spcBef>
+                <a:spcPts val="500"/>
+              </a:spcBef>
+              <a:buFont typeface="Arial" panose="020B0604020202020204" pitchFamily="34" charset="0"/>
+              <a:buNone/>
+              <a:defRPr sz="2000" kern="1200">
+                <a:solidFill>
+                  <a:schemeClr val="tx1"/>
+                </a:solidFill>
+                <a:latin typeface="+mn-lt"/>
+                <a:ea typeface="+mn-ea"/>
+                <a:cs typeface="+mn-cs"/>
+              </a:defRPr>
+            </a:lvl2pPr>
+            <a:lvl3pPr marL="914400" indent="0" algn="ctr" defTabSz="914400" rtl="0" eaLnBrk="1" latinLnBrk="1" hangingPunct="1">
+              <a:lnSpc>
+                <a:spcPct val="90000"/>
+              </a:lnSpc>
+              <a:spcBef>
+                <a:spcPts val="500"/>
+              </a:spcBef>
+              <a:buFont typeface="Arial" panose="020B0604020202020204" pitchFamily="34" charset="0"/>
+              <a:buNone/>
+              <a:defRPr sz="1800" kern="1200">
+                <a:solidFill>
+                  <a:schemeClr val="tx1"/>
+                </a:solidFill>
+                <a:latin typeface="+mn-lt"/>
+                <a:ea typeface="+mn-ea"/>
+                <a:cs typeface="+mn-cs"/>
+              </a:defRPr>
+            </a:lvl3pPr>
+            <a:lvl4pPr marL="1371600" indent="0" algn="ctr" defTabSz="914400" rtl="0" eaLnBrk="1" latinLnBrk="1" hangingPunct="1">
+              <a:lnSpc>
+                <a:spcPct val="90000"/>
+              </a:lnSpc>
+              <a:spcBef>
+                <a:spcPts val="500"/>
+              </a:spcBef>
+              <a:buFont typeface="Arial" panose="020B0604020202020204" pitchFamily="34" charset="0"/>
+              <a:buNone/>
+              <a:defRPr sz="1600" kern="1200">
+                <a:solidFill>
+                  <a:schemeClr val="tx1"/>
+                </a:solidFill>
+                <a:latin typeface="+mn-lt"/>
+                <a:ea typeface="+mn-ea"/>
+                <a:cs typeface="+mn-cs"/>
+              </a:defRPr>
+            </a:lvl4pPr>
+            <a:lvl5pPr marL="1828800" indent="0" algn="ctr" defTabSz="914400" rtl="0" eaLnBrk="1" latinLnBrk="1" hangingPunct="1">
+              <a:lnSpc>
+                <a:spcPct val="90000"/>
+              </a:lnSpc>
+              <a:spcBef>
+                <a:spcPts val="500"/>
+              </a:spcBef>
+              <a:buFont typeface="Arial" panose="020B0604020202020204" pitchFamily="34" charset="0"/>
+              <a:buNone/>
+              <a:defRPr sz="1600" kern="1200">
+                <a:solidFill>
+                  <a:schemeClr val="tx1"/>
+                </a:solidFill>
+                <a:latin typeface="+mn-lt"/>
+                <a:ea typeface="+mn-ea"/>
+                <a:cs typeface="+mn-cs"/>
+              </a:defRPr>
+            </a:lvl5pPr>
+            <a:lvl6pPr marL="2286000" indent="0" algn="ctr" defTabSz="914400" rtl="0" eaLnBrk="1" latinLnBrk="1" hangingPunct="1">
+              <a:lnSpc>
+                <a:spcPct val="90000"/>
+              </a:lnSpc>
+              <a:spcBef>
+                <a:spcPts val="500"/>
+              </a:spcBef>
+              <a:buFont typeface="Arial" panose="020B0604020202020204" pitchFamily="34" charset="0"/>
+              <a:buNone/>
+              <a:defRPr sz="1600" kern="1200">
+                <a:solidFill>
+                  <a:schemeClr val="tx1"/>
+                </a:solidFill>
+                <a:latin typeface="+mn-lt"/>
+                <a:ea typeface="+mn-ea"/>
+                <a:cs typeface="+mn-cs"/>
+              </a:defRPr>
+            </a:lvl6pPr>
+            <a:lvl7pPr marL="2743200" indent="0" algn="ctr" defTabSz="914400" rtl="0" eaLnBrk="1" latinLnBrk="1" hangingPunct="1">
+              <a:lnSpc>
+                <a:spcPct val="90000"/>
+              </a:lnSpc>
+              <a:spcBef>
+                <a:spcPts val="500"/>
+              </a:spcBef>
+              <a:buFont typeface="Arial" panose="020B0604020202020204" pitchFamily="34" charset="0"/>
+              <a:buNone/>
+              <a:defRPr sz="1600" kern="1200">
+                <a:solidFill>
+                  <a:schemeClr val="tx1"/>
+                </a:solidFill>
+                <a:latin typeface="+mn-lt"/>
+                <a:ea typeface="+mn-ea"/>
+                <a:cs typeface="+mn-cs"/>
+              </a:defRPr>
+            </a:lvl7pPr>
+            <a:lvl8pPr marL="3200400" indent="0" algn="ctr" defTabSz="914400" rtl="0" eaLnBrk="1" latinLnBrk="1" hangingPunct="1">
+              <a:lnSpc>
+                <a:spcPct val="90000"/>
+              </a:lnSpc>
+              <a:spcBef>
+                <a:spcPts val="500"/>
+              </a:spcBef>
+              <a:buFont typeface="Arial" panose="020B0604020202020204" pitchFamily="34" charset="0"/>
+              <a:buNone/>
+              <a:defRPr sz="1600" kern="1200">
+                <a:solidFill>
+                  <a:schemeClr val="tx1"/>
+                </a:solidFill>
+                <a:latin typeface="+mn-lt"/>
+                <a:ea typeface="+mn-ea"/>
+                <a:cs typeface="+mn-cs"/>
+              </a:defRPr>
+            </a:lvl8pPr>
+            <a:lvl9pPr marL="3657600" indent="0" algn="ctr" defTabSz="914400" rtl="0" eaLnBrk="1" latinLnBrk="1" hangingPunct="1">
+              <a:lnSpc>
+                <a:spcPct val="90000"/>
+              </a:lnSpc>
+              <a:spcBef>
+                <a:spcPts val="500"/>
+              </a:spcBef>
+              <a:buFont typeface="Arial" panose="020B0604020202020204" pitchFamily="34" charset="0"/>
+              <a:buNone/>
+              <a:defRPr sz="1600" kern="1200">
+                <a:solidFill>
+                  <a:schemeClr val="tx1"/>
+                </a:solidFill>
+                <a:latin typeface="+mn-lt"/>
+                <a:ea typeface="+mn-ea"/>
+                <a:cs typeface="+mn-cs"/>
+              </a:defRPr>
+            </a:lvl9pPr>
+          </a:lstStyle>
+          <a:p>
+            <a:pPr algn="l"/>
+            <a:r>
+              <a:rPr lang="en-US" altLang="ko-KR" dirty="0" smtClean="0"/>
+              <a:t>#</a:t>
+            </a:r>
+            <a:r>
+              <a:rPr lang="ko-KR" altLang="en-US" dirty="0" smtClean="0"/>
+              <a:t>은 </a:t>
+            </a:r>
+            <a:r>
+              <a:rPr lang="en-US" altLang="ko-KR" dirty="0" smtClean="0"/>
+              <a:t>id</a:t>
+            </a:r>
+            <a:r>
+              <a:rPr lang="ko-KR" altLang="en-US" dirty="0" smtClean="0"/>
+              <a:t>의 값</a:t>
+            </a:r>
+            <a:endParaRPr lang="en-US" altLang="ko-KR" dirty="0" smtClean="0"/>
+          </a:p>
+        </p:txBody>
+      </p:sp>
+      <p:sp>
+        <p:nvSpPr>
+          <p:cNvPr id="16" name="부제목 2"/>
+          <p:cNvSpPr txBox="1">
+            <a:spLocks/>
+          </p:cNvSpPr>
+          <p:nvPr/>
+        </p:nvSpPr>
+        <p:spPr>
+          <a:xfrm>
+            <a:off x="5144540" y="5923861"/>
+            <a:ext cx="5309146" cy="332399"/>
+          </a:xfrm>
+          <a:prstGeom prst="rect">
+            <a:avLst/>
+          </a:prstGeom>
+        </p:spPr>
+        <p:txBody>
+          <a:bodyPr vert="horz" wrap="none" lIns="0" tIns="0" rIns="0" bIns="0" rtlCol="0">
+            <a:spAutoFit/>
+          </a:bodyPr>
+          <a:lstStyle>
+            <a:lvl1pPr marL="0" indent="0" algn="ctr" defTabSz="914400" rtl="0" eaLnBrk="1" latinLnBrk="1" hangingPunct="1">
+              <a:lnSpc>
+                <a:spcPct val="90000"/>
+              </a:lnSpc>
+              <a:spcBef>
+                <a:spcPts val="1000"/>
+              </a:spcBef>
+              <a:buFont typeface="Arial" panose="020B0604020202020204" pitchFamily="34" charset="0"/>
+              <a:buNone/>
+              <a:defRPr sz="2400" kern="1200">
+                <a:solidFill>
+                  <a:schemeClr val="tx1"/>
+                </a:solidFill>
+                <a:latin typeface="+mn-lt"/>
+                <a:ea typeface="+mn-ea"/>
+                <a:cs typeface="+mn-cs"/>
+              </a:defRPr>
+            </a:lvl1pPr>
+            <a:lvl2pPr marL="457200" indent="0" algn="ctr" defTabSz="914400" rtl="0" eaLnBrk="1" latinLnBrk="1" hangingPunct="1">
+              <a:lnSpc>
+                <a:spcPct val="90000"/>
+              </a:lnSpc>
+              <a:spcBef>
+                <a:spcPts val="500"/>
+              </a:spcBef>
+              <a:buFont typeface="Arial" panose="020B0604020202020204" pitchFamily="34" charset="0"/>
+              <a:buNone/>
+              <a:defRPr sz="2000" kern="1200">
+                <a:solidFill>
+                  <a:schemeClr val="tx1"/>
+                </a:solidFill>
+                <a:latin typeface="+mn-lt"/>
+                <a:ea typeface="+mn-ea"/>
+                <a:cs typeface="+mn-cs"/>
+              </a:defRPr>
+            </a:lvl2pPr>
+            <a:lvl3pPr marL="914400" indent="0" algn="ctr" defTabSz="914400" rtl="0" eaLnBrk="1" latinLnBrk="1" hangingPunct="1">
+              <a:lnSpc>
+                <a:spcPct val="90000"/>
+              </a:lnSpc>
+              <a:spcBef>
+                <a:spcPts val="500"/>
+              </a:spcBef>
+              <a:buFont typeface="Arial" panose="020B0604020202020204" pitchFamily="34" charset="0"/>
+              <a:buNone/>
+              <a:defRPr sz="1800" kern="1200">
+                <a:solidFill>
+                  <a:schemeClr val="tx1"/>
+                </a:solidFill>
+                <a:latin typeface="+mn-lt"/>
+                <a:ea typeface="+mn-ea"/>
+                <a:cs typeface="+mn-cs"/>
+              </a:defRPr>
+            </a:lvl3pPr>
+            <a:lvl4pPr marL="1371600" indent="0" algn="ctr" defTabSz="914400" rtl="0" eaLnBrk="1" latinLnBrk="1" hangingPunct="1">
+              <a:lnSpc>
+                <a:spcPct val="90000"/>
+              </a:lnSpc>
+              <a:spcBef>
+                <a:spcPts val="500"/>
+              </a:spcBef>
+              <a:buFont typeface="Arial" panose="020B0604020202020204" pitchFamily="34" charset="0"/>
+              <a:buNone/>
+              <a:defRPr sz="1600" kern="1200">
+                <a:solidFill>
+                  <a:schemeClr val="tx1"/>
+                </a:solidFill>
+                <a:latin typeface="+mn-lt"/>
+                <a:ea typeface="+mn-ea"/>
+                <a:cs typeface="+mn-cs"/>
+              </a:defRPr>
+            </a:lvl4pPr>
+            <a:lvl5pPr marL="1828800" indent="0" algn="ctr" defTabSz="914400" rtl="0" eaLnBrk="1" latinLnBrk="1" hangingPunct="1">
+              <a:lnSpc>
+                <a:spcPct val="90000"/>
+              </a:lnSpc>
+              <a:spcBef>
+                <a:spcPts val="500"/>
+              </a:spcBef>
+              <a:buFont typeface="Arial" panose="020B0604020202020204" pitchFamily="34" charset="0"/>
+              <a:buNone/>
+              <a:defRPr sz="1600" kern="1200">
+                <a:solidFill>
+                  <a:schemeClr val="tx1"/>
+                </a:solidFill>
+                <a:latin typeface="+mn-lt"/>
+                <a:ea typeface="+mn-ea"/>
+                <a:cs typeface="+mn-cs"/>
+              </a:defRPr>
+            </a:lvl5pPr>
+            <a:lvl6pPr marL="2286000" indent="0" algn="ctr" defTabSz="914400" rtl="0" eaLnBrk="1" latinLnBrk="1" hangingPunct="1">
+              <a:lnSpc>
+                <a:spcPct val="90000"/>
+              </a:lnSpc>
+              <a:spcBef>
+                <a:spcPts val="500"/>
+              </a:spcBef>
+              <a:buFont typeface="Arial" panose="020B0604020202020204" pitchFamily="34" charset="0"/>
+              <a:buNone/>
+              <a:defRPr sz="1600" kern="1200">
+                <a:solidFill>
+                  <a:schemeClr val="tx1"/>
+                </a:solidFill>
+                <a:latin typeface="+mn-lt"/>
+                <a:ea typeface="+mn-ea"/>
+                <a:cs typeface="+mn-cs"/>
+              </a:defRPr>
+            </a:lvl6pPr>
+            <a:lvl7pPr marL="2743200" indent="0" algn="ctr" defTabSz="914400" rtl="0" eaLnBrk="1" latinLnBrk="1" hangingPunct="1">
+              <a:lnSpc>
+                <a:spcPct val="90000"/>
+              </a:lnSpc>
+              <a:spcBef>
+                <a:spcPts val="500"/>
+              </a:spcBef>
+              <a:buFont typeface="Arial" panose="020B0604020202020204" pitchFamily="34" charset="0"/>
+              <a:buNone/>
+              <a:defRPr sz="1600" kern="1200">
+                <a:solidFill>
+                  <a:schemeClr val="tx1"/>
+                </a:solidFill>
+                <a:latin typeface="+mn-lt"/>
+                <a:ea typeface="+mn-ea"/>
+                <a:cs typeface="+mn-cs"/>
+              </a:defRPr>
+            </a:lvl7pPr>
+            <a:lvl8pPr marL="3200400" indent="0" algn="ctr" defTabSz="914400" rtl="0" eaLnBrk="1" latinLnBrk="1" hangingPunct="1">
+              <a:lnSpc>
+                <a:spcPct val="90000"/>
+              </a:lnSpc>
+              <a:spcBef>
+                <a:spcPts val="500"/>
+              </a:spcBef>
+              <a:buFont typeface="Arial" panose="020B0604020202020204" pitchFamily="34" charset="0"/>
+              <a:buNone/>
+              <a:defRPr sz="1600" kern="1200">
+                <a:solidFill>
+                  <a:schemeClr val="tx1"/>
+                </a:solidFill>
+                <a:latin typeface="+mn-lt"/>
+                <a:ea typeface="+mn-ea"/>
+                <a:cs typeface="+mn-cs"/>
+              </a:defRPr>
+            </a:lvl8pPr>
+            <a:lvl9pPr marL="3657600" indent="0" algn="ctr" defTabSz="914400" rtl="0" eaLnBrk="1" latinLnBrk="1" hangingPunct="1">
+              <a:lnSpc>
+                <a:spcPct val="90000"/>
+              </a:lnSpc>
+              <a:spcBef>
+                <a:spcPts val="500"/>
+              </a:spcBef>
+              <a:buFont typeface="Arial" panose="020B0604020202020204" pitchFamily="34" charset="0"/>
+              <a:buNone/>
+              <a:defRPr sz="1600" kern="1200">
+                <a:solidFill>
+                  <a:schemeClr val="tx1"/>
+                </a:solidFill>
+                <a:latin typeface="+mn-lt"/>
+                <a:ea typeface="+mn-ea"/>
+                <a:cs typeface="+mn-cs"/>
+              </a:defRPr>
+            </a:lvl9pPr>
+          </a:lstStyle>
+          <a:p>
+            <a:pPr algn="l"/>
+            <a:r>
+              <a:rPr lang="ko-KR" altLang="en-US" b="1" dirty="0" err="1" smtClean="0"/>
+              <a:t>명시도의</a:t>
+            </a:r>
+            <a:r>
+              <a:rPr lang="ko-KR" altLang="en-US" b="1" dirty="0" smtClean="0"/>
+              <a:t> 우선순위는 </a:t>
+            </a:r>
+            <a:r>
+              <a:rPr lang="en-US" altLang="ko-KR" b="1" dirty="0" smtClean="0"/>
+              <a:t>id &gt; class &gt; tag</a:t>
+            </a:r>
+          </a:p>
+        </p:txBody>
+      </p:sp>
+      <p:sp>
+        <p:nvSpPr>
+          <p:cNvPr id="3" name="타원 2"/>
           <p:cNvSpPr/>
           <p:nvPr/>
         </p:nvSpPr>
         <p:spPr>
           <a:xfrm>
-            <a:off x="299403" y="1940560"/>
-            <a:ext cx="8184197" cy="447798"/>
+            <a:off x="397198" y="677465"/>
+            <a:ext cx="681185" cy="751860"/>
           </a:xfrm>
-          <a:prstGeom prst="rect">
+          <a:prstGeom prst="ellipse">
             <a:avLst/>
           </a:prstGeom>
           <a:noFill/>
           <a:ln w="57150">
             <a:solidFill>
-              <a:srgbClr val="FF0000"/>
+              <a:schemeClr val="accent2"/>
             </a:solidFill>
           </a:ln>
         </p:spPr>
@@ -9075,30 +7679,28 @@
           <a:lstStyle/>
           <a:p>
             <a:pPr algn="ctr"/>
-            <a:endParaRPr lang="ko-KR" altLang="en-US">
-              <a:noFill/>
-            </a:endParaRPr>
-          </a:p>
-        </p:txBody>
-      </p:sp>
-      <p:sp>
-        <p:nvSpPr>
-          <p:cNvPr id="10" name="직사각형 9"/>
+            <a:endParaRPr lang="ko-KR" altLang="en-US"/>
+          </a:p>
+        </p:txBody>
+      </p:sp>
+      <p:sp>
+        <p:nvSpPr>
+          <p:cNvPr id="17" name="타원 16"/>
           <p:cNvSpPr/>
           <p:nvPr/>
         </p:nvSpPr>
         <p:spPr>
           <a:xfrm>
-            <a:off x="299403" y="2446708"/>
-            <a:ext cx="8184197" cy="3781371"/>
+            <a:off x="559242" y="2153581"/>
+            <a:ext cx="681185" cy="751860"/>
           </a:xfrm>
-          <a:prstGeom prst="rect">
+          <a:prstGeom prst="ellipse">
             <a:avLst/>
           </a:prstGeom>
           <a:noFill/>
           <a:ln w="57150">
             <a:solidFill>
-              <a:srgbClr val="FFFF00"/>
+              <a:schemeClr val="accent2"/>
             </a:solidFill>
           </a:ln>
         </p:spPr>
@@ -9123,54 +7725,28 @@
           <a:lstStyle/>
           <a:p>
             <a:pPr algn="ctr"/>
-            <a:endParaRPr lang="ko-KR" altLang="en-US">
-              <a:noFill/>
-            </a:endParaRPr>
-          </a:p>
-        </p:txBody>
-      </p:sp>
-      <p:pic>
-        <p:nvPicPr>
-          <p:cNvPr id="12" name="그림 11"/>
-          <p:cNvPicPr>
-            <a:picLocks noChangeAspect="1"/>
-          </p:cNvPicPr>
-          <p:nvPr/>
-        </p:nvPicPr>
-        <p:blipFill>
-          <a:blip r:embed="rId4"/>
-          <a:stretch>
-            <a:fillRect/>
-          </a:stretch>
-        </p:blipFill>
-        <p:spPr>
-          <a:xfrm flipV="1">
-            <a:off x="350203" y="6207759"/>
-            <a:ext cx="8458320" cy="311067"/>
-          </a:xfrm>
-          <a:prstGeom prst="rect">
-            <a:avLst/>
-          </a:prstGeom>
-        </p:spPr>
-      </p:pic>
-      <p:sp>
-        <p:nvSpPr>
-          <p:cNvPr id="13" name="직사각형 12"/>
+            <a:endParaRPr lang="ko-KR" altLang="en-US"/>
+          </a:p>
+        </p:txBody>
+      </p:sp>
+      <p:sp>
+        <p:nvSpPr>
+          <p:cNvPr id="20" name="타원 19"/>
           <p:cNvSpPr/>
           <p:nvPr/>
         </p:nvSpPr>
         <p:spPr>
           <a:xfrm>
-            <a:off x="299403" y="6168522"/>
-            <a:ext cx="8184197" cy="447798"/>
+            <a:off x="489792" y="4880753"/>
+            <a:ext cx="681185" cy="751860"/>
           </a:xfrm>
-          <a:prstGeom prst="rect">
+          <a:prstGeom prst="ellipse">
             <a:avLst/>
           </a:prstGeom>
           <a:noFill/>
           <a:ln w="57150">
             <a:solidFill>
-              <a:srgbClr val="00B0F0"/>
+              <a:schemeClr val="accent2"/>
             </a:solidFill>
           </a:ln>
         </p:spPr>
@@ -9195,598 +7771,115 @@
           <a:lstStyle/>
           <a:p>
             <a:pPr algn="ctr"/>
-            <a:endParaRPr lang="ko-KR" altLang="en-US">
-              <a:noFill/>
-            </a:endParaRPr>
-          </a:p>
-        </p:txBody>
-      </p:sp>
-      <p:sp>
-        <p:nvSpPr>
-          <p:cNvPr id="14" name="부제목 2"/>
-          <p:cNvSpPr txBox="1">
-            <a:spLocks/>
-          </p:cNvSpPr>
+            <a:endParaRPr lang="ko-KR" altLang="en-US"/>
+          </a:p>
+        </p:txBody>
+      </p:sp>
+      <p:cxnSp>
+        <p:nvCxnSpPr>
+          <p:cNvPr id="9" name="직선 화살표 연결선 8"/>
+          <p:cNvCxnSpPr>
+            <a:stCxn id="3" idx="6"/>
+          </p:cNvCxnSpPr>
           <p:nvPr/>
-        </p:nvSpPr>
+        </p:nvCxnSpPr>
         <p:spPr>
           <a:xfrm>
-            <a:off x="8624143" y="2045799"/>
-            <a:ext cx="1008289" cy="332399"/>
+            <a:off x="1078383" y="1053395"/>
+            <a:ext cx="3933455" cy="198361"/>
           </a:xfrm>
-          <a:prstGeom prst="rect">
+          <a:prstGeom prst="straightConnector1">
             <a:avLst/>
           </a:prstGeom>
+          <a:ln w="38100">
+            <a:tailEnd type="triangle"/>
+          </a:ln>
         </p:spPr>
-        <p:txBody>
-          <a:bodyPr vert="horz" wrap="none" lIns="0" tIns="0" rIns="0" bIns="0" rtlCol="0">
-            <a:spAutoFit/>
-          </a:bodyPr>
-          <a:lstStyle>
-            <a:lvl1pPr marL="0" indent="0" algn="ctr" defTabSz="914400" rtl="0" eaLnBrk="1" latinLnBrk="1" hangingPunct="1">
-              <a:lnSpc>
-                <a:spcPct val="90000"/>
-              </a:lnSpc>
-              <a:spcBef>
-                <a:spcPts val="1000"/>
-              </a:spcBef>
-              <a:buFont typeface="Arial" panose="020B0604020202020204" pitchFamily="34" charset="0"/>
-              <a:buNone/>
-              <a:defRPr sz="2400" kern="1200">
-                <a:solidFill>
-                  <a:schemeClr val="tx1"/>
-                </a:solidFill>
-                <a:latin typeface="+mn-lt"/>
-                <a:ea typeface="+mn-ea"/>
-                <a:cs typeface="+mn-cs"/>
-              </a:defRPr>
-            </a:lvl1pPr>
-            <a:lvl2pPr marL="457200" indent="0" algn="ctr" defTabSz="914400" rtl="0" eaLnBrk="1" latinLnBrk="1" hangingPunct="1">
-              <a:lnSpc>
-                <a:spcPct val="90000"/>
-              </a:lnSpc>
-              <a:spcBef>
-                <a:spcPts val="500"/>
-              </a:spcBef>
-              <a:buFont typeface="Arial" panose="020B0604020202020204" pitchFamily="34" charset="0"/>
-              <a:buNone/>
-              <a:defRPr sz="2000" kern="1200">
-                <a:solidFill>
-                  <a:schemeClr val="tx1"/>
-                </a:solidFill>
-                <a:latin typeface="+mn-lt"/>
-                <a:ea typeface="+mn-ea"/>
-                <a:cs typeface="+mn-cs"/>
-              </a:defRPr>
-            </a:lvl2pPr>
-            <a:lvl3pPr marL="914400" indent="0" algn="ctr" defTabSz="914400" rtl="0" eaLnBrk="1" latinLnBrk="1" hangingPunct="1">
-              <a:lnSpc>
-                <a:spcPct val="90000"/>
-              </a:lnSpc>
-              <a:spcBef>
-                <a:spcPts val="500"/>
-              </a:spcBef>
-              <a:buFont typeface="Arial" panose="020B0604020202020204" pitchFamily="34" charset="0"/>
-              <a:buNone/>
-              <a:defRPr sz="1800" kern="1200">
-                <a:solidFill>
-                  <a:schemeClr val="tx1"/>
-                </a:solidFill>
-                <a:latin typeface="+mn-lt"/>
-                <a:ea typeface="+mn-ea"/>
-                <a:cs typeface="+mn-cs"/>
-              </a:defRPr>
-            </a:lvl3pPr>
-            <a:lvl4pPr marL="1371600" indent="0" algn="ctr" defTabSz="914400" rtl="0" eaLnBrk="1" latinLnBrk="1" hangingPunct="1">
-              <a:lnSpc>
-                <a:spcPct val="90000"/>
-              </a:lnSpc>
-              <a:spcBef>
-                <a:spcPts val="500"/>
-              </a:spcBef>
-              <a:buFont typeface="Arial" panose="020B0604020202020204" pitchFamily="34" charset="0"/>
-              <a:buNone/>
-              <a:defRPr sz="1600" kern="1200">
-                <a:solidFill>
-                  <a:schemeClr val="tx1"/>
-                </a:solidFill>
-                <a:latin typeface="+mn-lt"/>
-                <a:ea typeface="+mn-ea"/>
-                <a:cs typeface="+mn-cs"/>
-              </a:defRPr>
-            </a:lvl4pPr>
-            <a:lvl5pPr marL="1828800" indent="0" algn="ctr" defTabSz="914400" rtl="0" eaLnBrk="1" latinLnBrk="1" hangingPunct="1">
-              <a:lnSpc>
-                <a:spcPct val="90000"/>
-              </a:lnSpc>
-              <a:spcBef>
-                <a:spcPts val="500"/>
-              </a:spcBef>
-              <a:buFont typeface="Arial" panose="020B0604020202020204" pitchFamily="34" charset="0"/>
-              <a:buNone/>
-              <a:defRPr sz="1600" kern="1200">
-                <a:solidFill>
-                  <a:schemeClr val="tx1"/>
-                </a:solidFill>
-                <a:latin typeface="+mn-lt"/>
-                <a:ea typeface="+mn-ea"/>
-                <a:cs typeface="+mn-cs"/>
-              </a:defRPr>
-            </a:lvl5pPr>
-            <a:lvl6pPr marL="2286000" indent="0" algn="ctr" defTabSz="914400" rtl="0" eaLnBrk="1" latinLnBrk="1" hangingPunct="1">
-              <a:lnSpc>
-                <a:spcPct val="90000"/>
-              </a:lnSpc>
-              <a:spcBef>
-                <a:spcPts val="500"/>
-              </a:spcBef>
-              <a:buFont typeface="Arial" panose="020B0604020202020204" pitchFamily="34" charset="0"/>
-              <a:buNone/>
-              <a:defRPr sz="1600" kern="1200">
-                <a:solidFill>
-                  <a:schemeClr val="tx1"/>
-                </a:solidFill>
-                <a:latin typeface="+mn-lt"/>
-                <a:ea typeface="+mn-ea"/>
-                <a:cs typeface="+mn-cs"/>
-              </a:defRPr>
-            </a:lvl6pPr>
-            <a:lvl7pPr marL="2743200" indent="0" algn="ctr" defTabSz="914400" rtl="0" eaLnBrk="1" latinLnBrk="1" hangingPunct="1">
-              <a:lnSpc>
-                <a:spcPct val="90000"/>
-              </a:lnSpc>
-              <a:spcBef>
-                <a:spcPts val="500"/>
-              </a:spcBef>
-              <a:buFont typeface="Arial" panose="020B0604020202020204" pitchFamily="34" charset="0"/>
-              <a:buNone/>
-              <a:defRPr sz="1600" kern="1200">
-                <a:solidFill>
-                  <a:schemeClr val="tx1"/>
-                </a:solidFill>
-                <a:latin typeface="+mn-lt"/>
-                <a:ea typeface="+mn-ea"/>
-                <a:cs typeface="+mn-cs"/>
-              </a:defRPr>
-            </a:lvl7pPr>
-            <a:lvl8pPr marL="3200400" indent="0" algn="ctr" defTabSz="914400" rtl="0" eaLnBrk="1" latinLnBrk="1" hangingPunct="1">
-              <a:lnSpc>
-                <a:spcPct val="90000"/>
-              </a:lnSpc>
-              <a:spcBef>
-                <a:spcPts val="500"/>
-              </a:spcBef>
-              <a:buFont typeface="Arial" panose="020B0604020202020204" pitchFamily="34" charset="0"/>
-              <a:buNone/>
-              <a:defRPr sz="1600" kern="1200">
-                <a:solidFill>
-                  <a:schemeClr val="tx1"/>
-                </a:solidFill>
-                <a:latin typeface="+mn-lt"/>
-                <a:ea typeface="+mn-ea"/>
-                <a:cs typeface="+mn-cs"/>
-              </a:defRPr>
-            </a:lvl8pPr>
-            <a:lvl9pPr marL="3657600" indent="0" algn="ctr" defTabSz="914400" rtl="0" eaLnBrk="1" latinLnBrk="1" hangingPunct="1">
-              <a:lnSpc>
-                <a:spcPct val="90000"/>
-              </a:lnSpc>
-              <a:spcBef>
-                <a:spcPts val="500"/>
-              </a:spcBef>
-              <a:buFont typeface="Arial" panose="020B0604020202020204" pitchFamily="34" charset="0"/>
-              <a:buNone/>
-              <a:defRPr sz="1600" kern="1200">
-                <a:solidFill>
-                  <a:schemeClr val="tx1"/>
-                </a:solidFill>
-                <a:latin typeface="+mn-lt"/>
-                <a:ea typeface="+mn-ea"/>
-                <a:cs typeface="+mn-cs"/>
-              </a:defRPr>
-            </a:lvl9pPr>
-          </a:lstStyle>
-          <a:p>
-            <a:pPr algn="l"/>
-            <a:r>
-              <a:rPr lang="en-US" altLang="ko-KR" dirty="0" smtClean="0"/>
-              <a:t>Header</a:t>
-            </a:r>
-          </a:p>
-        </p:txBody>
-      </p:sp>
-      <p:sp>
-        <p:nvSpPr>
-          <p:cNvPr id="15" name="부제목 2"/>
-          <p:cNvSpPr txBox="1">
-            <a:spLocks/>
-          </p:cNvSpPr>
+        <p:style>
+          <a:lnRef idx="1">
+            <a:schemeClr val="accent1"/>
+          </a:lnRef>
+          <a:fillRef idx="0">
+            <a:schemeClr val="accent1"/>
+          </a:fillRef>
+          <a:effectRef idx="0">
+            <a:schemeClr val="accent1"/>
+          </a:effectRef>
+          <a:fontRef idx="minor">
+            <a:schemeClr val="tx1"/>
+          </a:fontRef>
+        </p:style>
+      </p:cxnSp>
+      <p:cxnSp>
+        <p:nvCxnSpPr>
+          <p:cNvPr id="21" name="직선 화살표 연결선 20"/>
+          <p:cNvCxnSpPr/>
           <p:nvPr/>
-        </p:nvSpPr>
+        </p:nvCxnSpPr>
         <p:spPr>
           <a:xfrm>
-            <a:off x="8649645" y="3923714"/>
-            <a:ext cx="695703" cy="332399"/>
+            <a:off x="1078383" y="2529511"/>
+            <a:ext cx="3933455" cy="198361"/>
           </a:xfrm>
-          <a:prstGeom prst="rect">
+          <a:prstGeom prst="straightConnector1">
             <a:avLst/>
           </a:prstGeom>
+          <a:ln w="38100">
+            <a:tailEnd type="triangle"/>
+          </a:ln>
         </p:spPr>
-        <p:txBody>
-          <a:bodyPr vert="horz" wrap="none" lIns="0" tIns="0" rIns="0" bIns="0" rtlCol="0">
-            <a:spAutoFit/>
-          </a:bodyPr>
-          <a:lstStyle>
-            <a:lvl1pPr marL="0" indent="0" algn="ctr" defTabSz="914400" rtl="0" eaLnBrk="1" latinLnBrk="1" hangingPunct="1">
-              <a:lnSpc>
-                <a:spcPct val="90000"/>
-              </a:lnSpc>
-              <a:spcBef>
-                <a:spcPts val="1000"/>
-              </a:spcBef>
-              <a:buFont typeface="Arial" panose="020B0604020202020204" pitchFamily="34" charset="0"/>
-              <a:buNone/>
-              <a:defRPr sz="2400" kern="1200">
-                <a:solidFill>
-                  <a:schemeClr val="tx1"/>
-                </a:solidFill>
-                <a:latin typeface="+mn-lt"/>
-                <a:ea typeface="+mn-ea"/>
-                <a:cs typeface="+mn-cs"/>
-              </a:defRPr>
-            </a:lvl1pPr>
-            <a:lvl2pPr marL="457200" indent="0" algn="ctr" defTabSz="914400" rtl="0" eaLnBrk="1" latinLnBrk="1" hangingPunct="1">
-              <a:lnSpc>
-                <a:spcPct val="90000"/>
-              </a:lnSpc>
-              <a:spcBef>
-                <a:spcPts val="500"/>
-              </a:spcBef>
-              <a:buFont typeface="Arial" panose="020B0604020202020204" pitchFamily="34" charset="0"/>
-              <a:buNone/>
-              <a:defRPr sz="2000" kern="1200">
-                <a:solidFill>
-                  <a:schemeClr val="tx1"/>
-                </a:solidFill>
-                <a:latin typeface="+mn-lt"/>
-                <a:ea typeface="+mn-ea"/>
-                <a:cs typeface="+mn-cs"/>
-              </a:defRPr>
-            </a:lvl2pPr>
-            <a:lvl3pPr marL="914400" indent="0" algn="ctr" defTabSz="914400" rtl="0" eaLnBrk="1" latinLnBrk="1" hangingPunct="1">
-              <a:lnSpc>
-                <a:spcPct val="90000"/>
-              </a:lnSpc>
-              <a:spcBef>
-                <a:spcPts val="500"/>
-              </a:spcBef>
-              <a:buFont typeface="Arial" panose="020B0604020202020204" pitchFamily="34" charset="0"/>
-              <a:buNone/>
-              <a:defRPr sz="1800" kern="1200">
-                <a:solidFill>
-                  <a:schemeClr val="tx1"/>
-                </a:solidFill>
-                <a:latin typeface="+mn-lt"/>
-                <a:ea typeface="+mn-ea"/>
-                <a:cs typeface="+mn-cs"/>
-              </a:defRPr>
-            </a:lvl3pPr>
-            <a:lvl4pPr marL="1371600" indent="0" algn="ctr" defTabSz="914400" rtl="0" eaLnBrk="1" latinLnBrk="1" hangingPunct="1">
-              <a:lnSpc>
-                <a:spcPct val="90000"/>
-              </a:lnSpc>
-              <a:spcBef>
-                <a:spcPts val="500"/>
-              </a:spcBef>
-              <a:buFont typeface="Arial" panose="020B0604020202020204" pitchFamily="34" charset="0"/>
-              <a:buNone/>
-              <a:defRPr sz="1600" kern="1200">
-                <a:solidFill>
-                  <a:schemeClr val="tx1"/>
-                </a:solidFill>
-                <a:latin typeface="+mn-lt"/>
-                <a:ea typeface="+mn-ea"/>
-                <a:cs typeface="+mn-cs"/>
-              </a:defRPr>
-            </a:lvl4pPr>
-            <a:lvl5pPr marL="1828800" indent="0" algn="ctr" defTabSz="914400" rtl="0" eaLnBrk="1" latinLnBrk="1" hangingPunct="1">
-              <a:lnSpc>
-                <a:spcPct val="90000"/>
-              </a:lnSpc>
-              <a:spcBef>
-                <a:spcPts val="500"/>
-              </a:spcBef>
-              <a:buFont typeface="Arial" panose="020B0604020202020204" pitchFamily="34" charset="0"/>
-              <a:buNone/>
-              <a:defRPr sz="1600" kern="1200">
-                <a:solidFill>
-                  <a:schemeClr val="tx1"/>
-                </a:solidFill>
-                <a:latin typeface="+mn-lt"/>
-                <a:ea typeface="+mn-ea"/>
-                <a:cs typeface="+mn-cs"/>
-              </a:defRPr>
-            </a:lvl5pPr>
-            <a:lvl6pPr marL="2286000" indent="0" algn="ctr" defTabSz="914400" rtl="0" eaLnBrk="1" latinLnBrk="1" hangingPunct="1">
-              <a:lnSpc>
-                <a:spcPct val="90000"/>
-              </a:lnSpc>
-              <a:spcBef>
-                <a:spcPts val="500"/>
-              </a:spcBef>
-              <a:buFont typeface="Arial" panose="020B0604020202020204" pitchFamily="34" charset="0"/>
-              <a:buNone/>
-              <a:defRPr sz="1600" kern="1200">
-                <a:solidFill>
-                  <a:schemeClr val="tx1"/>
-                </a:solidFill>
-                <a:latin typeface="+mn-lt"/>
-                <a:ea typeface="+mn-ea"/>
-                <a:cs typeface="+mn-cs"/>
-              </a:defRPr>
-            </a:lvl6pPr>
-            <a:lvl7pPr marL="2743200" indent="0" algn="ctr" defTabSz="914400" rtl="0" eaLnBrk="1" latinLnBrk="1" hangingPunct="1">
-              <a:lnSpc>
-                <a:spcPct val="90000"/>
-              </a:lnSpc>
-              <a:spcBef>
-                <a:spcPts val="500"/>
-              </a:spcBef>
-              <a:buFont typeface="Arial" panose="020B0604020202020204" pitchFamily="34" charset="0"/>
-              <a:buNone/>
-              <a:defRPr sz="1600" kern="1200">
-                <a:solidFill>
-                  <a:schemeClr val="tx1"/>
-                </a:solidFill>
-                <a:latin typeface="+mn-lt"/>
-                <a:ea typeface="+mn-ea"/>
-                <a:cs typeface="+mn-cs"/>
-              </a:defRPr>
-            </a:lvl7pPr>
-            <a:lvl8pPr marL="3200400" indent="0" algn="ctr" defTabSz="914400" rtl="0" eaLnBrk="1" latinLnBrk="1" hangingPunct="1">
-              <a:lnSpc>
-                <a:spcPct val="90000"/>
-              </a:lnSpc>
-              <a:spcBef>
-                <a:spcPts val="500"/>
-              </a:spcBef>
-              <a:buFont typeface="Arial" panose="020B0604020202020204" pitchFamily="34" charset="0"/>
-              <a:buNone/>
-              <a:defRPr sz="1600" kern="1200">
-                <a:solidFill>
-                  <a:schemeClr val="tx1"/>
-                </a:solidFill>
-                <a:latin typeface="+mn-lt"/>
-                <a:ea typeface="+mn-ea"/>
-                <a:cs typeface="+mn-cs"/>
-              </a:defRPr>
-            </a:lvl8pPr>
-            <a:lvl9pPr marL="3657600" indent="0" algn="ctr" defTabSz="914400" rtl="0" eaLnBrk="1" latinLnBrk="1" hangingPunct="1">
-              <a:lnSpc>
-                <a:spcPct val="90000"/>
-              </a:lnSpc>
-              <a:spcBef>
-                <a:spcPts val="500"/>
-              </a:spcBef>
-              <a:buFont typeface="Arial" panose="020B0604020202020204" pitchFamily="34" charset="0"/>
-              <a:buNone/>
-              <a:defRPr sz="1600" kern="1200">
-                <a:solidFill>
-                  <a:schemeClr val="tx1"/>
-                </a:solidFill>
-                <a:latin typeface="+mn-lt"/>
-                <a:ea typeface="+mn-ea"/>
-                <a:cs typeface="+mn-cs"/>
-              </a:defRPr>
-            </a:lvl9pPr>
-          </a:lstStyle>
-          <a:p>
-            <a:pPr algn="l"/>
-            <a:r>
-              <a:rPr lang="en-US" altLang="ko-KR" dirty="0" smtClean="0"/>
-              <a:t>Main</a:t>
-            </a:r>
-          </a:p>
-        </p:txBody>
-      </p:sp>
-      <p:sp>
-        <p:nvSpPr>
-          <p:cNvPr id="16" name="부제목 2"/>
-          <p:cNvSpPr txBox="1">
-            <a:spLocks/>
-          </p:cNvSpPr>
+        <p:style>
+          <a:lnRef idx="1">
+            <a:schemeClr val="accent1"/>
+          </a:lnRef>
+          <a:fillRef idx="0">
+            <a:schemeClr val="accent1"/>
+          </a:fillRef>
+          <a:effectRef idx="0">
+            <a:schemeClr val="accent1"/>
+          </a:effectRef>
+          <a:fontRef idx="minor">
+            <a:schemeClr val="tx1"/>
+          </a:fontRef>
+        </p:style>
+      </p:cxnSp>
+      <p:cxnSp>
+        <p:nvCxnSpPr>
+          <p:cNvPr id="22" name="직선 화살표 연결선 21"/>
+          <p:cNvCxnSpPr/>
           <p:nvPr/>
-        </p:nvSpPr>
+        </p:nvCxnSpPr>
         <p:spPr>
           <a:xfrm>
-            <a:off x="8649645" y="6217920"/>
-            <a:ext cx="899926" cy="332399"/>
+            <a:off x="1170977" y="5157502"/>
+            <a:ext cx="3725114" cy="99180"/>
           </a:xfrm>
-          <a:prstGeom prst="rect">
+          <a:prstGeom prst="straightConnector1">
             <a:avLst/>
           </a:prstGeom>
+          <a:ln w="38100">
+            <a:tailEnd type="triangle"/>
+          </a:ln>
         </p:spPr>
-        <p:txBody>
-          <a:bodyPr vert="horz" wrap="none" lIns="0" tIns="0" rIns="0" bIns="0" rtlCol="0">
-            <a:spAutoFit/>
-          </a:bodyPr>
-          <a:lstStyle>
-            <a:lvl1pPr marL="0" indent="0" algn="ctr" defTabSz="914400" rtl="0" eaLnBrk="1" latinLnBrk="1" hangingPunct="1">
-              <a:lnSpc>
-                <a:spcPct val="90000"/>
-              </a:lnSpc>
-              <a:spcBef>
-                <a:spcPts val="1000"/>
-              </a:spcBef>
-              <a:buFont typeface="Arial" panose="020B0604020202020204" pitchFamily="34" charset="0"/>
-              <a:buNone/>
-              <a:defRPr sz="2400" kern="1200">
-                <a:solidFill>
-                  <a:schemeClr val="tx1"/>
-                </a:solidFill>
-                <a:latin typeface="+mn-lt"/>
-                <a:ea typeface="+mn-ea"/>
-                <a:cs typeface="+mn-cs"/>
-              </a:defRPr>
-            </a:lvl1pPr>
-            <a:lvl2pPr marL="457200" indent="0" algn="ctr" defTabSz="914400" rtl="0" eaLnBrk="1" latinLnBrk="1" hangingPunct="1">
-              <a:lnSpc>
-                <a:spcPct val="90000"/>
-              </a:lnSpc>
-              <a:spcBef>
-                <a:spcPts val="500"/>
-              </a:spcBef>
-              <a:buFont typeface="Arial" panose="020B0604020202020204" pitchFamily="34" charset="0"/>
-              <a:buNone/>
-              <a:defRPr sz="2000" kern="1200">
-                <a:solidFill>
-                  <a:schemeClr val="tx1"/>
-                </a:solidFill>
-                <a:latin typeface="+mn-lt"/>
-                <a:ea typeface="+mn-ea"/>
-                <a:cs typeface="+mn-cs"/>
-              </a:defRPr>
-            </a:lvl2pPr>
-            <a:lvl3pPr marL="914400" indent="0" algn="ctr" defTabSz="914400" rtl="0" eaLnBrk="1" latinLnBrk="1" hangingPunct="1">
-              <a:lnSpc>
-                <a:spcPct val="90000"/>
-              </a:lnSpc>
-              <a:spcBef>
-                <a:spcPts val="500"/>
-              </a:spcBef>
-              <a:buFont typeface="Arial" panose="020B0604020202020204" pitchFamily="34" charset="0"/>
-              <a:buNone/>
-              <a:defRPr sz="1800" kern="1200">
-                <a:solidFill>
-                  <a:schemeClr val="tx1"/>
-                </a:solidFill>
-                <a:latin typeface="+mn-lt"/>
-                <a:ea typeface="+mn-ea"/>
-                <a:cs typeface="+mn-cs"/>
-              </a:defRPr>
-            </a:lvl3pPr>
-            <a:lvl4pPr marL="1371600" indent="0" algn="ctr" defTabSz="914400" rtl="0" eaLnBrk="1" latinLnBrk="1" hangingPunct="1">
-              <a:lnSpc>
-                <a:spcPct val="90000"/>
-              </a:lnSpc>
-              <a:spcBef>
-                <a:spcPts val="500"/>
-              </a:spcBef>
-              <a:buFont typeface="Arial" panose="020B0604020202020204" pitchFamily="34" charset="0"/>
-              <a:buNone/>
-              <a:defRPr sz="1600" kern="1200">
-                <a:solidFill>
-                  <a:schemeClr val="tx1"/>
-                </a:solidFill>
-                <a:latin typeface="+mn-lt"/>
-                <a:ea typeface="+mn-ea"/>
-                <a:cs typeface="+mn-cs"/>
-              </a:defRPr>
-            </a:lvl4pPr>
-            <a:lvl5pPr marL="1828800" indent="0" algn="ctr" defTabSz="914400" rtl="0" eaLnBrk="1" latinLnBrk="1" hangingPunct="1">
-              <a:lnSpc>
-                <a:spcPct val="90000"/>
-              </a:lnSpc>
-              <a:spcBef>
-                <a:spcPts val="500"/>
-              </a:spcBef>
-              <a:buFont typeface="Arial" panose="020B0604020202020204" pitchFamily="34" charset="0"/>
-              <a:buNone/>
-              <a:defRPr sz="1600" kern="1200">
-                <a:solidFill>
-                  <a:schemeClr val="tx1"/>
-                </a:solidFill>
-                <a:latin typeface="+mn-lt"/>
-                <a:ea typeface="+mn-ea"/>
-                <a:cs typeface="+mn-cs"/>
-              </a:defRPr>
-            </a:lvl5pPr>
-            <a:lvl6pPr marL="2286000" indent="0" algn="ctr" defTabSz="914400" rtl="0" eaLnBrk="1" latinLnBrk="1" hangingPunct="1">
-              <a:lnSpc>
-                <a:spcPct val="90000"/>
-              </a:lnSpc>
-              <a:spcBef>
-                <a:spcPts val="500"/>
-              </a:spcBef>
-              <a:buFont typeface="Arial" panose="020B0604020202020204" pitchFamily="34" charset="0"/>
-              <a:buNone/>
-              <a:defRPr sz="1600" kern="1200">
-                <a:solidFill>
-                  <a:schemeClr val="tx1"/>
-                </a:solidFill>
-                <a:latin typeface="+mn-lt"/>
-                <a:ea typeface="+mn-ea"/>
-                <a:cs typeface="+mn-cs"/>
-              </a:defRPr>
-            </a:lvl6pPr>
-            <a:lvl7pPr marL="2743200" indent="0" algn="ctr" defTabSz="914400" rtl="0" eaLnBrk="1" latinLnBrk="1" hangingPunct="1">
-              <a:lnSpc>
-                <a:spcPct val="90000"/>
-              </a:lnSpc>
-              <a:spcBef>
-                <a:spcPts val="500"/>
-              </a:spcBef>
-              <a:buFont typeface="Arial" panose="020B0604020202020204" pitchFamily="34" charset="0"/>
-              <a:buNone/>
-              <a:defRPr sz="1600" kern="1200">
-                <a:solidFill>
-                  <a:schemeClr val="tx1"/>
-                </a:solidFill>
-                <a:latin typeface="+mn-lt"/>
-                <a:ea typeface="+mn-ea"/>
-                <a:cs typeface="+mn-cs"/>
-              </a:defRPr>
-            </a:lvl7pPr>
-            <a:lvl8pPr marL="3200400" indent="0" algn="ctr" defTabSz="914400" rtl="0" eaLnBrk="1" latinLnBrk="1" hangingPunct="1">
-              <a:lnSpc>
-                <a:spcPct val="90000"/>
-              </a:lnSpc>
-              <a:spcBef>
-                <a:spcPts val="500"/>
-              </a:spcBef>
-              <a:buFont typeface="Arial" panose="020B0604020202020204" pitchFamily="34" charset="0"/>
-              <a:buNone/>
-              <a:defRPr sz="1600" kern="1200">
-                <a:solidFill>
-                  <a:schemeClr val="tx1"/>
-                </a:solidFill>
-                <a:latin typeface="+mn-lt"/>
-                <a:ea typeface="+mn-ea"/>
-                <a:cs typeface="+mn-cs"/>
-              </a:defRPr>
-            </a:lvl8pPr>
-            <a:lvl9pPr marL="3657600" indent="0" algn="ctr" defTabSz="914400" rtl="0" eaLnBrk="1" latinLnBrk="1" hangingPunct="1">
-              <a:lnSpc>
-                <a:spcPct val="90000"/>
-              </a:lnSpc>
-              <a:spcBef>
-                <a:spcPts val="500"/>
-              </a:spcBef>
-              <a:buFont typeface="Arial" panose="020B0604020202020204" pitchFamily="34" charset="0"/>
-              <a:buNone/>
-              <a:defRPr sz="1600" kern="1200">
-                <a:solidFill>
-                  <a:schemeClr val="tx1"/>
-                </a:solidFill>
-                <a:latin typeface="+mn-lt"/>
-                <a:ea typeface="+mn-ea"/>
-                <a:cs typeface="+mn-cs"/>
-              </a:defRPr>
-            </a:lvl9pPr>
-          </a:lstStyle>
-          <a:p>
-            <a:pPr algn="l"/>
-            <a:r>
-              <a:rPr lang="en-US" altLang="ko-KR" dirty="0" smtClean="0"/>
-              <a:t>Footer</a:t>
-            </a:r>
-          </a:p>
-        </p:txBody>
-      </p:sp>
+        <p:style>
+          <a:lnRef idx="1">
+            <a:schemeClr val="accent1"/>
+          </a:lnRef>
+          <a:fillRef idx="0">
+            <a:schemeClr val="accent1"/>
+          </a:fillRef>
+          <a:effectRef idx="0">
+            <a:schemeClr val="accent1"/>
+          </a:effectRef>
+          <a:fontRef idx="minor">
+            <a:schemeClr val="tx1"/>
+          </a:fontRef>
+        </p:style>
+      </p:cxnSp>
     </p:spTree>
     <p:extLst>
       <p:ext uri="{BB962C8B-B14F-4D97-AF65-F5344CB8AC3E}">
-        <p14:creationId xmlns:p14="http://schemas.microsoft.com/office/powerpoint/2010/main" val="2668651131"/>
+        <p14:creationId xmlns:p14="http://schemas.microsoft.com/office/powerpoint/2010/main" val="2967859330"/>
       </p:ext>
     </p:extLst>
   </p:cSld>
@@ -9803,7 +7896,7 @@
 </p:sld>
 </file>
 
-<file path=ppt/slides/slide7.xml><?xml version="1.0" encoding="utf-8"?>
+<file path=ppt/slides/slide6.xml><?xml version="1.0" encoding="utf-8"?>
 <p:sld xmlns:a="http://schemas.openxmlformats.org/drawingml/2006/main" xmlns:r="http://schemas.openxmlformats.org/officeDocument/2006/relationships" xmlns:p="http://schemas.openxmlformats.org/presentationml/2006/main">
   <p:cSld>
     <p:spTree>
@@ -9822,7 +7915,7 @@
       </p:grpSpPr>
       <p:sp>
         <p:nvSpPr>
-          <p:cNvPr id="7" name="부제목 2"/>
+          <p:cNvPr id="29" name="부제목 2"/>
           <p:cNvSpPr txBox="1">
             <a:spLocks/>
           </p:cNvSpPr>
@@ -9830,8 +7923,8 @@
         </p:nvSpPr>
         <p:spPr>
           <a:xfrm>
-            <a:off x="8576473" y="3041820"/>
-            <a:ext cx="1038746" cy="609398"/>
+            <a:off x="1933722" y="383709"/>
+            <a:ext cx="8497967" cy="332399"/>
           </a:xfrm>
           <a:prstGeom prst="rect">
             <a:avLst/>
@@ -10008,216 +8101,30 @@
           <a:p>
             <a:pPr algn="l"/>
             <a:r>
-              <a:rPr lang="en-US" altLang="ko-KR" sz="4400" dirty="0" smtClean="0"/>
-              <a:t>????</a:t>
-            </a:r>
-          </a:p>
-        </p:txBody>
-      </p:sp>
-      <p:sp>
-        <p:nvSpPr>
-          <p:cNvPr id="11" name="부제목 2"/>
-          <p:cNvSpPr txBox="1">
-            <a:spLocks/>
-          </p:cNvSpPr>
-          <p:nvPr/>
-        </p:nvSpPr>
-        <p:spPr>
-          <a:xfrm>
-            <a:off x="653562" y="603861"/>
-            <a:ext cx="5988242" cy="332399"/>
-          </a:xfrm>
-          <a:prstGeom prst="rect">
-            <a:avLst/>
-          </a:prstGeom>
-        </p:spPr>
-        <p:txBody>
-          <a:bodyPr vert="horz" wrap="none" lIns="0" tIns="0" rIns="0" bIns="0" rtlCol="0">
-            <a:spAutoFit/>
-          </a:bodyPr>
-          <a:lstStyle>
-            <a:lvl1pPr marL="0" indent="0" algn="ctr" defTabSz="914400" rtl="0" eaLnBrk="1" latinLnBrk="1" hangingPunct="1">
-              <a:lnSpc>
-                <a:spcPct val="90000"/>
-              </a:lnSpc>
-              <a:spcBef>
-                <a:spcPts val="1000"/>
-              </a:spcBef>
-              <a:buFont typeface="Arial" panose="020B0604020202020204" pitchFamily="34" charset="0"/>
-              <a:buNone/>
-              <a:defRPr sz="2400" kern="1200">
-                <a:solidFill>
-                  <a:schemeClr val="tx1"/>
-                </a:solidFill>
-                <a:latin typeface="+mn-lt"/>
-                <a:ea typeface="+mn-ea"/>
-                <a:cs typeface="+mn-cs"/>
-              </a:defRPr>
-            </a:lvl1pPr>
-            <a:lvl2pPr marL="457200" indent="0" algn="ctr" defTabSz="914400" rtl="0" eaLnBrk="1" latinLnBrk="1" hangingPunct="1">
-              <a:lnSpc>
-                <a:spcPct val="90000"/>
-              </a:lnSpc>
-              <a:spcBef>
-                <a:spcPts val="500"/>
-              </a:spcBef>
-              <a:buFont typeface="Arial" panose="020B0604020202020204" pitchFamily="34" charset="0"/>
-              <a:buNone/>
-              <a:defRPr sz="2000" kern="1200">
-                <a:solidFill>
-                  <a:schemeClr val="tx1"/>
-                </a:solidFill>
-                <a:latin typeface="+mn-lt"/>
-                <a:ea typeface="+mn-ea"/>
-                <a:cs typeface="+mn-cs"/>
-              </a:defRPr>
-            </a:lvl2pPr>
-            <a:lvl3pPr marL="914400" indent="0" algn="ctr" defTabSz="914400" rtl="0" eaLnBrk="1" latinLnBrk="1" hangingPunct="1">
-              <a:lnSpc>
-                <a:spcPct val="90000"/>
-              </a:lnSpc>
-              <a:spcBef>
-                <a:spcPts val="500"/>
-              </a:spcBef>
-              <a:buFont typeface="Arial" panose="020B0604020202020204" pitchFamily="34" charset="0"/>
-              <a:buNone/>
-              <a:defRPr sz="1800" kern="1200">
-                <a:solidFill>
-                  <a:schemeClr val="tx1"/>
-                </a:solidFill>
-                <a:latin typeface="+mn-lt"/>
-                <a:ea typeface="+mn-ea"/>
-                <a:cs typeface="+mn-cs"/>
-              </a:defRPr>
-            </a:lvl3pPr>
-            <a:lvl4pPr marL="1371600" indent="0" algn="ctr" defTabSz="914400" rtl="0" eaLnBrk="1" latinLnBrk="1" hangingPunct="1">
-              <a:lnSpc>
-                <a:spcPct val="90000"/>
-              </a:lnSpc>
-              <a:spcBef>
-                <a:spcPts val="500"/>
-              </a:spcBef>
-              <a:buFont typeface="Arial" panose="020B0604020202020204" pitchFamily="34" charset="0"/>
-              <a:buNone/>
-              <a:defRPr sz="1600" kern="1200">
-                <a:solidFill>
-                  <a:schemeClr val="tx1"/>
-                </a:solidFill>
-                <a:latin typeface="+mn-lt"/>
-                <a:ea typeface="+mn-ea"/>
-                <a:cs typeface="+mn-cs"/>
-              </a:defRPr>
-            </a:lvl4pPr>
-            <a:lvl5pPr marL="1828800" indent="0" algn="ctr" defTabSz="914400" rtl="0" eaLnBrk="1" latinLnBrk="1" hangingPunct="1">
-              <a:lnSpc>
-                <a:spcPct val="90000"/>
-              </a:lnSpc>
-              <a:spcBef>
-                <a:spcPts val="500"/>
-              </a:spcBef>
-              <a:buFont typeface="Arial" panose="020B0604020202020204" pitchFamily="34" charset="0"/>
-              <a:buNone/>
-              <a:defRPr sz="1600" kern="1200">
-                <a:solidFill>
-                  <a:schemeClr val="tx1"/>
-                </a:solidFill>
-                <a:latin typeface="+mn-lt"/>
-                <a:ea typeface="+mn-ea"/>
-                <a:cs typeface="+mn-cs"/>
-              </a:defRPr>
-            </a:lvl5pPr>
-            <a:lvl6pPr marL="2286000" indent="0" algn="ctr" defTabSz="914400" rtl="0" eaLnBrk="1" latinLnBrk="1" hangingPunct="1">
-              <a:lnSpc>
-                <a:spcPct val="90000"/>
-              </a:lnSpc>
-              <a:spcBef>
-                <a:spcPts val="500"/>
-              </a:spcBef>
-              <a:buFont typeface="Arial" panose="020B0604020202020204" pitchFamily="34" charset="0"/>
-              <a:buNone/>
-              <a:defRPr sz="1600" kern="1200">
-                <a:solidFill>
-                  <a:schemeClr val="tx1"/>
-                </a:solidFill>
-                <a:latin typeface="+mn-lt"/>
-                <a:ea typeface="+mn-ea"/>
-                <a:cs typeface="+mn-cs"/>
-              </a:defRPr>
-            </a:lvl6pPr>
-            <a:lvl7pPr marL="2743200" indent="0" algn="ctr" defTabSz="914400" rtl="0" eaLnBrk="1" latinLnBrk="1" hangingPunct="1">
-              <a:lnSpc>
-                <a:spcPct val="90000"/>
-              </a:lnSpc>
-              <a:spcBef>
-                <a:spcPts val="500"/>
-              </a:spcBef>
-              <a:buFont typeface="Arial" panose="020B0604020202020204" pitchFamily="34" charset="0"/>
-              <a:buNone/>
-              <a:defRPr sz="1600" kern="1200">
-                <a:solidFill>
-                  <a:schemeClr val="tx1"/>
-                </a:solidFill>
-                <a:latin typeface="+mn-lt"/>
-                <a:ea typeface="+mn-ea"/>
-                <a:cs typeface="+mn-cs"/>
-              </a:defRPr>
-            </a:lvl7pPr>
-            <a:lvl8pPr marL="3200400" indent="0" algn="ctr" defTabSz="914400" rtl="0" eaLnBrk="1" latinLnBrk="1" hangingPunct="1">
-              <a:lnSpc>
-                <a:spcPct val="90000"/>
-              </a:lnSpc>
-              <a:spcBef>
-                <a:spcPts val="500"/>
-              </a:spcBef>
-              <a:buFont typeface="Arial" panose="020B0604020202020204" pitchFamily="34" charset="0"/>
-              <a:buNone/>
-              <a:defRPr sz="1600" kern="1200">
-                <a:solidFill>
-                  <a:schemeClr val="tx1"/>
-                </a:solidFill>
-                <a:latin typeface="+mn-lt"/>
-                <a:ea typeface="+mn-ea"/>
-                <a:cs typeface="+mn-cs"/>
-              </a:defRPr>
-            </a:lvl8pPr>
-            <a:lvl9pPr marL="3657600" indent="0" algn="ctr" defTabSz="914400" rtl="0" eaLnBrk="1" latinLnBrk="1" hangingPunct="1">
-              <a:lnSpc>
-                <a:spcPct val="90000"/>
-              </a:lnSpc>
-              <a:spcBef>
-                <a:spcPts val="500"/>
-              </a:spcBef>
-              <a:buFont typeface="Arial" panose="020B0604020202020204" pitchFamily="34" charset="0"/>
-              <a:buNone/>
-              <a:defRPr sz="1600" kern="1200">
-                <a:solidFill>
-                  <a:schemeClr val="tx1"/>
-                </a:solidFill>
-                <a:latin typeface="+mn-lt"/>
-                <a:ea typeface="+mn-ea"/>
-                <a:cs typeface="+mn-cs"/>
-              </a:defRPr>
-            </a:lvl9pPr>
-          </a:lstStyle>
-          <a:p>
-            <a:pPr algn="l"/>
+              <a:rPr lang="en-US" altLang="ko-KR" dirty="0" smtClean="0"/>
+              <a:t>SCOUT-APP </a:t>
+            </a:r>
+            <a:r>
+              <a:rPr lang="en-US" altLang="ko-KR" dirty="0"/>
+              <a:t>- SCSS</a:t>
+            </a:r>
+            <a:r>
+              <a:rPr lang="ko-KR" altLang="en-US" dirty="0"/>
+              <a:t>로 만든 파일을 </a:t>
+            </a:r>
+            <a:r>
+              <a:rPr lang="en-US" altLang="ko-KR" dirty="0"/>
+              <a:t>CSS</a:t>
+            </a:r>
+            <a:r>
+              <a:rPr lang="ko-KR" altLang="en-US" dirty="0"/>
+              <a:t>로 자동 변환해주는 </a:t>
+            </a:r>
             <a:r>
               <a:rPr lang="ko-KR" altLang="en-US" dirty="0" smtClean="0"/>
-              <a:t>웹 사이트 따라 만들어보기 </a:t>
-            </a:r>
-            <a:r>
-              <a:rPr lang="en-US" altLang="ko-KR" dirty="0"/>
-              <a:t>2</a:t>
-            </a:r>
-            <a:r>
-              <a:rPr lang="en-US" altLang="ko-KR" dirty="0" smtClean="0"/>
-              <a:t>) </a:t>
-            </a:r>
-            <a:r>
-              <a:rPr lang="en-US" altLang="ko-KR" dirty="0" err="1" smtClean="0"/>
-              <a:t>AmorePacific</a:t>
-            </a:r>
-            <a:endParaRPr lang="en-US" altLang="ko-KR" dirty="0" smtClean="0"/>
+              <a:t>앱</a:t>
+            </a:r>
+            <a:endParaRPr lang="en-US" altLang="ko-KR" dirty="0"/>
           </a:p>
         </p:txBody>
       </p:sp>
@@ -10237,8 +8144,8 @@
         </p:blipFill>
         <p:spPr>
           <a:xfrm>
-            <a:off x="653562" y="1539240"/>
-            <a:ext cx="5279878" cy="4709160"/>
+            <a:off x="653562" y="234133"/>
+            <a:ext cx="1057275" cy="1076325"/>
           </a:xfrm>
           <a:prstGeom prst="rect">
             <a:avLst/>
@@ -10247,48 +8154,1105 @@
       </p:pic>
       <p:sp>
         <p:nvSpPr>
-          <p:cNvPr id="8" name="오른쪽 화살표 7"/>
-          <p:cNvSpPr/>
+          <p:cNvPr id="15" name="부제목 2"/>
+          <p:cNvSpPr txBox="1">
+            <a:spLocks/>
+          </p:cNvSpPr>
           <p:nvPr/>
         </p:nvSpPr>
         <p:spPr>
           <a:xfrm>
-            <a:off x="6370320" y="2819400"/>
-            <a:ext cx="792480" cy="899160"/>
+            <a:off x="1933722" y="772296"/>
+            <a:ext cx="5871800" cy="332399"/>
           </a:xfrm>
-          <a:prstGeom prst="rightArrow">
+          <a:prstGeom prst="rect">
             <a:avLst/>
           </a:prstGeom>
         </p:spPr>
-        <p:style>
-          <a:lnRef idx="2">
-            <a:schemeClr val="accent1">
-              <a:shade val="50000"/>
-            </a:schemeClr>
-          </a:lnRef>
-          <a:fillRef idx="1">
-            <a:schemeClr val="accent1"/>
-          </a:fillRef>
-          <a:effectRef idx="0">
-            <a:schemeClr val="accent1"/>
-          </a:effectRef>
-          <a:fontRef idx="minor">
-            <a:schemeClr val="lt1"/>
-          </a:fontRef>
-        </p:style>
-        <p:txBody>
-          <a:bodyPr rtlCol="0" anchor="ctr"/>
-          <a:lstStyle/>
-          <a:p>
-            <a:pPr algn="ctr"/>
-            <a:endParaRPr lang="ko-KR" altLang="en-US"/>
+        <p:txBody>
+          <a:bodyPr vert="horz" wrap="none" lIns="0" tIns="0" rIns="0" bIns="0" rtlCol="0">
+            <a:spAutoFit/>
+          </a:bodyPr>
+          <a:lstStyle>
+            <a:lvl1pPr marL="0" indent="0" algn="ctr" defTabSz="914400" rtl="0" eaLnBrk="1" latinLnBrk="1" hangingPunct="1">
+              <a:lnSpc>
+                <a:spcPct val="90000"/>
+              </a:lnSpc>
+              <a:spcBef>
+                <a:spcPts val="1000"/>
+              </a:spcBef>
+              <a:buFont typeface="Arial" panose="020B0604020202020204" pitchFamily="34" charset="0"/>
+              <a:buNone/>
+              <a:defRPr sz="2400" kern="1200">
+                <a:solidFill>
+                  <a:schemeClr val="tx1"/>
+                </a:solidFill>
+                <a:latin typeface="+mn-lt"/>
+                <a:ea typeface="+mn-ea"/>
+                <a:cs typeface="+mn-cs"/>
+              </a:defRPr>
+            </a:lvl1pPr>
+            <a:lvl2pPr marL="457200" indent="0" algn="ctr" defTabSz="914400" rtl="0" eaLnBrk="1" latinLnBrk="1" hangingPunct="1">
+              <a:lnSpc>
+                <a:spcPct val="90000"/>
+              </a:lnSpc>
+              <a:spcBef>
+                <a:spcPts val="500"/>
+              </a:spcBef>
+              <a:buFont typeface="Arial" panose="020B0604020202020204" pitchFamily="34" charset="0"/>
+              <a:buNone/>
+              <a:defRPr sz="2000" kern="1200">
+                <a:solidFill>
+                  <a:schemeClr val="tx1"/>
+                </a:solidFill>
+                <a:latin typeface="+mn-lt"/>
+                <a:ea typeface="+mn-ea"/>
+                <a:cs typeface="+mn-cs"/>
+              </a:defRPr>
+            </a:lvl2pPr>
+            <a:lvl3pPr marL="914400" indent="0" algn="ctr" defTabSz="914400" rtl="0" eaLnBrk="1" latinLnBrk="1" hangingPunct="1">
+              <a:lnSpc>
+                <a:spcPct val="90000"/>
+              </a:lnSpc>
+              <a:spcBef>
+                <a:spcPts val="500"/>
+              </a:spcBef>
+              <a:buFont typeface="Arial" panose="020B0604020202020204" pitchFamily="34" charset="0"/>
+              <a:buNone/>
+              <a:defRPr sz="1800" kern="1200">
+                <a:solidFill>
+                  <a:schemeClr val="tx1"/>
+                </a:solidFill>
+                <a:latin typeface="+mn-lt"/>
+                <a:ea typeface="+mn-ea"/>
+                <a:cs typeface="+mn-cs"/>
+              </a:defRPr>
+            </a:lvl3pPr>
+            <a:lvl4pPr marL="1371600" indent="0" algn="ctr" defTabSz="914400" rtl="0" eaLnBrk="1" latinLnBrk="1" hangingPunct="1">
+              <a:lnSpc>
+                <a:spcPct val="90000"/>
+              </a:lnSpc>
+              <a:spcBef>
+                <a:spcPts val="500"/>
+              </a:spcBef>
+              <a:buFont typeface="Arial" panose="020B0604020202020204" pitchFamily="34" charset="0"/>
+              <a:buNone/>
+              <a:defRPr sz="1600" kern="1200">
+                <a:solidFill>
+                  <a:schemeClr val="tx1"/>
+                </a:solidFill>
+                <a:latin typeface="+mn-lt"/>
+                <a:ea typeface="+mn-ea"/>
+                <a:cs typeface="+mn-cs"/>
+              </a:defRPr>
+            </a:lvl4pPr>
+            <a:lvl5pPr marL="1828800" indent="0" algn="ctr" defTabSz="914400" rtl="0" eaLnBrk="1" latinLnBrk="1" hangingPunct="1">
+              <a:lnSpc>
+                <a:spcPct val="90000"/>
+              </a:lnSpc>
+              <a:spcBef>
+                <a:spcPts val="500"/>
+              </a:spcBef>
+              <a:buFont typeface="Arial" panose="020B0604020202020204" pitchFamily="34" charset="0"/>
+              <a:buNone/>
+              <a:defRPr sz="1600" kern="1200">
+                <a:solidFill>
+                  <a:schemeClr val="tx1"/>
+                </a:solidFill>
+                <a:latin typeface="+mn-lt"/>
+                <a:ea typeface="+mn-ea"/>
+                <a:cs typeface="+mn-cs"/>
+              </a:defRPr>
+            </a:lvl5pPr>
+            <a:lvl6pPr marL="2286000" indent="0" algn="ctr" defTabSz="914400" rtl="0" eaLnBrk="1" latinLnBrk="1" hangingPunct="1">
+              <a:lnSpc>
+                <a:spcPct val="90000"/>
+              </a:lnSpc>
+              <a:spcBef>
+                <a:spcPts val="500"/>
+              </a:spcBef>
+              <a:buFont typeface="Arial" panose="020B0604020202020204" pitchFamily="34" charset="0"/>
+              <a:buNone/>
+              <a:defRPr sz="1600" kern="1200">
+                <a:solidFill>
+                  <a:schemeClr val="tx1"/>
+                </a:solidFill>
+                <a:latin typeface="+mn-lt"/>
+                <a:ea typeface="+mn-ea"/>
+                <a:cs typeface="+mn-cs"/>
+              </a:defRPr>
+            </a:lvl6pPr>
+            <a:lvl7pPr marL="2743200" indent="0" algn="ctr" defTabSz="914400" rtl="0" eaLnBrk="1" latinLnBrk="1" hangingPunct="1">
+              <a:lnSpc>
+                <a:spcPct val="90000"/>
+              </a:lnSpc>
+              <a:spcBef>
+                <a:spcPts val="500"/>
+              </a:spcBef>
+              <a:buFont typeface="Arial" panose="020B0604020202020204" pitchFamily="34" charset="0"/>
+              <a:buNone/>
+              <a:defRPr sz="1600" kern="1200">
+                <a:solidFill>
+                  <a:schemeClr val="tx1"/>
+                </a:solidFill>
+                <a:latin typeface="+mn-lt"/>
+                <a:ea typeface="+mn-ea"/>
+                <a:cs typeface="+mn-cs"/>
+              </a:defRPr>
+            </a:lvl7pPr>
+            <a:lvl8pPr marL="3200400" indent="0" algn="ctr" defTabSz="914400" rtl="0" eaLnBrk="1" latinLnBrk="1" hangingPunct="1">
+              <a:lnSpc>
+                <a:spcPct val="90000"/>
+              </a:lnSpc>
+              <a:spcBef>
+                <a:spcPts val="500"/>
+              </a:spcBef>
+              <a:buFont typeface="Arial" panose="020B0604020202020204" pitchFamily="34" charset="0"/>
+              <a:buNone/>
+              <a:defRPr sz="1600" kern="1200">
+                <a:solidFill>
+                  <a:schemeClr val="tx1"/>
+                </a:solidFill>
+                <a:latin typeface="+mn-lt"/>
+                <a:ea typeface="+mn-ea"/>
+                <a:cs typeface="+mn-cs"/>
+              </a:defRPr>
+            </a:lvl8pPr>
+            <a:lvl9pPr marL="3657600" indent="0" algn="ctr" defTabSz="914400" rtl="0" eaLnBrk="1" latinLnBrk="1" hangingPunct="1">
+              <a:lnSpc>
+                <a:spcPct val="90000"/>
+              </a:lnSpc>
+              <a:spcBef>
+                <a:spcPts val="500"/>
+              </a:spcBef>
+              <a:buFont typeface="Arial" panose="020B0604020202020204" pitchFamily="34" charset="0"/>
+              <a:buNone/>
+              <a:defRPr sz="1600" kern="1200">
+                <a:solidFill>
+                  <a:schemeClr val="tx1"/>
+                </a:solidFill>
+                <a:latin typeface="+mn-lt"/>
+                <a:ea typeface="+mn-ea"/>
+                <a:cs typeface="+mn-cs"/>
+              </a:defRPr>
+            </a:lvl9pPr>
+          </a:lstStyle>
+          <a:p>
+            <a:pPr algn="l"/>
+            <a:r>
+              <a:rPr lang="en-US" altLang="ko-KR" dirty="0" smtClean="0"/>
+              <a:t>SCSS</a:t>
+            </a:r>
+            <a:r>
+              <a:rPr lang="ko-KR" altLang="en-US" dirty="0" smtClean="0"/>
+              <a:t>란</a:t>
+            </a:r>
+            <a:r>
+              <a:rPr lang="en-US" altLang="ko-KR" dirty="0" smtClean="0"/>
+              <a:t>? – CSS</a:t>
+            </a:r>
+            <a:r>
+              <a:rPr lang="ko-KR" altLang="en-US" dirty="0" smtClean="0"/>
+              <a:t>가 가진 여러 고충들을 해결</a:t>
+            </a:r>
+            <a:endParaRPr lang="en-US" altLang="ko-KR" dirty="0" smtClean="0"/>
+          </a:p>
+        </p:txBody>
+      </p:sp>
+      <p:pic>
+        <p:nvPicPr>
+          <p:cNvPr id="4" name="그림 3"/>
+          <p:cNvPicPr>
+            <a:picLocks noChangeAspect="1"/>
+          </p:cNvPicPr>
+          <p:nvPr/>
+        </p:nvPicPr>
+        <p:blipFill>
+          <a:blip r:embed="rId4"/>
+          <a:stretch>
+            <a:fillRect/>
+          </a:stretch>
+        </p:blipFill>
+        <p:spPr>
+          <a:xfrm>
+            <a:off x="252248" y="1796699"/>
+            <a:ext cx="4183117" cy="3915217"/>
+          </a:xfrm>
+          <a:prstGeom prst="rect">
+            <a:avLst/>
+          </a:prstGeom>
+        </p:spPr>
+      </p:pic>
+      <p:sp>
+        <p:nvSpPr>
+          <p:cNvPr id="18" name="부제목 2"/>
+          <p:cNvSpPr txBox="1">
+            <a:spLocks/>
+          </p:cNvSpPr>
+          <p:nvPr/>
+        </p:nvSpPr>
+        <p:spPr>
+          <a:xfrm>
+            <a:off x="653562" y="5906682"/>
+            <a:ext cx="3499356" cy="626838"/>
+          </a:xfrm>
+          <a:prstGeom prst="rect">
+            <a:avLst/>
+          </a:prstGeom>
+        </p:spPr>
+        <p:txBody>
+          <a:bodyPr vert="horz" wrap="none" lIns="0" tIns="0" rIns="0" bIns="0" rtlCol="0">
+            <a:spAutoFit/>
+          </a:bodyPr>
+          <a:lstStyle>
+            <a:lvl1pPr marL="0" indent="0" algn="ctr" defTabSz="914400" rtl="0" eaLnBrk="1" latinLnBrk="1" hangingPunct="1">
+              <a:lnSpc>
+                <a:spcPct val="90000"/>
+              </a:lnSpc>
+              <a:spcBef>
+                <a:spcPts val="1000"/>
+              </a:spcBef>
+              <a:buFont typeface="Arial" panose="020B0604020202020204" pitchFamily="34" charset="0"/>
+              <a:buNone/>
+              <a:defRPr sz="2400" kern="1200">
+                <a:solidFill>
+                  <a:schemeClr val="tx1"/>
+                </a:solidFill>
+                <a:latin typeface="+mn-lt"/>
+                <a:ea typeface="+mn-ea"/>
+                <a:cs typeface="+mn-cs"/>
+              </a:defRPr>
+            </a:lvl1pPr>
+            <a:lvl2pPr marL="457200" indent="0" algn="ctr" defTabSz="914400" rtl="0" eaLnBrk="1" latinLnBrk="1" hangingPunct="1">
+              <a:lnSpc>
+                <a:spcPct val="90000"/>
+              </a:lnSpc>
+              <a:spcBef>
+                <a:spcPts val="500"/>
+              </a:spcBef>
+              <a:buFont typeface="Arial" panose="020B0604020202020204" pitchFamily="34" charset="0"/>
+              <a:buNone/>
+              <a:defRPr sz="2000" kern="1200">
+                <a:solidFill>
+                  <a:schemeClr val="tx1"/>
+                </a:solidFill>
+                <a:latin typeface="+mn-lt"/>
+                <a:ea typeface="+mn-ea"/>
+                <a:cs typeface="+mn-cs"/>
+              </a:defRPr>
+            </a:lvl2pPr>
+            <a:lvl3pPr marL="914400" indent="0" algn="ctr" defTabSz="914400" rtl="0" eaLnBrk="1" latinLnBrk="1" hangingPunct="1">
+              <a:lnSpc>
+                <a:spcPct val="90000"/>
+              </a:lnSpc>
+              <a:spcBef>
+                <a:spcPts val="500"/>
+              </a:spcBef>
+              <a:buFont typeface="Arial" panose="020B0604020202020204" pitchFamily="34" charset="0"/>
+              <a:buNone/>
+              <a:defRPr sz="1800" kern="1200">
+                <a:solidFill>
+                  <a:schemeClr val="tx1"/>
+                </a:solidFill>
+                <a:latin typeface="+mn-lt"/>
+                <a:ea typeface="+mn-ea"/>
+                <a:cs typeface="+mn-cs"/>
+              </a:defRPr>
+            </a:lvl3pPr>
+            <a:lvl4pPr marL="1371600" indent="0" algn="ctr" defTabSz="914400" rtl="0" eaLnBrk="1" latinLnBrk="1" hangingPunct="1">
+              <a:lnSpc>
+                <a:spcPct val="90000"/>
+              </a:lnSpc>
+              <a:spcBef>
+                <a:spcPts val="500"/>
+              </a:spcBef>
+              <a:buFont typeface="Arial" panose="020B0604020202020204" pitchFamily="34" charset="0"/>
+              <a:buNone/>
+              <a:defRPr sz="1600" kern="1200">
+                <a:solidFill>
+                  <a:schemeClr val="tx1"/>
+                </a:solidFill>
+                <a:latin typeface="+mn-lt"/>
+                <a:ea typeface="+mn-ea"/>
+                <a:cs typeface="+mn-cs"/>
+              </a:defRPr>
+            </a:lvl4pPr>
+            <a:lvl5pPr marL="1828800" indent="0" algn="ctr" defTabSz="914400" rtl="0" eaLnBrk="1" latinLnBrk="1" hangingPunct="1">
+              <a:lnSpc>
+                <a:spcPct val="90000"/>
+              </a:lnSpc>
+              <a:spcBef>
+                <a:spcPts val="500"/>
+              </a:spcBef>
+              <a:buFont typeface="Arial" panose="020B0604020202020204" pitchFamily="34" charset="0"/>
+              <a:buNone/>
+              <a:defRPr sz="1600" kern="1200">
+                <a:solidFill>
+                  <a:schemeClr val="tx1"/>
+                </a:solidFill>
+                <a:latin typeface="+mn-lt"/>
+                <a:ea typeface="+mn-ea"/>
+                <a:cs typeface="+mn-cs"/>
+              </a:defRPr>
+            </a:lvl5pPr>
+            <a:lvl6pPr marL="2286000" indent="0" algn="ctr" defTabSz="914400" rtl="0" eaLnBrk="1" latinLnBrk="1" hangingPunct="1">
+              <a:lnSpc>
+                <a:spcPct val="90000"/>
+              </a:lnSpc>
+              <a:spcBef>
+                <a:spcPts val="500"/>
+              </a:spcBef>
+              <a:buFont typeface="Arial" panose="020B0604020202020204" pitchFamily="34" charset="0"/>
+              <a:buNone/>
+              <a:defRPr sz="1600" kern="1200">
+                <a:solidFill>
+                  <a:schemeClr val="tx1"/>
+                </a:solidFill>
+                <a:latin typeface="+mn-lt"/>
+                <a:ea typeface="+mn-ea"/>
+                <a:cs typeface="+mn-cs"/>
+              </a:defRPr>
+            </a:lvl6pPr>
+            <a:lvl7pPr marL="2743200" indent="0" algn="ctr" defTabSz="914400" rtl="0" eaLnBrk="1" latinLnBrk="1" hangingPunct="1">
+              <a:lnSpc>
+                <a:spcPct val="90000"/>
+              </a:lnSpc>
+              <a:spcBef>
+                <a:spcPts val="500"/>
+              </a:spcBef>
+              <a:buFont typeface="Arial" panose="020B0604020202020204" pitchFamily="34" charset="0"/>
+              <a:buNone/>
+              <a:defRPr sz="1600" kern="1200">
+                <a:solidFill>
+                  <a:schemeClr val="tx1"/>
+                </a:solidFill>
+                <a:latin typeface="+mn-lt"/>
+                <a:ea typeface="+mn-ea"/>
+                <a:cs typeface="+mn-cs"/>
+              </a:defRPr>
+            </a:lvl7pPr>
+            <a:lvl8pPr marL="3200400" indent="0" algn="ctr" defTabSz="914400" rtl="0" eaLnBrk="1" latinLnBrk="1" hangingPunct="1">
+              <a:lnSpc>
+                <a:spcPct val="90000"/>
+              </a:lnSpc>
+              <a:spcBef>
+                <a:spcPts val="500"/>
+              </a:spcBef>
+              <a:buFont typeface="Arial" panose="020B0604020202020204" pitchFamily="34" charset="0"/>
+              <a:buNone/>
+              <a:defRPr sz="1600" kern="1200">
+                <a:solidFill>
+                  <a:schemeClr val="tx1"/>
+                </a:solidFill>
+                <a:latin typeface="+mn-lt"/>
+                <a:ea typeface="+mn-ea"/>
+                <a:cs typeface="+mn-cs"/>
+              </a:defRPr>
+            </a:lvl8pPr>
+            <a:lvl9pPr marL="3657600" indent="0" algn="ctr" defTabSz="914400" rtl="0" eaLnBrk="1" latinLnBrk="1" hangingPunct="1">
+              <a:lnSpc>
+                <a:spcPct val="90000"/>
+              </a:lnSpc>
+              <a:spcBef>
+                <a:spcPts val="500"/>
+              </a:spcBef>
+              <a:buFont typeface="Arial" panose="020B0604020202020204" pitchFamily="34" charset="0"/>
+              <a:buNone/>
+              <a:defRPr sz="1600" kern="1200">
+                <a:solidFill>
+                  <a:schemeClr val="tx1"/>
+                </a:solidFill>
+                <a:latin typeface="+mn-lt"/>
+                <a:ea typeface="+mn-ea"/>
+                <a:cs typeface="+mn-cs"/>
+              </a:defRPr>
+            </a:lvl9pPr>
+          </a:lstStyle>
+          <a:p>
+            <a:r>
+              <a:rPr lang="ko-KR" altLang="en-US" sz="1800" dirty="0" smtClean="0"/>
+              <a:t>해당 </a:t>
+            </a:r>
+            <a:r>
+              <a:rPr lang="en-US" altLang="ko-KR" sz="1800" dirty="0" err="1" smtClean="0"/>
+              <a:t>scss</a:t>
+            </a:r>
+            <a:r>
+              <a:rPr lang="ko-KR" altLang="en-US" sz="1800" dirty="0" smtClean="0"/>
+              <a:t>파일을 누르고 </a:t>
+            </a:r>
+            <a:r>
+              <a:rPr lang="en-US" altLang="ko-KR" sz="1800" dirty="0" err="1" smtClean="0"/>
+              <a:t>css</a:t>
+            </a:r>
+            <a:r>
+              <a:rPr lang="ko-KR" altLang="en-US" sz="1800" dirty="0" smtClean="0"/>
+              <a:t>파일로</a:t>
+            </a:r>
+            <a:endParaRPr lang="en-US" altLang="ko-KR" sz="1800" dirty="0" smtClean="0"/>
+          </a:p>
+          <a:p>
+            <a:r>
+              <a:rPr lang="ko-KR" altLang="en-US" sz="1800" dirty="0" smtClean="0"/>
+              <a:t>재생버튼을 누르면 변환 시작</a:t>
+            </a:r>
+            <a:endParaRPr lang="en-US" altLang="ko-KR" sz="1800" dirty="0" smtClean="0"/>
+          </a:p>
+        </p:txBody>
+      </p:sp>
+      <p:sp>
+        <p:nvSpPr>
+          <p:cNvPr id="19" name="부제목 2"/>
+          <p:cNvSpPr txBox="1">
+            <a:spLocks/>
+          </p:cNvSpPr>
+          <p:nvPr/>
+        </p:nvSpPr>
+        <p:spPr>
+          <a:xfrm>
+            <a:off x="6413823" y="1310458"/>
+            <a:ext cx="4732065" cy="249299"/>
+          </a:xfrm>
+          <a:prstGeom prst="rect">
+            <a:avLst/>
+          </a:prstGeom>
+        </p:spPr>
+        <p:txBody>
+          <a:bodyPr vert="horz" wrap="none" lIns="0" tIns="0" rIns="0" bIns="0" rtlCol="0">
+            <a:spAutoFit/>
+          </a:bodyPr>
+          <a:lstStyle>
+            <a:lvl1pPr marL="0" indent="0" algn="ctr" defTabSz="914400" rtl="0" eaLnBrk="1" latinLnBrk="1" hangingPunct="1">
+              <a:lnSpc>
+                <a:spcPct val="90000"/>
+              </a:lnSpc>
+              <a:spcBef>
+                <a:spcPts val="1000"/>
+              </a:spcBef>
+              <a:buFont typeface="Arial" panose="020B0604020202020204" pitchFamily="34" charset="0"/>
+              <a:buNone/>
+              <a:defRPr sz="2400" kern="1200">
+                <a:solidFill>
+                  <a:schemeClr val="tx1"/>
+                </a:solidFill>
+                <a:latin typeface="+mn-lt"/>
+                <a:ea typeface="+mn-ea"/>
+                <a:cs typeface="+mn-cs"/>
+              </a:defRPr>
+            </a:lvl1pPr>
+            <a:lvl2pPr marL="457200" indent="0" algn="ctr" defTabSz="914400" rtl="0" eaLnBrk="1" latinLnBrk="1" hangingPunct="1">
+              <a:lnSpc>
+                <a:spcPct val="90000"/>
+              </a:lnSpc>
+              <a:spcBef>
+                <a:spcPts val="500"/>
+              </a:spcBef>
+              <a:buFont typeface="Arial" panose="020B0604020202020204" pitchFamily="34" charset="0"/>
+              <a:buNone/>
+              <a:defRPr sz="2000" kern="1200">
+                <a:solidFill>
+                  <a:schemeClr val="tx1"/>
+                </a:solidFill>
+                <a:latin typeface="+mn-lt"/>
+                <a:ea typeface="+mn-ea"/>
+                <a:cs typeface="+mn-cs"/>
+              </a:defRPr>
+            </a:lvl2pPr>
+            <a:lvl3pPr marL="914400" indent="0" algn="ctr" defTabSz="914400" rtl="0" eaLnBrk="1" latinLnBrk="1" hangingPunct="1">
+              <a:lnSpc>
+                <a:spcPct val="90000"/>
+              </a:lnSpc>
+              <a:spcBef>
+                <a:spcPts val="500"/>
+              </a:spcBef>
+              <a:buFont typeface="Arial" panose="020B0604020202020204" pitchFamily="34" charset="0"/>
+              <a:buNone/>
+              <a:defRPr sz="1800" kern="1200">
+                <a:solidFill>
+                  <a:schemeClr val="tx1"/>
+                </a:solidFill>
+                <a:latin typeface="+mn-lt"/>
+                <a:ea typeface="+mn-ea"/>
+                <a:cs typeface="+mn-cs"/>
+              </a:defRPr>
+            </a:lvl3pPr>
+            <a:lvl4pPr marL="1371600" indent="0" algn="ctr" defTabSz="914400" rtl="0" eaLnBrk="1" latinLnBrk="1" hangingPunct="1">
+              <a:lnSpc>
+                <a:spcPct val="90000"/>
+              </a:lnSpc>
+              <a:spcBef>
+                <a:spcPts val="500"/>
+              </a:spcBef>
+              <a:buFont typeface="Arial" panose="020B0604020202020204" pitchFamily="34" charset="0"/>
+              <a:buNone/>
+              <a:defRPr sz="1600" kern="1200">
+                <a:solidFill>
+                  <a:schemeClr val="tx1"/>
+                </a:solidFill>
+                <a:latin typeface="+mn-lt"/>
+                <a:ea typeface="+mn-ea"/>
+                <a:cs typeface="+mn-cs"/>
+              </a:defRPr>
+            </a:lvl4pPr>
+            <a:lvl5pPr marL="1828800" indent="0" algn="ctr" defTabSz="914400" rtl="0" eaLnBrk="1" latinLnBrk="1" hangingPunct="1">
+              <a:lnSpc>
+                <a:spcPct val="90000"/>
+              </a:lnSpc>
+              <a:spcBef>
+                <a:spcPts val="500"/>
+              </a:spcBef>
+              <a:buFont typeface="Arial" panose="020B0604020202020204" pitchFamily="34" charset="0"/>
+              <a:buNone/>
+              <a:defRPr sz="1600" kern="1200">
+                <a:solidFill>
+                  <a:schemeClr val="tx1"/>
+                </a:solidFill>
+                <a:latin typeface="+mn-lt"/>
+                <a:ea typeface="+mn-ea"/>
+                <a:cs typeface="+mn-cs"/>
+              </a:defRPr>
+            </a:lvl5pPr>
+            <a:lvl6pPr marL="2286000" indent="0" algn="ctr" defTabSz="914400" rtl="0" eaLnBrk="1" latinLnBrk="1" hangingPunct="1">
+              <a:lnSpc>
+                <a:spcPct val="90000"/>
+              </a:lnSpc>
+              <a:spcBef>
+                <a:spcPts val="500"/>
+              </a:spcBef>
+              <a:buFont typeface="Arial" panose="020B0604020202020204" pitchFamily="34" charset="0"/>
+              <a:buNone/>
+              <a:defRPr sz="1600" kern="1200">
+                <a:solidFill>
+                  <a:schemeClr val="tx1"/>
+                </a:solidFill>
+                <a:latin typeface="+mn-lt"/>
+                <a:ea typeface="+mn-ea"/>
+                <a:cs typeface="+mn-cs"/>
+              </a:defRPr>
+            </a:lvl6pPr>
+            <a:lvl7pPr marL="2743200" indent="0" algn="ctr" defTabSz="914400" rtl="0" eaLnBrk="1" latinLnBrk="1" hangingPunct="1">
+              <a:lnSpc>
+                <a:spcPct val="90000"/>
+              </a:lnSpc>
+              <a:spcBef>
+                <a:spcPts val="500"/>
+              </a:spcBef>
+              <a:buFont typeface="Arial" panose="020B0604020202020204" pitchFamily="34" charset="0"/>
+              <a:buNone/>
+              <a:defRPr sz="1600" kern="1200">
+                <a:solidFill>
+                  <a:schemeClr val="tx1"/>
+                </a:solidFill>
+                <a:latin typeface="+mn-lt"/>
+                <a:ea typeface="+mn-ea"/>
+                <a:cs typeface="+mn-cs"/>
+              </a:defRPr>
+            </a:lvl7pPr>
+            <a:lvl8pPr marL="3200400" indent="0" algn="ctr" defTabSz="914400" rtl="0" eaLnBrk="1" latinLnBrk="1" hangingPunct="1">
+              <a:lnSpc>
+                <a:spcPct val="90000"/>
+              </a:lnSpc>
+              <a:spcBef>
+                <a:spcPts val="500"/>
+              </a:spcBef>
+              <a:buFont typeface="Arial" panose="020B0604020202020204" pitchFamily="34" charset="0"/>
+              <a:buNone/>
+              <a:defRPr sz="1600" kern="1200">
+                <a:solidFill>
+                  <a:schemeClr val="tx1"/>
+                </a:solidFill>
+                <a:latin typeface="+mn-lt"/>
+                <a:ea typeface="+mn-ea"/>
+                <a:cs typeface="+mn-cs"/>
+              </a:defRPr>
+            </a:lvl8pPr>
+            <a:lvl9pPr marL="3657600" indent="0" algn="ctr" defTabSz="914400" rtl="0" eaLnBrk="1" latinLnBrk="1" hangingPunct="1">
+              <a:lnSpc>
+                <a:spcPct val="90000"/>
+              </a:lnSpc>
+              <a:spcBef>
+                <a:spcPts val="500"/>
+              </a:spcBef>
+              <a:buFont typeface="Arial" panose="020B0604020202020204" pitchFamily="34" charset="0"/>
+              <a:buNone/>
+              <a:defRPr sz="1600" kern="1200">
+                <a:solidFill>
+                  <a:schemeClr val="tx1"/>
+                </a:solidFill>
+                <a:latin typeface="+mn-lt"/>
+                <a:ea typeface="+mn-ea"/>
+                <a:cs typeface="+mn-cs"/>
+              </a:defRPr>
+            </a:lvl9pPr>
+          </a:lstStyle>
+          <a:p>
+            <a:pPr algn="l"/>
+            <a:r>
+              <a:rPr lang="en-US" altLang="ko-KR" sz="1800" b="1" dirty="0" smtClean="0"/>
+              <a:t>[</a:t>
+            </a:r>
+            <a:r>
+              <a:rPr lang="ko-KR" altLang="en-US" sz="1800" b="1" dirty="0" smtClean="0"/>
+              <a:t>그 중 하나가 </a:t>
+            </a:r>
+            <a:r>
+              <a:rPr lang="en-US" altLang="ko-KR" sz="1800" b="1" dirty="0" smtClean="0"/>
+              <a:t>SCSS</a:t>
+            </a:r>
+            <a:r>
+              <a:rPr lang="ko-KR" altLang="en-US" sz="1800" b="1" dirty="0" smtClean="0"/>
+              <a:t>는 중첩이 가능하다는 점</a:t>
+            </a:r>
+            <a:r>
+              <a:rPr lang="en-US" altLang="ko-KR" sz="1800" b="1" dirty="0" smtClean="0"/>
+              <a:t>!]</a:t>
+            </a:r>
+            <a:endParaRPr lang="en-US" altLang="ko-KR" sz="1800" b="1" dirty="0" smtClean="0"/>
+          </a:p>
+        </p:txBody>
+      </p:sp>
+      <p:pic>
+        <p:nvPicPr>
+          <p:cNvPr id="6" name="그림 5"/>
+          <p:cNvPicPr>
+            <a:picLocks noChangeAspect="1"/>
+          </p:cNvPicPr>
+          <p:nvPr/>
+        </p:nvPicPr>
+        <p:blipFill>
+          <a:blip r:embed="rId5"/>
+          <a:stretch>
+            <a:fillRect/>
+          </a:stretch>
+        </p:blipFill>
+        <p:spPr>
+          <a:xfrm>
+            <a:off x="5169125" y="1699045"/>
+            <a:ext cx="3438525" cy="4714875"/>
+          </a:xfrm>
+          <a:prstGeom prst="rect">
+            <a:avLst/>
+          </a:prstGeom>
+        </p:spPr>
+      </p:pic>
+      <p:pic>
+        <p:nvPicPr>
+          <p:cNvPr id="7" name="그림 6"/>
+          <p:cNvPicPr>
+            <a:picLocks noChangeAspect="1"/>
+          </p:cNvPicPr>
+          <p:nvPr/>
+        </p:nvPicPr>
+        <p:blipFill>
+          <a:blip r:embed="rId6"/>
+          <a:stretch>
+            <a:fillRect/>
+          </a:stretch>
+        </p:blipFill>
+        <p:spPr>
+          <a:xfrm>
+            <a:off x="8828326" y="1699045"/>
+            <a:ext cx="3206725" cy="4685568"/>
+          </a:xfrm>
+          <a:prstGeom prst="rect">
+            <a:avLst/>
+          </a:prstGeom>
+        </p:spPr>
+      </p:pic>
+      <p:sp>
+        <p:nvSpPr>
+          <p:cNvPr id="27" name="부제목 2"/>
+          <p:cNvSpPr txBox="1">
+            <a:spLocks/>
+          </p:cNvSpPr>
+          <p:nvPr/>
+        </p:nvSpPr>
+        <p:spPr>
+          <a:xfrm>
+            <a:off x="6518579" y="6428558"/>
+            <a:ext cx="407163" cy="249299"/>
+          </a:xfrm>
+          <a:prstGeom prst="rect">
+            <a:avLst/>
+          </a:prstGeom>
+        </p:spPr>
+        <p:txBody>
+          <a:bodyPr vert="horz" wrap="none" lIns="0" tIns="0" rIns="0" bIns="0" rtlCol="0">
+            <a:spAutoFit/>
+          </a:bodyPr>
+          <a:lstStyle>
+            <a:lvl1pPr marL="0" indent="0" algn="ctr" defTabSz="914400" rtl="0" eaLnBrk="1" latinLnBrk="1" hangingPunct="1">
+              <a:lnSpc>
+                <a:spcPct val="90000"/>
+              </a:lnSpc>
+              <a:spcBef>
+                <a:spcPts val="1000"/>
+              </a:spcBef>
+              <a:buFont typeface="Arial" panose="020B0604020202020204" pitchFamily="34" charset="0"/>
+              <a:buNone/>
+              <a:defRPr sz="2400" kern="1200">
+                <a:solidFill>
+                  <a:schemeClr val="tx1"/>
+                </a:solidFill>
+                <a:latin typeface="+mn-lt"/>
+                <a:ea typeface="+mn-ea"/>
+                <a:cs typeface="+mn-cs"/>
+              </a:defRPr>
+            </a:lvl1pPr>
+            <a:lvl2pPr marL="457200" indent="0" algn="ctr" defTabSz="914400" rtl="0" eaLnBrk="1" latinLnBrk="1" hangingPunct="1">
+              <a:lnSpc>
+                <a:spcPct val="90000"/>
+              </a:lnSpc>
+              <a:spcBef>
+                <a:spcPts val="500"/>
+              </a:spcBef>
+              <a:buFont typeface="Arial" panose="020B0604020202020204" pitchFamily="34" charset="0"/>
+              <a:buNone/>
+              <a:defRPr sz="2000" kern="1200">
+                <a:solidFill>
+                  <a:schemeClr val="tx1"/>
+                </a:solidFill>
+                <a:latin typeface="+mn-lt"/>
+                <a:ea typeface="+mn-ea"/>
+                <a:cs typeface="+mn-cs"/>
+              </a:defRPr>
+            </a:lvl2pPr>
+            <a:lvl3pPr marL="914400" indent="0" algn="ctr" defTabSz="914400" rtl="0" eaLnBrk="1" latinLnBrk="1" hangingPunct="1">
+              <a:lnSpc>
+                <a:spcPct val="90000"/>
+              </a:lnSpc>
+              <a:spcBef>
+                <a:spcPts val="500"/>
+              </a:spcBef>
+              <a:buFont typeface="Arial" panose="020B0604020202020204" pitchFamily="34" charset="0"/>
+              <a:buNone/>
+              <a:defRPr sz="1800" kern="1200">
+                <a:solidFill>
+                  <a:schemeClr val="tx1"/>
+                </a:solidFill>
+                <a:latin typeface="+mn-lt"/>
+                <a:ea typeface="+mn-ea"/>
+                <a:cs typeface="+mn-cs"/>
+              </a:defRPr>
+            </a:lvl3pPr>
+            <a:lvl4pPr marL="1371600" indent="0" algn="ctr" defTabSz="914400" rtl="0" eaLnBrk="1" latinLnBrk="1" hangingPunct="1">
+              <a:lnSpc>
+                <a:spcPct val="90000"/>
+              </a:lnSpc>
+              <a:spcBef>
+                <a:spcPts val="500"/>
+              </a:spcBef>
+              <a:buFont typeface="Arial" panose="020B0604020202020204" pitchFamily="34" charset="0"/>
+              <a:buNone/>
+              <a:defRPr sz="1600" kern="1200">
+                <a:solidFill>
+                  <a:schemeClr val="tx1"/>
+                </a:solidFill>
+                <a:latin typeface="+mn-lt"/>
+                <a:ea typeface="+mn-ea"/>
+                <a:cs typeface="+mn-cs"/>
+              </a:defRPr>
+            </a:lvl4pPr>
+            <a:lvl5pPr marL="1828800" indent="0" algn="ctr" defTabSz="914400" rtl="0" eaLnBrk="1" latinLnBrk="1" hangingPunct="1">
+              <a:lnSpc>
+                <a:spcPct val="90000"/>
+              </a:lnSpc>
+              <a:spcBef>
+                <a:spcPts val="500"/>
+              </a:spcBef>
+              <a:buFont typeface="Arial" panose="020B0604020202020204" pitchFamily="34" charset="0"/>
+              <a:buNone/>
+              <a:defRPr sz="1600" kern="1200">
+                <a:solidFill>
+                  <a:schemeClr val="tx1"/>
+                </a:solidFill>
+                <a:latin typeface="+mn-lt"/>
+                <a:ea typeface="+mn-ea"/>
+                <a:cs typeface="+mn-cs"/>
+              </a:defRPr>
+            </a:lvl5pPr>
+            <a:lvl6pPr marL="2286000" indent="0" algn="ctr" defTabSz="914400" rtl="0" eaLnBrk="1" latinLnBrk="1" hangingPunct="1">
+              <a:lnSpc>
+                <a:spcPct val="90000"/>
+              </a:lnSpc>
+              <a:spcBef>
+                <a:spcPts val="500"/>
+              </a:spcBef>
+              <a:buFont typeface="Arial" panose="020B0604020202020204" pitchFamily="34" charset="0"/>
+              <a:buNone/>
+              <a:defRPr sz="1600" kern="1200">
+                <a:solidFill>
+                  <a:schemeClr val="tx1"/>
+                </a:solidFill>
+                <a:latin typeface="+mn-lt"/>
+                <a:ea typeface="+mn-ea"/>
+                <a:cs typeface="+mn-cs"/>
+              </a:defRPr>
+            </a:lvl6pPr>
+            <a:lvl7pPr marL="2743200" indent="0" algn="ctr" defTabSz="914400" rtl="0" eaLnBrk="1" latinLnBrk="1" hangingPunct="1">
+              <a:lnSpc>
+                <a:spcPct val="90000"/>
+              </a:lnSpc>
+              <a:spcBef>
+                <a:spcPts val="500"/>
+              </a:spcBef>
+              <a:buFont typeface="Arial" panose="020B0604020202020204" pitchFamily="34" charset="0"/>
+              <a:buNone/>
+              <a:defRPr sz="1600" kern="1200">
+                <a:solidFill>
+                  <a:schemeClr val="tx1"/>
+                </a:solidFill>
+                <a:latin typeface="+mn-lt"/>
+                <a:ea typeface="+mn-ea"/>
+                <a:cs typeface="+mn-cs"/>
+              </a:defRPr>
+            </a:lvl7pPr>
+            <a:lvl8pPr marL="3200400" indent="0" algn="ctr" defTabSz="914400" rtl="0" eaLnBrk="1" latinLnBrk="1" hangingPunct="1">
+              <a:lnSpc>
+                <a:spcPct val="90000"/>
+              </a:lnSpc>
+              <a:spcBef>
+                <a:spcPts val="500"/>
+              </a:spcBef>
+              <a:buFont typeface="Arial" panose="020B0604020202020204" pitchFamily="34" charset="0"/>
+              <a:buNone/>
+              <a:defRPr sz="1600" kern="1200">
+                <a:solidFill>
+                  <a:schemeClr val="tx1"/>
+                </a:solidFill>
+                <a:latin typeface="+mn-lt"/>
+                <a:ea typeface="+mn-ea"/>
+                <a:cs typeface="+mn-cs"/>
+              </a:defRPr>
+            </a:lvl8pPr>
+            <a:lvl9pPr marL="3657600" indent="0" algn="ctr" defTabSz="914400" rtl="0" eaLnBrk="1" latinLnBrk="1" hangingPunct="1">
+              <a:lnSpc>
+                <a:spcPct val="90000"/>
+              </a:lnSpc>
+              <a:spcBef>
+                <a:spcPts val="500"/>
+              </a:spcBef>
+              <a:buFont typeface="Arial" panose="020B0604020202020204" pitchFamily="34" charset="0"/>
+              <a:buNone/>
+              <a:defRPr sz="1600" kern="1200">
+                <a:solidFill>
+                  <a:schemeClr val="tx1"/>
+                </a:solidFill>
+                <a:latin typeface="+mn-lt"/>
+                <a:ea typeface="+mn-ea"/>
+                <a:cs typeface="+mn-cs"/>
+              </a:defRPr>
+            </a:lvl9pPr>
+          </a:lstStyle>
+          <a:p>
+            <a:pPr algn="l"/>
+            <a:r>
+              <a:rPr lang="en-US" altLang="ko-KR" sz="1800" b="1" dirty="0" smtClean="0"/>
+              <a:t>CSS</a:t>
+            </a:r>
+            <a:endParaRPr lang="en-US" altLang="ko-KR" sz="1800" b="1" dirty="0" smtClean="0"/>
+          </a:p>
+        </p:txBody>
+      </p:sp>
+      <p:sp>
+        <p:nvSpPr>
+          <p:cNvPr id="31" name="부제목 2"/>
+          <p:cNvSpPr txBox="1">
+            <a:spLocks/>
+          </p:cNvSpPr>
+          <p:nvPr/>
+        </p:nvSpPr>
+        <p:spPr>
+          <a:xfrm>
+            <a:off x="10228106" y="6428558"/>
+            <a:ext cx="537006" cy="249299"/>
+          </a:xfrm>
+          <a:prstGeom prst="rect">
+            <a:avLst/>
+          </a:prstGeom>
+        </p:spPr>
+        <p:txBody>
+          <a:bodyPr vert="horz" wrap="none" lIns="0" tIns="0" rIns="0" bIns="0" rtlCol="0">
+            <a:spAutoFit/>
+          </a:bodyPr>
+          <a:lstStyle>
+            <a:lvl1pPr marL="0" indent="0" algn="ctr" defTabSz="914400" rtl="0" eaLnBrk="1" latinLnBrk="1" hangingPunct="1">
+              <a:lnSpc>
+                <a:spcPct val="90000"/>
+              </a:lnSpc>
+              <a:spcBef>
+                <a:spcPts val="1000"/>
+              </a:spcBef>
+              <a:buFont typeface="Arial" panose="020B0604020202020204" pitchFamily="34" charset="0"/>
+              <a:buNone/>
+              <a:defRPr sz="2400" kern="1200">
+                <a:solidFill>
+                  <a:schemeClr val="tx1"/>
+                </a:solidFill>
+                <a:latin typeface="+mn-lt"/>
+                <a:ea typeface="+mn-ea"/>
+                <a:cs typeface="+mn-cs"/>
+              </a:defRPr>
+            </a:lvl1pPr>
+            <a:lvl2pPr marL="457200" indent="0" algn="ctr" defTabSz="914400" rtl="0" eaLnBrk="1" latinLnBrk="1" hangingPunct="1">
+              <a:lnSpc>
+                <a:spcPct val="90000"/>
+              </a:lnSpc>
+              <a:spcBef>
+                <a:spcPts val="500"/>
+              </a:spcBef>
+              <a:buFont typeface="Arial" panose="020B0604020202020204" pitchFamily="34" charset="0"/>
+              <a:buNone/>
+              <a:defRPr sz="2000" kern="1200">
+                <a:solidFill>
+                  <a:schemeClr val="tx1"/>
+                </a:solidFill>
+                <a:latin typeface="+mn-lt"/>
+                <a:ea typeface="+mn-ea"/>
+                <a:cs typeface="+mn-cs"/>
+              </a:defRPr>
+            </a:lvl2pPr>
+            <a:lvl3pPr marL="914400" indent="0" algn="ctr" defTabSz="914400" rtl="0" eaLnBrk="1" latinLnBrk="1" hangingPunct="1">
+              <a:lnSpc>
+                <a:spcPct val="90000"/>
+              </a:lnSpc>
+              <a:spcBef>
+                <a:spcPts val="500"/>
+              </a:spcBef>
+              <a:buFont typeface="Arial" panose="020B0604020202020204" pitchFamily="34" charset="0"/>
+              <a:buNone/>
+              <a:defRPr sz="1800" kern="1200">
+                <a:solidFill>
+                  <a:schemeClr val="tx1"/>
+                </a:solidFill>
+                <a:latin typeface="+mn-lt"/>
+                <a:ea typeface="+mn-ea"/>
+                <a:cs typeface="+mn-cs"/>
+              </a:defRPr>
+            </a:lvl3pPr>
+            <a:lvl4pPr marL="1371600" indent="0" algn="ctr" defTabSz="914400" rtl="0" eaLnBrk="1" latinLnBrk="1" hangingPunct="1">
+              <a:lnSpc>
+                <a:spcPct val="90000"/>
+              </a:lnSpc>
+              <a:spcBef>
+                <a:spcPts val="500"/>
+              </a:spcBef>
+              <a:buFont typeface="Arial" panose="020B0604020202020204" pitchFamily="34" charset="0"/>
+              <a:buNone/>
+              <a:defRPr sz="1600" kern="1200">
+                <a:solidFill>
+                  <a:schemeClr val="tx1"/>
+                </a:solidFill>
+                <a:latin typeface="+mn-lt"/>
+                <a:ea typeface="+mn-ea"/>
+                <a:cs typeface="+mn-cs"/>
+              </a:defRPr>
+            </a:lvl4pPr>
+            <a:lvl5pPr marL="1828800" indent="0" algn="ctr" defTabSz="914400" rtl="0" eaLnBrk="1" latinLnBrk="1" hangingPunct="1">
+              <a:lnSpc>
+                <a:spcPct val="90000"/>
+              </a:lnSpc>
+              <a:spcBef>
+                <a:spcPts val="500"/>
+              </a:spcBef>
+              <a:buFont typeface="Arial" panose="020B0604020202020204" pitchFamily="34" charset="0"/>
+              <a:buNone/>
+              <a:defRPr sz="1600" kern="1200">
+                <a:solidFill>
+                  <a:schemeClr val="tx1"/>
+                </a:solidFill>
+                <a:latin typeface="+mn-lt"/>
+                <a:ea typeface="+mn-ea"/>
+                <a:cs typeface="+mn-cs"/>
+              </a:defRPr>
+            </a:lvl5pPr>
+            <a:lvl6pPr marL="2286000" indent="0" algn="ctr" defTabSz="914400" rtl="0" eaLnBrk="1" latinLnBrk="1" hangingPunct="1">
+              <a:lnSpc>
+                <a:spcPct val="90000"/>
+              </a:lnSpc>
+              <a:spcBef>
+                <a:spcPts val="500"/>
+              </a:spcBef>
+              <a:buFont typeface="Arial" panose="020B0604020202020204" pitchFamily="34" charset="0"/>
+              <a:buNone/>
+              <a:defRPr sz="1600" kern="1200">
+                <a:solidFill>
+                  <a:schemeClr val="tx1"/>
+                </a:solidFill>
+                <a:latin typeface="+mn-lt"/>
+                <a:ea typeface="+mn-ea"/>
+                <a:cs typeface="+mn-cs"/>
+              </a:defRPr>
+            </a:lvl6pPr>
+            <a:lvl7pPr marL="2743200" indent="0" algn="ctr" defTabSz="914400" rtl="0" eaLnBrk="1" latinLnBrk="1" hangingPunct="1">
+              <a:lnSpc>
+                <a:spcPct val="90000"/>
+              </a:lnSpc>
+              <a:spcBef>
+                <a:spcPts val="500"/>
+              </a:spcBef>
+              <a:buFont typeface="Arial" panose="020B0604020202020204" pitchFamily="34" charset="0"/>
+              <a:buNone/>
+              <a:defRPr sz="1600" kern="1200">
+                <a:solidFill>
+                  <a:schemeClr val="tx1"/>
+                </a:solidFill>
+                <a:latin typeface="+mn-lt"/>
+                <a:ea typeface="+mn-ea"/>
+                <a:cs typeface="+mn-cs"/>
+              </a:defRPr>
+            </a:lvl7pPr>
+            <a:lvl8pPr marL="3200400" indent="0" algn="ctr" defTabSz="914400" rtl="0" eaLnBrk="1" latinLnBrk="1" hangingPunct="1">
+              <a:lnSpc>
+                <a:spcPct val="90000"/>
+              </a:lnSpc>
+              <a:spcBef>
+                <a:spcPts val="500"/>
+              </a:spcBef>
+              <a:buFont typeface="Arial" panose="020B0604020202020204" pitchFamily="34" charset="0"/>
+              <a:buNone/>
+              <a:defRPr sz="1600" kern="1200">
+                <a:solidFill>
+                  <a:schemeClr val="tx1"/>
+                </a:solidFill>
+                <a:latin typeface="+mn-lt"/>
+                <a:ea typeface="+mn-ea"/>
+                <a:cs typeface="+mn-cs"/>
+              </a:defRPr>
+            </a:lvl8pPr>
+            <a:lvl9pPr marL="3657600" indent="0" algn="ctr" defTabSz="914400" rtl="0" eaLnBrk="1" latinLnBrk="1" hangingPunct="1">
+              <a:lnSpc>
+                <a:spcPct val="90000"/>
+              </a:lnSpc>
+              <a:spcBef>
+                <a:spcPts val="500"/>
+              </a:spcBef>
+              <a:buFont typeface="Arial" panose="020B0604020202020204" pitchFamily="34" charset="0"/>
+              <a:buNone/>
+              <a:defRPr sz="1600" kern="1200">
+                <a:solidFill>
+                  <a:schemeClr val="tx1"/>
+                </a:solidFill>
+                <a:latin typeface="+mn-lt"/>
+                <a:ea typeface="+mn-ea"/>
+                <a:cs typeface="+mn-cs"/>
+              </a:defRPr>
+            </a:lvl9pPr>
+          </a:lstStyle>
+          <a:p>
+            <a:pPr algn="l"/>
+            <a:r>
+              <a:rPr lang="en-US" altLang="ko-KR" sz="1800" b="1" dirty="0" smtClean="0"/>
+              <a:t>SCSS</a:t>
+            </a:r>
+            <a:endParaRPr lang="en-US" altLang="ko-KR" sz="1800" b="1" dirty="0" smtClean="0"/>
           </a:p>
         </p:txBody>
       </p:sp>
     </p:spTree>
     <p:extLst>
       <p:ext uri="{BB962C8B-B14F-4D97-AF65-F5344CB8AC3E}">
-        <p14:creationId xmlns:p14="http://schemas.microsoft.com/office/powerpoint/2010/main" val="2179931689"/>
+        <p14:creationId xmlns:p14="http://schemas.microsoft.com/office/powerpoint/2010/main" val="311377750"/>
       </p:ext>
     </p:extLst>
   </p:cSld>
